--- a/Vagrant.pptx
+++ b/Vagrant.pptx
@@ -4,17 +4,25 @@
   <p:sldMasterIdLst>
     <p:sldMasterId id="2147483648" r:id="rId1"/>
   </p:sldMasterIdLst>
+  <p:notesMasterIdLst>
+    <p:notesMasterId r:id="rId17"/>
+  </p:notesMasterIdLst>
   <p:sldIdLst>
     <p:sldId id="265" r:id="rId2"/>
-    <p:sldId id="258" r:id="rId3"/>
-    <p:sldId id="259" r:id="rId4"/>
-    <p:sldId id="257" r:id="rId5"/>
-    <p:sldId id="260" r:id="rId6"/>
-    <p:sldId id="261" r:id="rId7"/>
-    <p:sldId id="262" r:id="rId8"/>
-    <p:sldId id="263" r:id="rId9"/>
-    <p:sldId id="266" r:id="rId10"/>
-    <p:sldId id="267" r:id="rId11"/>
+    <p:sldId id="268" r:id="rId3"/>
+    <p:sldId id="258" r:id="rId4"/>
+    <p:sldId id="259" r:id="rId5"/>
+    <p:sldId id="257" r:id="rId6"/>
+    <p:sldId id="260" r:id="rId7"/>
+    <p:sldId id="261" r:id="rId8"/>
+    <p:sldId id="262" r:id="rId9"/>
+    <p:sldId id="263" r:id="rId10"/>
+    <p:sldId id="269" r:id="rId11"/>
+    <p:sldId id="270" r:id="rId12"/>
+    <p:sldId id="273" r:id="rId13"/>
+    <p:sldId id="271" r:id="rId14"/>
+    <p:sldId id="272" r:id="rId15"/>
+    <p:sldId id="267" r:id="rId16"/>
   </p:sldIdLst>
   <p:sldSz cx="9144000" cy="5143500" type="screen16x9"/>
   <p:notesSz cx="6858000" cy="9144000"/>
@@ -116,6 +124,646 @@
 </p:presentation>
 </file>
 
+<file path=ppt/notesMasters/notesMaster1.xml><?xml version="1.0" encoding="utf-8"?>
+<p:notesMaster xmlns:a="http://schemas.openxmlformats.org/drawingml/2006/main" xmlns:r="http://schemas.openxmlformats.org/officeDocument/2006/relationships" xmlns:p="http://schemas.openxmlformats.org/presentationml/2006/main">
+  <p:cSld>
+    <p:bg>
+      <p:bgRef idx="1001">
+        <a:schemeClr val="bg1"/>
+      </p:bgRef>
+    </p:bg>
+    <p:spTree>
+      <p:nvGrpSpPr>
+        <p:cNvPr id="1" name=""/>
+        <p:cNvGrpSpPr/>
+        <p:nvPr/>
+      </p:nvGrpSpPr>
+      <p:grpSpPr>
+        <a:xfrm>
+          <a:off x="0" y="0"/>
+          <a:ext cx="0" cy="0"/>
+          <a:chOff x="0" y="0"/>
+          <a:chExt cx="0" cy="0"/>
+        </a:xfrm>
+      </p:grpSpPr>
+      <p:sp>
+        <p:nvSpPr>
+          <p:cNvPr id="2" name="Header Placeholder 1"/>
+          <p:cNvSpPr>
+            <a:spLocks noGrp="1"/>
+          </p:cNvSpPr>
+          <p:nvPr>
+            <p:ph type="hdr" sz="quarter"/>
+          </p:nvPr>
+        </p:nvSpPr>
+        <p:spPr>
+          <a:xfrm>
+            <a:off x="0" y="0"/>
+            <a:ext cx="2971800" cy="457200"/>
+          </a:xfrm>
+          <a:prstGeom prst="rect">
+            <a:avLst/>
+          </a:prstGeom>
+        </p:spPr>
+        <p:txBody>
+          <a:bodyPr vert="horz" lIns="91440" tIns="45720" rIns="91440" bIns="45720" rtlCol="0"/>
+          <a:lstStyle>
+            <a:lvl1pPr algn="l">
+              <a:defRPr sz="1200"/>
+            </a:lvl1pPr>
+          </a:lstStyle>
+          <a:p>
+            <a:endParaRPr lang="en-US"/>
+          </a:p>
+        </p:txBody>
+      </p:sp>
+      <p:sp>
+        <p:nvSpPr>
+          <p:cNvPr id="3" name="Date Placeholder 2"/>
+          <p:cNvSpPr>
+            <a:spLocks noGrp="1"/>
+          </p:cNvSpPr>
+          <p:nvPr>
+            <p:ph type="dt" idx="1"/>
+          </p:nvPr>
+        </p:nvSpPr>
+        <p:spPr>
+          <a:xfrm>
+            <a:off x="3884613" y="0"/>
+            <a:ext cx="2971800" cy="457200"/>
+          </a:xfrm>
+          <a:prstGeom prst="rect">
+            <a:avLst/>
+          </a:prstGeom>
+        </p:spPr>
+        <p:txBody>
+          <a:bodyPr vert="horz" lIns="91440" tIns="45720" rIns="91440" bIns="45720" rtlCol="0"/>
+          <a:lstStyle>
+            <a:lvl1pPr algn="r">
+              <a:defRPr sz="1200"/>
+            </a:lvl1pPr>
+          </a:lstStyle>
+          <a:p>
+            <a:fld id="{B00F5C8E-F62F-C949-B810-B238A690792F}" type="datetimeFigureOut">
+              <a:rPr lang="en-US" smtClean="0"/>
+              <a:t>7/9/13</a:t>
+            </a:fld>
+            <a:endParaRPr lang="en-US"/>
+          </a:p>
+        </p:txBody>
+      </p:sp>
+      <p:sp>
+        <p:nvSpPr>
+          <p:cNvPr id="4" name="Slide Image Placeholder 3"/>
+          <p:cNvSpPr>
+            <a:spLocks noGrp="1" noRot="1" noChangeAspect="1"/>
+          </p:cNvSpPr>
+          <p:nvPr>
+            <p:ph type="sldImg" idx="2"/>
+          </p:nvPr>
+        </p:nvSpPr>
+        <p:spPr>
+          <a:xfrm>
+            <a:off x="381000" y="685800"/>
+            <a:ext cx="6096000" cy="3429000"/>
+          </a:xfrm>
+          <a:prstGeom prst="rect">
+            <a:avLst/>
+          </a:prstGeom>
+          <a:noFill/>
+          <a:ln w="12700">
+            <a:solidFill>
+              <a:prstClr val="black"/>
+            </a:solidFill>
+          </a:ln>
+        </p:spPr>
+        <p:txBody>
+          <a:bodyPr vert="horz" lIns="91440" tIns="45720" rIns="91440" bIns="45720" rtlCol="0" anchor="ctr"/>
+          <a:lstStyle/>
+          <a:p>
+            <a:endParaRPr lang="en-US"/>
+          </a:p>
+        </p:txBody>
+      </p:sp>
+      <p:sp>
+        <p:nvSpPr>
+          <p:cNvPr id="5" name="Notes Placeholder 4"/>
+          <p:cNvSpPr>
+            <a:spLocks noGrp="1"/>
+          </p:cNvSpPr>
+          <p:nvPr>
+            <p:ph type="body" sz="quarter" idx="3"/>
+          </p:nvPr>
+        </p:nvSpPr>
+        <p:spPr>
+          <a:xfrm>
+            <a:off x="685800" y="4343400"/>
+            <a:ext cx="5486400" cy="4114800"/>
+          </a:xfrm>
+          <a:prstGeom prst="rect">
+            <a:avLst/>
+          </a:prstGeom>
+        </p:spPr>
+        <p:txBody>
+          <a:bodyPr vert="horz" lIns="91440" tIns="45720" rIns="91440" bIns="45720" rtlCol="0"/>
+          <a:lstStyle/>
+          <a:p>
+            <a:pPr lvl="0"/>
+            <a:r>
+              <a:rPr lang="en-US" smtClean="0"/>
+              <a:t>Click to edit Master text styles</a:t>
+            </a:r>
+          </a:p>
+          <a:p>
+            <a:pPr lvl="1"/>
+            <a:r>
+              <a:rPr lang="en-US" smtClean="0"/>
+              <a:t>Second level</a:t>
+            </a:r>
+          </a:p>
+          <a:p>
+            <a:pPr lvl="2"/>
+            <a:r>
+              <a:rPr lang="en-US" smtClean="0"/>
+              <a:t>Third level</a:t>
+            </a:r>
+          </a:p>
+          <a:p>
+            <a:pPr lvl="3"/>
+            <a:r>
+              <a:rPr lang="en-US" smtClean="0"/>
+              <a:t>Fourth level</a:t>
+            </a:r>
+          </a:p>
+          <a:p>
+            <a:pPr lvl="4"/>
+            <a:r>
+              <a:rPr lang="en-US" smtClean="0"/>
+              <a:t>Fifth level</a:t>
+            </a:r>
+            <a:endParaRPr lang="en-US"/>
+          </a:p>
+        </p:txBody>
+      </p:sp>
+      <p:sp>
+        <p:nvSpPr>
+          <p:cNvPr id="6" name="Footer Placeholder 5"/>
+          <p:cNvSpPr>
+            <a:spLocks noGrp="1"/>
+          </p:cNvSpPr>
+          <p:nvPr>
+            <p:ph type="ftr" sz="quarter" idx="4"/>
+          </p:nvPr>
+        </p:nvSpPr>
+        <p:spPr>
+          <a:xfrm>
+            <a:off x="0" y="8685213"/>
+            <a:ext cx="2971800" cy="457200"/>
+          </a:xfrm>
+          <a:prstGeom prst="rect">
+            <a:avLst/>
+          </a:prstGeom>
+        </p:spPr>
+        <p:txBody>
+          <a:bodyPr vert="horz" lIns="91440" tIns="45720" rIns="91440" bIns="45720" rtlCol="0" anchor="b"/>
+          <a:lstStyle>
+            <a:lvl1pPr algn="l">
+              <a:defRPr sz="1200"/>
+            </a:lvl1pPr>
+          </a:lstStyle>
+          <a:p>
+            <a:endParaRPr lang="en-US"/>
+          </a:p>
+        </p:txBody>
+      </p:sp>
+      <p:sp>
+        <p:nvSpPr>
+          <p:cNvPr id="7" name="Slide Number Placeholder 6"/>
+          <p:cNvSpPr>
+            <a:spLocks noGrp="1"/>
+          </p:cNvSpPr>
+          <p:nvPr>
+            <p:ph type="sldNum" sz="quarter" idx="5"/>
+          </p:nvPr>
+        </p:nvSpPr>
+        <p:spPr>
+          <a:xfrm>
+            <a:off x="3884613" y="8685213"/>
+            <a:ext cx="2971800" cy="457200"/>
+          </a:xfrm>
+          <a:prstGeom prst="rect">
+            <a:avLst/>
+          </a:prstGeom>
+        </p:spPr>
+        <p:txBody>
+          <a:bodyPr vert="horz" lIns="91440" tIns="45720" rIns="91440" bIns="45720" rtlCol="0" anchor="b"/>
+          <a:lstStyle>
+            <a:lvl1pPr algn="r">
+              <a:defRPr sz="1200"/>
+            </a:lvl1pPr>
+          </a:lstStyle>
+          <a:p>
+            <a:fld id="{8D55EAEB-36BD-FF4D-B4A1-0D75FFEDD0E3}" type="slidenum">
+              <a:rPr lang="en-US" smtClean="0"/>
+              <a:t>‹#›</a:t>
+            </a:fld>
+            <a:endParaRPr lang="en-US"/>
+          </a:p>
+        </p:txBody>
+      </p:sp>
+    </p:spTree>
+    <p:extLst>
+      <p:ext uri="{BB962C8B-B14F-4D97-AF65-F5344CB8AC3E}">
+        <p14:creationId xmlns:p14="http://schemas.microsoft.com/office/powerpoint/2010/main" val="2848661362"/>
+      </p:ext>
+    </p:extLst>
+  </p:cSld>
+  <p:clrMap bg1="lt1" tx1="dk1" bg2="lt2" tx2="dk2" accent1="accent1" accent2="accent2" accent3="accent3" accent4="accent4" accent5="accent5" accent6="accent6" hlink="hlink" folHlink="folHlink"/>
+  <p:notesStyle>
+    <a:lvl1pPr marL="0" algn="l" defTabSz="457200" rtl="0" eaLnBrk="1" latinLnBrk="0" hangingPunct="1">
+      <a:defRPr sz="1200" kern="1200">
+        <a:solidFill>
+          <a:schemeClr val="tx1"/>
+        </a:solidFill>
+        <a:latin typeface="+mn-lt"/>
+        <a:ea typeface="+mn-ea"/>
+        <a:cs typeface="+mn-cs"/>
+      </a:defRPr>
+    </a:lvl1pPr>
+    <a:lvl2pPr marL="457200" algn="l" defTabSz="457200" rtl="0" eaLnBrk="1" latinLnBrk="0" hangingPunct="1">
+      <a:defRPr sz="1200" kern="1200">
+        <a:solidFill>
+          <a:schemeClr val="tx1"/>
+        </a:solidFill>
+        <a:latin typeface="+mn-lt"/>
+        <a:ea typeface="+mn-ea"/>
+        <a:cs typeface="+mn-cs"/>
+      </a:defRPr>
+    </a:lvl2pPr>
+    <a:lvl3pPr marL="914400" algn="l" defTabSz="457200" rtl="0" eaLnBrk="1" latinLnBrk="0" hangingPunct="1">
+      <a:defRPr sz="1200" kern="1200">
+        <a:solidFill>
+          <a:schemeClr val="tx1"/>
+        </a:solidFill>
+        <a:latin typeface="+mn-lt"/>
+        <a:ea typeface="+mn-ea"/>
+        <a:cs typeface="+mn-cs"/>
+      </a:defRPr>
+    </a:lvl3pPr>
+    <a:lvl4pPr marL="1371600" algn="l" defTabSz="457200" rtl="0" eaLnBrk="1" latinLnBrk="0" hangingPunct="1">
+      <a:defRPr sz="1200" kern="1200">
+        <a:solidFill>
+          <a:schemeClr val="tx1"/>
+        </a:solidFill>
+        <a:latin typeface="+mn-lt"/>
+        <a:ea typeface="+mn-ea"/>
+        <a:cs typeface="+mn-cs"/>
+      </a:defRPr>
+    </a:lvl4pPr>
+    <a:lvl5pPr marL="1828800" algn="l" defTabSz="457200" rtl="0" eaLnBrk="1" latinLnBrk="0" hangingPunct="1">
+      <a:defRPr sz="1200" kern="1200">
+        <a:solidFill>
+          <a:schemeClr val="tx1"/>
+        </a:solidFill>
+        <a:latin typeface="+mn-lt"/>
+        <a:ea typeface="+mn-ea"/>
+        <a:cs typeface="+mn-cs"/>
+      </a:defRPr>
+    </a:lvl5pPr>
+    <a:lvl6pPr marL="2286000" algn="l" defTabSz="457200" rtl="0" eaLnBrk="1" latinLnBrk="0" hangingPunct="1">
+      <a:defRPr sz="1200" kern="1200">
+        <a:solidFill>
+          <a:schemeClr val="tx1"/>
+        </a:solidFill>
+        <a:latin typeface="+mn-lt"/>
+        <a:ea typeface="+mn-ea"/>
+        <a:cs typeface="+mn-cs"/>
+      </a:defRPr>
+    </a:lvl6pPr>
+    <a:lvl7pPr marL="2743200" algn="l" defTabSz="457200" rtl="0" eaLnBrk="1" latinLnBrk="0" hangingPunct="1">
+      <a:defRPr sz="1200" kern="1200">
+        <a:solidFill>
+          <a:schemeClr val="tx1"/>
+        </a:solidFill>
+        <a:latin typeface="+mn-lt"/>
+        <a:ea typeface="+mn-ea"/>
+        <a:cs typeface="+mn-cs"/>
+      </a:defRPr>
+    </a:lvl7pPr>
+    <a:lvl8pPr marL="3200400" algn="l" defTabSz="457200" rtl="0" eaLnBrk="1" latinLnBrk="0" hangingPunct="1">
+      <a:defRPr sz="1200" kern="1200">
+        <a:solidFill>
+          <a:schemeClr val="tx1"/>
+        </a:solidFill>
+        <a:latin typeface="+mn-lt"/>
+        <a:ea typeface="+mn-ea"/>
+        <a:cs typeface="+mn-cs"/>
+      </a:defRPr>
+    </a:lvl8pPr>
+    <a:lvl9pPr marL="3657600" algn="l" defTabSz="457200" rtl="0" eaLnBrk="1" latinLnBrk="0" hangingPunct="1">
+      <a:defRPr sz="1200" kern="1200">
+        <a:solidFill>
+          <a:schemeClr val="tx1"/>
+        </a:solidFill>
+        <a:latin typeface="+mn-lt"/>
+        <a:ea typeface="+mn-ea"/>
+        <a:cs typeface="+mn-cs"/>
+      </a:defRPr>
+    </a:lvl9pPr>
+  </p:notesStyle>
+</p:notesMaster>
+</file>
+
+<file path=ppt/notesSlides/notesSlide1.xml><?xml version="1.0" encoding="utf-8"?>
+<p:notes xmlns:a="http://schemas.openxmlformats.org/drawingml/2006/main" xmlns:r="http://schemas.openxmlformats.org/officeDocument/2006/relationships" xmlns:p="http://schemas.openxmlformats.org/presentationml/2006/main">
+  <p:cSld>
+    <p:spTree>
+      <p:nvGrpSpPr>
+        <p:cNvPr id="1" name=""/>
+        <p:cNvGrpSpPr/>
+        <p:nvPr/>
+      </p:nvGrpSpPr>
+      <p:grpSpPr>
+        <a:xfrm>
+          <a:off x="0" y="0"/>
+          <a:ext cx="0" cy="0"/>
+          <a:chOff x="0" y="0"/>
+          <a:chExt cx="0" cy="0"/>
+        </a:xfrm>
+      </p:grpSpPr>
+      <p:sp>
+        <p:nvSpPr>
+          <p:cNvPr id="2" name="Slide Image Placeholder 1"/>
+          <p:cNvSpPr>
+            <a:spLocks noGrp="1" noRot="1" noChangeAspect="1"/>
+          </p:cNvSpPr>
+          <p:nvPr>
+            <p:ph type="sldImg"/>
+          </p:nvPr>
+        </p:nvSpPr>
+        <p:spPr/>
+      </p:sp>
+      <p:sp>
+        <p:nvSpPr>
+          <p:cNvPr id="3" name="Notes Placeholder 2"/>
+          <p:cNvSpPr>
+            <a:spLocks noGrp="1"/>
+          </p:cNvSpPr>
+          <p:nvPr>
+            <p:ph type="body" idx="1"/>
+          </p:nvPr>
+        </p:nvSpPr>
+        <p:spPr/>
+        <p:txBody>
+          <a:bodyPr/>
+          <a:lstStyle/>
+          <a:p>
+            <a:endParaRPr lang="en-US" dirty="0"/>
+          </a:p>
+        </p:txBody>
+      </p:sp>
+      <p:sp>
+        <p:nvSpPr>
+          <p:cNvPr id="4" name="Slide Number Placeholder 3"/>
+          <p:cNvSpPr>
+            <a:spLocks noGrp="1"/>
+          </p:cNvSpPr>
+          <p:nvPr>
+            <p:ph type="sldNum" sz="quarter" idx="10"/>
+          </p:nvPr>
+        </p:nvSpPr>
+        <p:spPr/>
+        <p:txBody>
+          <a:bodyPr/>
+          <a:lstStyle/>
+          <a:p>
+            <a:fld id="{8D55EAEB-36BD-FF4D-B4A1-0D75FFEDD0E3}" type="slidenum">
+              <a:rPr lang="en-US" smtClean="0"/>
+              <a:t>5</a:t>
+            </a:fld>
+            <a:endParaRPr lang="en-US"/>
+          </a:p>
+        </p:txBody>
+      </p:sp>
+    </p:spTree>
+    <p:extLst>
+      <p:ext uri="{BB962C8B-B14F-4D97-AF65-F5344CB8AC3E}">
+        <p14:creationId xmlns:p14="http://schemas.microsoft.com/office/powerpoint/2010/main" val="3084299111"/>
+      </p:ext>
+    </p:extLst>
+  </p:cSld>
+  <p:clrMapOvr>
+    <a:masterClrMapping/>
+  </p:clrMapOvr>
+</p:notes>
+</file>
+
+<file path=ppt/notesSlides/notesSlide2.xml><?xml version="1.0" encoding="utf-8"?>
+<p:notes xmlns:a="http://schemas.openxmlformats.org/drawingml/2006/main" xmlns:r="http://schemas.openxmlformats.org/officeDocument/2006/relationships" xmlns:p="http://schemas.openxmlformats.org/presentationml/2006/main">
+  <p:cSld>
+    <p:spTree>
+      <p:nvGrpSpPr>
+        <p:cNvPr id="1" name=""/>
+        <p:cNvGrpSpPr/>
+        <p:nvPr/>
+      </p:nvGrpSpPr>
+      <p:grpSpPr>
+        <a:xfrm>
+          <a:off x="0" y="0"/>
+          <a:ext cx="0" cy="0"/>
+          <a:chOff x="0" y="0"/>
+          <a:chExt cx="0" cy="0"/>
+        </a:xfrm>
+      </p:grpSpPr>
+      <p:sp>
+        <p:nvSpPr>
+          <p:cNvPr id="2" name="Slide Image Placeholder 1"/>
+          <p:cNvSpPr>
+            <a:spLocks noGrp="1" noRot="1" noChangeAspect="1"/>
+          </p:cNvSpPr>
+          <p:nvPr>
+            <p:ph type="sldImg"/>
+          </p:nvPr>
+        </p:nvSpPr>
+        <p:spPr/>
+      </p:sp>
+      <p:sp>
+        <p:nvSpPr>
+          <p:cNvPr id="3" name="Notes Placeholder 2"/>
+          <p:cNvSpPr>
+            <a:spLocks noGrp="1"/>
+          </p:cNvSpPr>
+          <p:nvPr>
+            <p:ph type="body" idx="1"/>
+          </p:nvPr>
+        </p:nvSpPr>
+        <p:spPr/>
+        <p:txBody>
+          <a:bodyPr/>
+          <a:lstStyle/>
+          <a:p>
+            <a:pPr marL="0" marR="0" indent="0" algn="l" defTabSz="457200" rtl="0" eaLnBrk="1" fontAlgn="auto" latinLnBrk="0" hangingPunct="1">
+              <a:lnSpc>
+                <a:spcPct val="100000"/>
+              </a:lnSpc>
+              <a:spcBef>
+                <a:spcPts val="0"/>
+              </a:spcBef>
+              <a:spcAft>
+                <a:spcPts val="0"/>
+              </a:spcAft>
+              <a:buClrTx/>
+              <a:buSzTx/>
+              <a:buFontTx/>
+              <a:buNone/>
+              <a:tabLst/>
+              <a:defRPr/>
+            </a:pPr>
+            <a:r>
+              <a:rPr lang="en-US" dirty="0" smtClean="0"/>
+              <a:t>Alternatively…</a:t>
+            </a:r>
+          </a:p>
+          <a:p>
+            <a:pPr marL="0" marR="0" indent="0" algn="l" defTabSz="457200" rtl="0" eaLnBrk="1" fontAlgn="auto" latinLnBrk="0" hangingPunct="1">
+              <a:lnSpc>
+                <a:spcPct val="100000"/>
+              </a:lnSpc>
+              <a:spcBef>
+                <a:spcPts val="0"/>
+              </a:spcBef>
+              <a:spcAft>
+                <a:spcPts val="0"/>
+              </a:spcAft>
+              <a:buClrTx/>
+              <a:buSzTx/>
+              <a:buFontTx/>
+              <a:buNone/>
+              <a:tabLst/>
+              <a:defRPr/>
+            </a:pPr>
+            <a:r>
+              <a:rPr lang="en-US" dirty="0" smtClean="0"/>
+              <a:t>For Fusion: </a:t>
+            </a:r>
+          </a:p>
+          <a:p>
+            <a:pPr marL="0" marR="0" indent="0" algn="l" defTabSz="457200" rtl="0" eaLnBrk="1" fontAlgn="auto" latinLnBrk="0" hangingPunct="1">
+              <a:lnSpc>
+                <a:spcPct val="100000"/>
+              </a:lnSpc>
+              <a:spcBef>
+                <a:spcPts val="0"/>
+              </a:spcBef>
+              <a:spcAft>
+                <a:spcPts val="0"/>
+              </a:spcAft>
+              <a:buClrTx/>
+              <a:buSzTx/>
+              <a:buFontTx/>
+              <a:buNone/>
+              <a:tabLst/>
+              <a:defRPr/>
+            </a:pPr>
+            <a:r>
+              <a:rPr lang="en-US" dirty="0" smtClean="0"/>
+              <a:t>vagrant </a:t>
+            </a:r>
+            <a:r>
+              <a:rPr lang="en-US" dirty="0" err="1" smtClean="0"/>
+              <a:t>init</a:t>
+            </a:r>
+            <a:r>
+              <a:rPr lang="en-US" baseline="0" dirty="0" smtClean="0"/>
+              <a:t> precise64 </a:t>
+            </a:r>
+            <a:r>
+              <a:rPr lang="en-US" dirty="0" smtClean="0">
+                <a:hlinkClick r:id="rId3"/>
+              </a:rPr>
+              <a:t>http://files.vagrantup.com/precise64_vmware.box</a:t>
+            </a:r>
+            <a:endParaRPr lang="en-US" dirty="0" smtClean="0"/>
+          </a:p>
+          <a:p>
+            <a:endParaRPr lang="en-US" dirty="0" smtClean="0"/>
+          </a:p>
+          <a:p>
+            <a:r>
+              <a:rPr lang="en-US" dirty="0" smtClean="0"/>
+              <a:t>For </a:t>
+            </a:r>
+            <a:r>
+              <a:rPr lang="en-US" dirty="0" err="1" smtClean="0"/>
+              <a:t>VirtualBox</a:t>
+            </a:r>
+            <a:r>
+              <a:rPr lang="en-US" dirty="0" smtClean="0"/>
+              <a:t>:</a:t>
+            </a:r>
+          </a:p>
+          <a:p>
+            <a:r>
+              <a:rPr lang="en-US" dirty="0" smtClean="0"/>
+              <a:t>vagrant </a:t>
+            </a:r>
+            <a:r>
+              <a:rPr lang="en-US" dirty="0" err="1" smtClean="0"/>
+              <a:t>init</a:t>
+            </a:r>
+            <a:r>
+              <a:rPr lang="en-US" dirty="0" smtClean="0"/>
+              <a:t> precise64 </a:t>
+            </a:r>
+            <a:r>
+              <a:rPr lang="en-US" dirty="0" smtClean="0">
+                <a:hlinkClick r:id="rId4"/>
+              </a:rPr>
+              <a:t>http://files.vagrantup.com/precise64.box</a:t>
+            </a:r>
+            <a:endParaRPr lang="en-US" dirty="0" smtClean="0"/>
+          </a:p>
+          <a:p>
+            <a:endParaRPr lang="en-US" dirty="0"/>
+          </a:p>
+        </p:txBody>
+      </p:sp>
+      <p:sp>
+        <p:nvSpPr>
+          <p:cNvPr id="4" name="Slide Number Placeholder 3"/>
+          <p:cNvSpPr>
+            <a:spLocks noGrp="1"/>
+          </p:cNvSpPr>
+          <p:nvPr>
+            <p:ph type="sldNum" sz="quarter" idx="10"/>
+          </p:nvPr>
+        </p:nvSpPr>
+        <p:spPr/>
+        <p:txBody>
+          <a:bodyPr/>
+          <a:lstStyle/>
+          <a:p>
+            <a:fld id="{8D55EAEB-36BD-FF4D-B4A1-0D75FFEDD0E3}" type="slidenum">
+              <a:rPr lang="en-US" smtClean="0"/>
+              <a:t>6</a:t>
+            </a:fld>
+            <a:endParaRPr lang="en-US"/>
+          </a:p>
+        </p:txBody>
+      </p:sp>
+    </p:spTree>
+    <p:extLst>
+      <p:ext uri="{BB962C8B-B14F-4D97-AF65-F5344CB8AC3E}">
+        <p14:creationId xmlns:p14="http://schemas.microsoft.com/office/powerpoint/2010/main" val="2624913008"/>
+      </p:ext>
+    </p:extLst>
+  </p:cSld>
+  <p:clrMapOvr>
+    <a:masterClrMapping/>
+  </p:clrMapOvr>
+</p:notes>
+</file>
+
 <file path=ppt/slideLayouts/slideLayout1.xml><?xml version="1.0" encoding="utf-8"?>
 <p:sldLayout xmlns:a="http://schemas.openxmlformats.org/drawingml/2006/main" xmlns:r="http://schemas.openxmlformats.org/officeDocument/2006/relationships" xmlns:p="http://schemas.openxmlformats.org/presentationml/2006/main" type="title" preserve="1">
   <p:cSld name="Title Slide">
@@ -297,7 +945,7 @@
           <a:p>
             <a:fld id="{CEB1479B-2454-8E48-9041-E1255446920F}" type="datetimeFigureOut">
               <a:rPr lang="en-US" smtClean="0"/>
-              <a:t>7/8/13</a:t>
+              <a:t>7/9/13</a:t>
             </a:fld>
             <a:endParaRPr lang="en-US"/>
           </a:p>
@@ -467,7 +1115,7 @@
           <a:p>
             <a:fld id="{CEB1479B-2454-8E48-9041-E1255446920F}" type="datetimeFigureOut">
               <a:rPr lang="en-US" smtClean="0"/>
-              <a:t>7/8/13</a:t>
+              <a:t>7/9/13</a:t>
             </a:fld>
             <a:endParaRPr lang="en-US"/>
           </a:p>
@@ -647,7 +1295,7 @@
           <a:p>
             <a:fld id="{CEB1479B-2454-8E48-9041-E1255446920F}" type="datetimeFigureOut">
               <a:rPr lang="en-US" smtClean="0"/>
-              <a:t>7/8/13</a:t>
+              <a:t>7/9/13</a:t>
             </a:fld>
             <a:endParaRPr lang="en-US"/>
           </a:p>
@@ -817,7 +1465,7 @@
           <a:p>
             <a:fld id="{CEB1479B-2454-8E48-9041-E1255446920F}" type="datetimeFigureOut">
               <a:rPr lang="en-US" smtClean="0"/>
-              <a:t>7/8/13</a:t>
+              <a:t>7/9/13</a:t>
             </a:fld>
             <a:endParaRPr lang="en-US"/>
           </a:p>
@@ -1063,7 +1711,7 @@
           <a:p>
             <a:fld id="{CEB1479B-2454-8E48-9041-E1255446920F}" type="datetimeFigureOut">
               <a:rPr lang="en-US" smtClean="0"/>
-              <a:t>7/8/13</a:t>
+              <a:t>7/9/13</a:t>
             </a:fld>
             <a:endParaRPr lang="en-US"/>
           </a:p>
@@ -1351,7 +1999,7 @@
           <a:p>
             <a:fld id="{CEB1479B-2454-8E48-9041-E1255446920F}" type="datetimeFigureOut">
               <a:rPr lang="en-US" smtClean="0"/>
-              <a:t>7/8/13</a:t>
+              <a:t>7/9/13</a:t>
             </a:fld>
             <a:endParaRPr lang="en-US"/>
           </a:p>
@@ -1773,7 +2421,7 @@
           <a:p>
             <a:fld id="{CEB1479B-2454-8E48-9041-E1255446920F}" type="datetimeFigureOut">
               <a:rPr lang="en-US" smtClean="0"/>
-              <a:t>7/8/13</a:t>
+              <a:t>7/9/13</a:t>
             </a:fld>
             <a:endParaRPr lang="en-US"/>
           </a:p>
@@ -1891,7 +2539,7 @@
           <a:p>
             <a:fld id="{CEB1479B-2454-8E48-9041-E1255446920F}" type="datetimeFigureOut">
               <a:rPr lang="en-US" smtClean="0"/>
-              <a:t>7/8/13</a:t>
+              <a:t>7/9/13</a:t>
             </a:fld>
             <a:endParaRPr lang="en-US"/>
           </a:p>
@@ -1986,7 +2634,7 @@
           <a:p>
             <a:fld id="{CEB1479B-2454-8E48-9041-E1255446920F}" type="datetimeFigureOut">
               <a:rPr lang="en-US" smtClean="0"/>
-              <a:t>7/8/13</a:t>
+              <a:t>7/9/13</a:t>
             </a:fld>
             <a:endParaRPr lang="en-US"/>
           </a:p>
@@ -2263,7 +2911,7 @@
           <a:p>
             <a:fld id="{CEB1479B-2454-8E48-9041-E1255446920F}" type="datetimeFigureOut">
               <a:rPr lang="en-US" smtClean="0"/>
-              <a:t>7/8/13</a:t>
+              <a:t>7/9/13</a:t>
             </a:fld>
             <a:endParaRPr lang="en-US"/>
           </a:p>
@@ -2516,7 +3164,7 @@
           <a:p>
             <a:fld id="{CEB1479B-2454-8E48-9041-E1255446920F}" type="datetimeFigureOut">
               <a:rPr lang="en-US" smtClean="0"/>
-              <a:t>7/8/13</a:t>
+              <a:t>7/9/13</a:t>
             </a:fld>
             <a:endParaRPr lang="en-US"/>
           </a:p>
@@ -2729,7 +3377,7 @@
           <a:p>
             <a:fld id="{CEB1479B-2454-8E48-9041-E1255446920F}" type="datetimeFigureOut">
               <a:rPr lang="en-US" smtClean="0"/>
-              <a:t>7/8/13</a:t>
+              <a:t>7/9/13</a:t>
             </a:fld>
             <a:endParaRPr lang="en-US"/>
           </a:p>
@@ -3304,7 +3952,7 @@
           <a:p>
             <a:r>
               <a:rPr lang="en-US" dirty="0" smtClean="0"/>
-              <a:t>Additional Info</a:t>
+              <a:t>Version Control</a:t>
             </a:r>
             <a:endParaRPr lang="en-US" dirty="0"/>
           </a:p>
@@ -3320,81 +3968,881 @@
             <p:ph idx="1"/>
           </p:nvPr>
         </p:nvSpPr>
-        <p:spPr/>
+        <p:spPr>
+          <a:xfrm>
+            <a:off x="457200" y="1200151"/>
+            <a:ext cx="8394548" cy="3394472"/>
+          </a:xfrm>
+        </p:spPr>
         <p:txBody>
           <a:bodyPr>
-            <a:normAutofit/>
+            <a:normAutofit fontScale="92500" lnSpcReduction="10000"/>
           </a:bodyPr>
           <a:lstStyle/>
           <a:p>
             <a:r>
               <a:rPr lang="en-US" dirty="0" smtClean="0"/>
-              <a:t>Vagrant Site</a:t>
+              <a:t>Source Code Control for your </a:t>
+            </a:r>
+            <a:r>
+              <a:rPr lang="en-US" dirty="0" err="1" smtClean="0"/>
+              <a:t>Vagrantfile</a:t>
+            </a:r>
+            <a:endParaRPr lang="en-US" dirty="0" smtClean="0"/>
+          </a:p>
+          <a:p>
+            <a:pPr lvl="1"/>
+            <a:r>
+              <a:rPr lang="en-US" dirty="0" err="1" smtClean="0"/>
+              <a:t>Git</a:t>
+            </a:r>
+            <a:r>
+              <a:rPr lang="en-US" dirty="0" smtClean="0"/>
+              <a:t>, SVN, etc.</a:t>
+            </a:r>
+          </a:p>
+          <a:p>
+            <a:r>
+              <a:rPr lang="en-US" dirty="0" smtClean="0"/>
+              <a:t>Online collaboration</a:t>
+            </a:r>
+          </a:p>
+          <a:p>
+            <a:pPr lvl="1"/>
+            <a:r>
+              <a:rPr lang="en-US" dirty="0" err="1" smtClean="0"/>
+              <a:t>GitHub</a:t>
+            </a:r>
+            <a:r>
+              <a:rPr lang="en-US" dirty="0" smtClean="0"/>
+              <a:t>, </a:t>
+            </a:r>
+            <a:r>
+              <a:rPr lang="en-US" dirty="0" err="1" smtClean="0"/>
+              <a:t>BitBucket</a:t>
+            </a:r>
+            <a:r>
+              <a:rPr lang="en-US" dirty="0" smtClean="0"/>
+              <a:t>, etc.</a:t>
+            </a:r>
+          </a:p>
+          <a:p>
+            <a:r>
+              <a:rPr lang="en-US" dirty="0" smtClean="0"/>
+              <a:t>This presentation and example code can </a:t>
             </a:r>
             <a:r>
               <a:rPr lang="en-US" dirty="0"/>
-              <a:t>: </a:t>
+              <a:t>be found at: </a:t>
             </a:r>
             <a:r>
               <a:rPr lang="en-US" dirty="0">
                 <a:hlinkClick r:id="rId2"/>
               </a:rPr>
-              <a:t>http://docs.vagrantup.com/v2</a:t>
+              <a:t>https://github.com/VMTrooper/</a:t>
             </a:r>
             <a:r>
               <a:rPr lang="en-US" dirty="0" smtClean="0">
                 <a:hlinkClick r:id="rId2"/>
               </a:rPr>
+              <a:t>VagrantBrownBag</a:t>
+            </a:r>
+            <a:endParaRPr lang="en-US" dirty="0" smtClean="0"/>
+          </a:p>
+          <a:p>
+            <a:endParaRPr lang="en-US" dirty="0"/>
+          </a:p>
+        </p:txBody>
+      </p:sp>
+    </p:spTree>
+    <p:extLst>
+      <p:ext uri="{BB962C8B-B14F-4D97-AF65-F5344CB8AC3E}">
+        <p14:creationId xmlns:p14="http://schemas.microsoft.com/office/powerpoint/2010/main" val="1044355244"/>
+      </p:ext>
+    </p:extLst>
+  </p:cSld>
+  <p:clrMapOvr>
+    <a:masterClrMapping/>
+  </p:clrMapOvr>
+</p:sld>
+</file>
+
+<file path=ppt/slides/slide11.xml><?xml version="1.0" encoding="utf-8"?>
+<p:sld xmlns:a="http://schemas.openxmlformats.org/drawingml/2006/main" xmlns:r="http://schemas.openxmlformats.org/officeDocument/2006/relationships" xmlns:p="http://schemas.openxmlformats.org/presentationml/2006/main">
+  <p:cSld>
+    <p:spTree>
+      <p:nvGrpSpPr>
+        <p:cNvPr id="1" name=""/>
+        <p:cNvGrpSpPr/>
+        <p:nvPr/>
+      </p:nvGrpSpPr>
+      <p:grpSpPr>
+        <a:xfrm>
+          <a:off x="0" y="0"/>
+          <a:ext cx="0" cy="0"/>
+          <a:chOff x="0" y="0"/>
+          <a:chExt cx="0" cy="0"/>
+        </a:xfrm>
+      </p:grpSpPr>
+      <p:sp>
+        <p:nvSpPr>
+          <p:cNvPr id="2" name="Title 1"/>
+          <p:cNvSpPr>
+            <a:spLocks noGrp="1"/>
+          </p:cNvSpPr>
+          <p:nvPr>
+            <p:ph type="title"/>
+          </p:nvPr>
+        </p:nvSpPr>
+        <p:spPr/>
+        <p:txBody>
+          <a:bodyPr/>
+          <a:lstStyle/>
+          <a:p>
+            <a:r>
+              <a:rPr lang="en-US" dirty="0" smtClean="0"/>
+              <a:t>Customize Your VM</a:t>
+            </a:r>
+            <a:endParaRPr lang="en-US" dirty="0"/>
+          </a:p>
+        </p:txBody>
+      </p:sp>
+      <p:sp>
+        <p:nvSpPr>
+          <p:cNvPr id="3" name="Content Placeholder 2"/>
+          <p:cNvSpPr>
+            <a:spLocks noGrp="1"/>
+          </p:cNvSpPr>
+          <p:nvPr>
+            <p:ph idx="1"/>
+          </p:nvPr>
+        </p:nvSpPr>
+        <p:spPr/>
+        <p:txBody>
+          <a:bodyPr/>
+          <a:lstStyle/>
+          <a:p>
+            <a:r>
+              <a:rPr lang="en-US" dirty="0" smtClean="0"/>
+              <a:t>Hostname</a:t>
+            </a:r>
+          </a:p>
+          <a:p>
+            <a:pPr lvl="1"/>
+            <a:r>
+              <a:rPr lang="en-US" dirty="0" err="1" smtClean="0"/>
+              <a:t>config.vm.hostname</a:t>
+            </a:r>
+            <a:r>
+              <a:rPr lang="en-US" dirty="0" smtClean="0"/>
+              <a:t> </a:t>
+            </a:r>
+            <a:r>
+              <a:rPr lang="en-US" dirty="0"/>
+              <a:t>= "controller"</a:t>
+            </a:r>
+            <a:endParaRPr lang="en-US" dirty="0" smtClean="0"/>
+          </a:p>
+          <a:p>
+            <a:r>
+              <a:rPr lang="en-US" dirty="0" smtClean="0"/>
+              <a:t>IP Address</a:t>
+            </a:r>
+          </a:p>
+          <a:p>
+            <a:pPr lvl="1"/>
+            <a:r>
+              <a:rPr lang="en-US" dirty="0" err="1" smtClean="0"/>
+              <a:t>config.vm.network</a:t>
+            </a:r>
+            <a:r>
+              <a:rPr lang="en-US" dirty="0" smtClean="0"/>
+              <a:t> </a:t>
+            </a:r>
+            <a:r>
+              <a:rPr lang="en-US" dirty="0"/>
+              <a:t>:</a:t>
+            </a:r>
+            <a:r>
+              <a:rPr lang="en-US" dirty="0" err="1"/>
+              <a:t>private_network</a:t>
+            </a:r>
+            <a:r>
+              <a:rPr lang="en-US" dirty="0"/>
+              <a:t>, </a:t>
+            </a:r>
+            <a:r>
+              <a:rPr lang="en-US" dirty="0" err="1"/>
+              <a:t>ip</a:t>
+            </a:r>
+            <a:r>
+              <a:rPr lang="en-US" dirty="0"/>
+              <a:t>: </a:t>
+            </a:r>
+            <a:r>
+              <a:rPr lang="en-US" dirty="0" smtClean="0"/>
+              <a:t>178.16.172.200</a:t>
+            </a:r>
+          </a:p>
+          <a:p>
+            <a:pPr marL="0" indent="0">
+              <a:buNone/>
+            </a:pPr>
+            <a:r>
+              <a:rPr lang="en-US" dirty="0" smtClean="0"/>
+              <a:t>NOTE:</a:t>
+            </a:r>
+            <a:endParaRPr lang="en-US" dirty="0"/>
+          </a:p>
+        </p:txBody>
+      </p:sp>
+    </p:spTree>
+    <p:extLst>
+      <p:ext uri="{BB962C8B-B14F-4D97-AF65-F5344CB8AC3E}">
+        <p14:creationId xmlns:p14="http://schemas.microsoft.com/office/powerpoint/2010/main" val="1818989877"/>
+      </p:ext>
+    </p:extLst>
+  </p:cSld>
+  <p:clrMapOvr>
+    <a:masterClrMapping/>
+  </p:clrMapOvr>
+</p:sld>
+</file>
+
+<file path=ppt/slides/slide12.xml><?xml version="1.0" encoding="utf-8"?>
+<p:sld xmlns:a="http://schemas.openxmlformats.org/drawingml/2006/main" xmlns:r="http://schemas.openxmlformats.org/officeDocument/2006/relationships" xmlns:p="http://schemas.openxmlformats.org/presentationml/2006/main">
+  <p:cSld>
+    <p:spTree>
+      <p:nvGrpSpPr>
+        <p:cNvPr id="1" name=""/>
+        <p:cNvGrpSpPr/>
+        <p:nvPr/>
+      </p:nvGrpSpPr>
+      <p:grpSpPr>
+        <a:xfrm>
+          <a:off x="0" y="0"/>
+          <a:ext cx="0" cy="0"/>
+          <a:chOff x="0" y="0"/>
+          <a:chExt cx="0" cy="0"/>
+        </a:xfrm>
+      </p:grpSpPr>
+      <p:sp>
+        <p:nvSpPr>
+          <p:cNvPr id="2" name="Title 1"/>
+          <p:cNvSpPr>
+            <a:spLocks noGrp="1"/>
+          </p:cNvSpPr>
+          <p:nvPr>
+            <p:ph type="title"/>
+          </p:nvPr>
+        </p:nvSpPr>
+        <p:spPr/>
+        <p:txBody>
+          <a:bodyPr/>
+          <a:lstStyle/>
+          <a:p>
+            <a:r>
+              <a:rPr lang="en-US" dirty="0" smtClean="0"/>
+              <a:t>Customize Your VM</a:t>
+            </a:r>
+            <a:endParaRPr lang="en-US" dirty="0"/>
+          </a:p>
+        </p:txBody>
+      </p:sp>
+      <p:sp>
+        <p:nvSpPr>
+          <p:cNvPr id="3" name="Content Placeholder 2"/>
+          <p:cNvSpPr>
+            <a:spLocks noGrp="1"/>
+          </p:cNvSpPr>
+          <p:nvPr>
+            <p:ph idx="1"/>
+          </p:nvPr>
+        </p:nvSpPr>
+        <p:spPr/>
+        <p:txBody>
+          <a:bodyPr>
+            <a:normAutofit fontScale="62500" lnSpcReduction="20000"/>
+          </a:bodyPr>
+          <a:lstStyle/>
+          <a:p>
+            <a:r>
+              <a:rPr lang="en-US" sz="4600" dirty="0" smtClean="0"/>
+              <a:t>Memory</a:t>
+            </a:r>
+          </a:p>
+          <a:p>
+            <a:pPr marL="0" indent="0">
+              <a:buNone/>
+            </a:pPr>
+            <a:endParaRPr lang="en-US" dirty="0" smtClean="0"/>
+          </a:p>
+          <a:p>
+            <a:pPr marL="0" indent="0">
+              <a:buNone/>
+            </a:pPr>
+            <a:r>
+              <a:rPr lang="en-US" dirty="0" smtClean="0"/>
+              <a:t># </a:t>
+            </a:r>
+            <a:r>
+              <a:rPr lang="en-US" dirty="0"/>
+              <a:t>If using Fusion</a:t>
+            </a:r>
+            <a:endParaRPr lang="en-US" dirty="0" smtClean="0"/>
+          </a:p>
+          <a:p>
+            <a:pPr marL="0" indent="0">
+              <a:buNone/>
+            </a:pPr>
+            <a:r>
+              <a:rPr lang="en-US" dirty="0" err="1" smtClean="0"/>
+              <a:t>config.vm.provider</a:t>
+            </a:r>
+            <a:r>
+              <a:rPr lang="en-US" dirty="0" smtClean="0"/>
+              <a:t> </a:t>
+            </a:r>
+            <a:r>
+              <a:rPr lang="en-US" dirty="0"/>
+              <a:t>:</a:t>
+            </a:r>
+            <a:r>
+              <a:rPr lang="en-US" dirty="0" err="1"/>
+              <a:t>vmware_fusion</a:t>
+            </a:r>
+            <a:r>
+              <a:rPr lang="en-US" dirty="0"/>
+              <a:t> do |v|</a:t>
+            </a:r>
+          </a:p>
+          <a:p>
+            <a:pPr marL="0" indent="0">
+              <a:buNone/>
+            </a:pPr>
+            <a:r>
+              <a:rPr lang="en-US" dirty="0"/>
+              <a:t>     </a:t>
+            </a:r>
+            <a:r>
+              <a:rPr lang="en-US" dirty="0" smtClean="0"/>
+              <a:t> </a:t>
+            </a:r>
+            <a:r>
+              <a:rPr lang="en-US" dirty="0" err="1"/>
+              <a:t>v.vmx</a:t>
+            </a:r>
+            <a:r>
+              <a:rPr lang="en-US" dirty="0"/>
+              <a:t>["</a:t>
+            </a:r>
+            <a:r>
+              <a:rPr lang="en-US" dirty="0" err="1"/>
+              <a:t>memsize</a:t>
+            </a:r>
+            <a:r>
+              <a:rPr lang="en-US" dirty="0"/>
+              <a:t>"] = 1024</a:t>
+            </a:r>
+          </a:p>
+          <a:p>
+            <a:pPr marL="0" indent="0">
+              <a:buNone/>
+            </a:pPr>
+            <a:r>
+              <a:rPr lang="en-US" dirty="0" smtClean="0"/>
+              <a:t>end</a:t>
+            </a:r>
+            <a:endParaRPr lang="en-US" dirty="0"/>
+          </a:p>
+          <a:p>
+            <a:pPr marL="0" indent="0">
+              <a:buNone/>
+            </a:pPr>
+            <a:r>
+              <a:rPr lang="en-US" dirty="0" smtClean="0"/>
+              <a:t># </a:t>
+            </a:r>
+            <a:r>
+              <a:rPr lang="en-US" dirty="0"/>
+              <a:t>Otherwise using </a:t>
+            </a:r>
+            <a:r>
+              <a:rPr lang="en-US" dirty="0" err="1"/>
+              <a:t>VirtualBox</a:t>
+            </a:r>
+            <a:endParaRPr lang="en-US" dirty="0"/>
+          </a:p>
+          <a:p>
+            <a:pPr marL="0" indent="0">
+              <a:buNone/>
+            </a:pPr>
+            <a:r>
+              <a:rPr lang="en-US" dirty="0" err="1" smtClean="0"/>
+              <a:t>config.vm.provider</a:t>
+            </a:r>
+            <a:r>
+              <a:rPr lang="en-US" dirty="0" smtClean="0"/>
+              <a:t> </a:t>
+            </a:r>
+            <a:r>
+              <a:rPr lang="en-US" dirty="0"/>
+              <a:t>:</a:t>
+            </a:r>
+            <a:r>
+              <a:rPr lang="en-US" dirty="0" err="1"/>
+              <a:t>virtualbox</a:t>
+            </a:r>
+            <a:r>
+              <a:rPr lang="en-US" dirty="0"/>
+              <a:t> do |</a:t>
+            </a:r>
+            <a:r>
+              <a:rPr lang="en-US" dirty="0" err="1"/>
+              <a:t>vbox</a:t>
+            </a:r>
+            <a:r>
+              <a:rPr lang="en-US" dirty="0"/>
+              <a:t>|</a:t>
+            </a:r>
+          </a:p>
+          <a:p>
+            <a:pPr marL="0" indent="0">
+              <a:buNone/>
+            </a:pPr>
+            <a:r>
+              <a:rPr lang="en-US" dirty="0"/>
+              <a:t>     </a:t>
+            </a:r>
+            <a:r>
+              <a:rPr lang="en-US" dirty="0" err="1" smtClean="0"/>
+              <a:t>vbox.customize</a:t>
+            </a:r>
+            <a:r>
+              <a:rPr lang="en-US" dirty="0" smtClean="0"/>
+              <a:t> </a:t>
+            </a:r>
+            <a:r>
+              <a:rPr lang="en-US" dirty="0"/>
+              <a:t>["</a:t>
+            </a:r>
+            <a:r>
+              <a:rPr lang="en-US" dirty="0" err="1"/>
+              <a:t>modifyvm</a:t>
+            </a:r>
+            <a:r>
+              <a:rPr lang="en-US" dirty="0"/>
+              <a:t>", :id, "--memory", 1024]</a:t>
+            </a:r>
+          </a:p>
+          <a:p>
+            <a:pPr marL="0" indent="0">
+              <a:buNone/>
+            </a:pPr>
+            <a:r>
+              <a:rPr lang="en-US" dirty="0" smtClean="0"/>
+              <a:t>end</a:t>
+            </a:r>
+          </a:p>
+          <a:p>
+            <a:endParaRPr lang="en-US" dirty="0"/>
+          </a:p>
+        </p:txBody>
+      </p:sp>
+    </p:spTree>
+    <p:extLst>
+      <p:ext uri="{BB962C8B-B14F-4D97-AF65-F5344CB8AC3E}">
+        <p14:creationId xmlns:p14="http://schemas.microsoft.com/office/powerpoint/2010/main" val="2877358671"/>
+      </p:ext>
+    </p:extLst>
+  </p:cSld>
+  <p:clrMapOvr>
+    <a:masterClrMapping/>
+  </p:clrMapOvr>
+</p:sld>
+</file>
+
+<file path=ppt/slides/slide13.xml><?xml version="1.0" encoding="utf-8"?>
+<p:sld xmlns:a="http://schemas.openxmlformats.org/drawingml/2006/main" xmlns:r="http://schemas.openxmlformats.org/officeDocument/2006/relationships" xmlns:p="http://schemas.openxmlformats.org/presentationml/2006/main">
+  <p:cSld>
+    <p:spTree>
+      <p:nvGrpSpPr>
+        <p:cNvPr id="1" name=""/>
+        <p:cNvGrpSpPr/>
+        <p:nvPr/>
+      </p:nvGrpSpPr>
+      <p:grpSpPr>
+        <a:xfrm>
+          <a:off x="0" y="0"/>
+          <a:ext cx="0" cy="0"/>
+          <a:chOff x="0" y="0"/>
+          <a:chExt cx="0" cy="0"/>
+        </a:xfrm>
+      </p:grpSpPr>
+      <p:sp>
+        <p:nvSpPr>
+          <p:cNvPr id="2" name="Title 1"/>
+          <p:cNvSpPr>
+            <a:spLocks noGrp="1"/>
+          </p:cNvSpPr>
+          <p:nvPr>
+            <p:ph type="title"/>
+          </p:nvPr>
+        </p:nvSpPr>
+        <p:spPr/>
+        <p:txBody>
+          <a:bodyPr/>
+          <a:lstStyle/>
+          <a:p>
+            <a:r>
+              <a:rPr lang="en-US" dirty="0"/>
+              <a:t>Multi-VM Configuration </a:t>
+            </a:r>
+          </a:p>
+        </p:txBody>
+      </p:sp>
+      <p:sp>
+        <p:nvSpPr>
+          <p:cNvPr id="3" name="Content Placeholder 2"/>
+          <p:cNvSpPr>
+            <a:spLocks noGrp="1"/>
+          </p:cNvSpPr>
+          <p:nvPr>
+            <p:ph idx="1"/>
+          </p:nvPr>
+        </p:nvSpPr>
+        <p:spPr/>
+        <p:txBody>
+          <a:bodyPr/>
+          <a:lstStyle/>
+          <a:p>
+            <a:r>
+              <a:rPr lang="en-US" dirty="0" smtClean="0"/>
+              <a:t>See sample code</a:t>
+            </a:r>
+            <a:endParaRPr lang="en-US" dirty="0"/>
+          </a:p>
+        </p:txBody>
+      </p:sp>
+    </p:spTree>
+    <p:extLst>
+      <p:ext uri="{BB962C8B-B14F-4D97-AF65-F5344CB8AC3E}">
+        <p14:creationId xmlns:p14="http://schemas.microsoft.com/office/powerpoint/2010/main" val="4182006910"/>
+      </p:ext>
+    </p:extLst>
+  </p:cSld>
+  <p:clrMapOvr>
+    <a:masterClrMapping/>
+  </p:clrMapOvr>
+</p:sld>
+</file>
+
+<file path=ppt/slides/slide14.xml><?xml version="1.0" encoding="utf-8"?>
+<p:sld xmlns:a="http://schemas.openxmlformats.org/drawingml/2006/main" xmlns:r="http://schemas.openxmlformats.org/officeDocument/2006/relationships" xmlns:p="http://schemas.openxmlformats.org/presentationml/2006/main">
+  <p:cSld>
+    <p:spTree>
+      <p:nvGrpSpPr>
+        <p:cNvPr id="1" name=""/>
+        <p:cNvGrpSpPr/>
+        <p:nvPr/>
+      </p:nvGrpSpPr>
+      <p:grpSpPr>
+        <a:xfrm>
+          <a:off x="0" y="0"/>
+          <a:ext cx="0" cy="0"/>
+          <a:chOff x="0" y="0"/>
+          <a:chExt cx="0" cy="0"/>
+        </a:xfrm>
+      </p:grpSpPr>
+      <p:sp>
+        <p:nvSpPr>
+          <p:cNvPr id="2" name="Title 1"/>
+          <p:cNvSpPr>
+            <a:spLocks noGrp="1"/>
+          </p:cNvSpPr>
+          <p:nvPr>
+            <p:ph type="title"/>
+          </p:nvPr>
+        </p:nvSpPr>
+        <p:spPr/>
+        <p:txBody>
+          <a:bodyPr/>
+          <a:lstStyle/>
+          <a:p>
+            <a:r>
+              <a:rPr lang="en-US" dirty="0" err="1" smtClean="0"/>
+              <a:t>Provisioners</a:t>
+            </a:r>
+            <a:endParaRPr lang="en-US" dirty="0"/>
+          </a:p>
+        </p:txBody>
+      </p:sp>
+      <p:sp>
+        <p:nvSpPr>
+          <p:cNvPr id="3" name="Content Placeholder 2"/>
+          <p:cNvSpPr>
+            <a:spLocks noGrp="1"/>
+          </p:cNvSpPr>
+          <p:nvPr>
+            <p:ph idx="1"/>
+          </p:nvPr>
+        </p:nvSpPr>
+        <p:spPr/>
+        <p:txBody>
+          <a:bodyPr/>
+          <a:lstStyle/>
+          <a:p>
+            <a:r>
+              <a:rPr lang="en-US" dirty="0" smtClean="0"/>
+              <a:t>Configuration Management</a:t>
+            </a:r>
+          </a:p>
+          <a:p>
+            <a:pPr lvl="1"/>
+            <a:r>
+              <a:rPr lang="en-US" dirty="0" smtClean="0"/>
+              <a:t>Shell Scripts</a:t>
+            </a:r>
+          </a:p>
+          <a:p>
+            <a:pPr lvl="1"/>
+            <a:r>
+              <a:rPr lang="en-US" dirty="0" smtClean="0"/>
+              <a:t>Puppet (Standalone &amp; Agent)</a:t>
+            </a:r>
+          </a:p>
+          <a:p>
+            <a:pPr lvl="1"/>
+            <a:r>
+              <a:rPr lang="en-US" dirty="0" smtClean="0"/>
+              <a:t>Chef (Solo &amp; Client)</a:t>
+            </a:r>
+          </a:p>
+          <a:p>
+            <a:pPr lvl="1"/>
+            <a:r>
+              <a:rPr lang="en-US" dirty="0" err="1" smtClean="0"/>
+              <a:t>Ansible</a:t>
+            </a:r>
+            <a:endParaRPr lang="en-US" dirty="0"/>
+          </a:p>
+        </p:txBody>
+      </p:sp>
+    </p:spTree>
+    <p:extLst>
+      <p:ext uri="{BB962C8B-B14F-4D97-AF65-F5344CB8AC3E}">
+        <p14:creationId xmlns:p14="http://schemas.microsoft.com/office/powerpoint/2010/main" val="2895777034"/>
+      </p:ext>
+    </p:extLst>
+  </p:cSld>
+  <p:clrMapOvr>
+    <a:masterClrMapping/>
+  </p:clrMapOvr>
+  <p:timing>
+    <p:tnLst>
+      <p:par>
+        <p:cTn xmlns:p14="http://schemas.microsoft.com/office/powerpoint/2010/main" id="1" dur="indefinite" restart="never" nodeType="tmRoot"/>
+      </p:par>
+    </p:tnLst>
+  </p:timing>
+</p:sld>
+</file>
+
+<file path=ppt/slides/slide15.xml><?xml version="1.0" encoding="utf-8"?>
+<p:sld xmlns:a="http://schemas.openxmlformats.org/drawingml/2006/main" xmlns:r="http://schemas.openxmlformats.org/officeDocument/2006/relationships" xmlns:p="http://schemas.openxmlformats.org/presentationml/2006/main">
+  <p:cSld>
+    <p:spTree>
+      <p:nvGrpSpPr>
+        <p:cNvPr id="1" name=""/>
+        <p:cNvGrpSpPr/>
+        <p:nvPr/>
+      </p:nvGrpSpPr>
+      <p:grpSpPr>
+        <a:xfrm>
+          <a:off x="0" y="0"/>
+          <a:ext cx="0" cy="0"/>
+          <a:chOff x="0" y="0"/>
+          <a:chExt cx="0" cy="0"/>
+        </a:xfrm>
+      </p:grpSpPr>
+      <p:sp>
+        <p:nvSpPr>
+          <p:cNvPr id="2" name="Title 1"/>
+          <p:cNvSpPr>
+            <a:spLocks noGrp="1"/>
+          </p:cNvSpPr>
+          <p:nvPr>
+            <p:ph type="title"/>
+          </p:nvPr>
+        </p:nvSpPr>
+        <p:spPr/>
+        <p:txBody>
+          <a:bodyPr/>
+          <a:lstStyle/>
+          <a:p>
+            <a:r>
+              <a:rPr lang="en-US" dirty="0" smtClean="0"/>
+              <a:t>Additional Info</a:t>
+            </a:r>
+            <a:endParaRPr lang="en-US" dirty="0"/>
+          </a:p>
+        </p:txBody>
+      </p:sp>
+      <p:sp>
+        <p:nvSpPr>
+          <p:cNvPr id="3" name="Content Placeholder 2"/>
+          <p:cNvSpPr>
+            <a:spLocks noGrp="1"/>
+          </p:cNvSpPr>
+          <p:nvPr>
+            <p:ph idx="1"/>
+          </p:nvPr>
+        </p:nvSpPr>
+        <p:spPr/>
+        <p:txBody>
+          <a:bodyPr>
+            <a:noAutofit/>
+          </a:bodyPr>
+          <a:lstStyle/>
+          <a:p>
+            <a:r>
+              <a:rPr lang="en-US" sz="2400" dirty="0" smtClean="0"/>
+              <a:t>Vagrant Site</a:t>
+            </a:r>
+            <a:r>
+              <a:rPr lang="en-US" sz="2400" dirty="0"/>
+              <a:t>: </a:t>
+            </a:r>
+            <a:r>
+              <a:rPr lang="en-US" sz="2400" dirty="0">
+                <a:hlinkClick r:id="rId2"/>
+              </a:rPr>
+              <a:t>http://docs.vagrantup.com/v2</a:t>
+            </a:r>
+            <a:r>
+              <a:rPr lang="en-US" sz="2400" dirty="0" smtClean="0">
+                <a:hlinkClick r:id="rId2"/>
+              </a:rPr>
               <a:t>/</a:t>
             </a:r>
-            <a:endParaRPr lang="en-US" dirty="0"/>
-          </a:p>
-          <a:p>
-            <a:r>
-              <a:rPr lang="en-US" dirty="0" smtClean="0"/>
+            <a:endParaRPr lang="en-US" sz="2400" dirty="0"/>
+          </a:p>
+          <a:p>
+            <a:r>
+              <a:rPr lang="en-US" sz="2400" dirty="0" smtClean="0"/>
               <a:t>Google Groups: </a:t>
             </a:r>
             <a:r>
-              <a:rPr lang="en-US" dirty="0" smtClean="0">
+              <a:rPr lang="en-US" sz="2400" dirty="0" smtClean="0">
                 <a:hlinkClick r:id="rId3"/>
               </a:rPr>
               <a:t>https</a:t>
             </a:r>
             <a:r>
-              <a:rPr lang="en-US" dirty="0">
+              <a:rPr lang="en-US" sz="2400" dirty="0">
                 <a:hlinkClick r:id="rId3"/>
               </a:rPr>
               <a:t>://groups.google.com/forum/#!forum/vagrant-</a:t>
             </a:r>
             <a:r>
-              <a:rPr lang="en-US" dirty="0" smtClean="0">
+              <a:rPr lang="en-US" sz="2400" dirty="0" smtClean="0">
                 <a:hlinkClick r:id="rId3"/>
               </a:rPr>
               <a:t>up</a:t>
             </a:r>
-            <a:endParaRPr lang="en-US" dirty="0" smtClean="0"/>
-          </a:p>
-          <a:p>
-            <a:r>
-              <a:rPr lang="en-US" dirty="0" smtClean="0"/>
+            <a:endParaRPr lang="en-US" sz="2400" dirty="0" smtClean="0"/>
+          </a:p>
+          <a:p>
+            <a:r>
+              <a:rPr lang="en-US" sz="2400" dirty="0" smtClean="0"/>
               <a:t>IRC</a:t>
             </a:r>
             <a:r>
-              <a:rPr lang="en-US" dirty="0"/>
+              <a:rPr lang="en-US" sz="2400" dirty="0"/>
               <a:t>: #vagrant on </a:t>
             </a:r>
             <a:r>
-              <a:rPr lang="en-US" dirty="0" err="1"/>
+              <a:rPr lang="en-US" sz="2400" dirty="0" err="1" smtClean="0"/>
               <a:t>Freenode</a:t>
             </a:r>
-            <a:endParaRPr lang="en-US" dirty="0" smtClean="0"/>
-          </a:p>
-          <a:p>
-            <a:r>
-              <a:rPr lang="en-US" dirty="0" smtClean="0"/>
-              <a:t>Mitchell’s Book</a:t>
-            </a:r>
-            <a:endParaRPr lang="en-US" dirty="0"/>
+            <a:endParaRPr lang="en-US" sz="2400" dirty="0" smtClean="0"/>
+          </a:p>
+          <a:p>
+            <a:r>
+              <a:rPr lang="en-US" sz="2400" dirty="0" err="1" smtClean="0"/>
+              <a:t>GitHub</a:t>
+            </a:r>
+            <a:r>
+              <a:rPr lang="en-US" sz="2400" dirty="0" smtClean="0"/>
+              <a:t> (Check out </a:t>
+            </a:r>
+            <a:r>
+              <a:rPr lang="en-US" sz="2400" dirty="0" err="1" smtClean="0"/>
+              <a:t>bunchc</a:t>
+            </a:r>
+            <a:r>
+              <a:rPr lang="en-US" sz="2400" dirty="0"/>
+              <a:t>, </a:t>
+            </a:r>
+            <a:r>
+              <a:rPr lang="en-US" sz="2400" dirty="0" err="1" smtClean="0"/>
+              <a:t>bodepd</a:t>
+            </a:r>
+            <a:r>
+              <a:rPr lang="en-US" sz="2400" dirty="0"/>
+              <a:t>, </a:t>
+            </a:r>
+            <a:r>
+              <a:rPr lang="en-US" sz="2400" dirty="0" err="1" smtClean="0"/>
+              <a:t>ody</a:t>
+            </a:r>
+            <a:r>
+              <a:rPr lang="en-US" sz="2400" dirty="0" smtClean="0"/>
+              <a:t>, </a:t>
+            </a:r>
+            <a:r>
+              <a:rPr lang="en-US" sz="2400" dirty="0" err="1" smtClean="0"/>
+              <a:t>etc</a:t>
+            </a:r>
+            <a:r>
+              <a:rPr lang="en-US" sz="2400" dirty="0" smtClean="0"/>
+              <a:t>)</a:t>
+            </a:r>
+            <a:endParaRPr lang="en-US" sz="2400" dirty="0" smtClean="0"/>
+          </a:p>
+          <a:p>
+            <a:r>
+              <a:rPr lang="en-US" sz="2400" dirty="0" smtClean="0"/>
+              <a:t>For Fusion-related tips, I post them as I find them:</a:t>
+            </a:r>
+            <a:endParaRPr lang="en-US" sz="2400" dirty="0"/>
+          </a:p>
+          <a:p>
+            <a:pPr lvl="1"/>
+            <a:r>
+              <a:rPr lang="en-US" sz="2000" dirty="0">
+                <a:hlinkClick r:id="rId4"/>
+              </a:rPr>
+              <a:t>http://vmtrooper.com/category/automation/vagrant</a:t>
+            </a:r>
+            <a:r>
+              <a:rPr lang="en-US" sz="2000" dirty="0" smtClean="0">
+                <a:hlinkClick r:id="rId4"/>
+              </a:rPr>
+              <a:t>/</a:t>
+            </a:r>
+            <a:endParaRPr lang="en-US" sz="2000" dirty="0" smtClean="0"/>
+          </a:p>
+          <a:p>
+            <a:r>
+              <a:rPr lang="en-US" sz="2400" dirty="0" smtClean="0"/>
+              <a:t>Mitchell’s </a:t>
+            </a:r>
+            <a:r>
+              <a:rPr lang="en-US" sz="2400" dirty="0" smtClean="0"/>
+              <a:t>Book</a:t>
+            </a:r>
+            <a:endParaRPr lang="en-US" sz="2400" dirty="0"/>
           </a:p>
         </p:txBody>
       </p:sp>
@@ -3407,15 +4855,15 @@
           <p:nvPr/>
         </p:nvPicPr>
         <p:blipFill>
-          <a:blip r:embed="rId4"/>
+          <a:blip r:embed="rId5"/>
           <a:stretch>
             <a:fillRect/>
           </a:stretch>
         </p:blipFill>
         <p:spPr>
           <a:xfrm>
-            <a:off x="7490486" y="3094670"/>
-            <a:ext cx="1461354" cy="1917787"/>
+            <a:off x="2944168" y="4119417"/>
+            <a:ext cx="792361" cy="1039843"/>
           </a:xfrm>
           <a:prstGeom prst="rect">
             <a:avLst/>
@@ -3432,6 +4880,13 @@
   <p:clrMapOvr>
     <a:masterClrMapping/>
   </p:clrMapOvr>
+  <p:timing>
+    <p:tnLst>
+      <p:par>
+        <p:cTn xmlns:p14="http://schemas.microsoft.com/office/powerpoint/2010/main" id="1" dur="indefinite" restart="never" nodeType="tmRoot"/>
+      </p:par>
+    </p:tnLst>
+  </p:timing>
 </p:sld>
 </file>
 
@@ -3469,7 +4924,7 @@
           <a:p>
             <a:r>
               <a:rPr lang="en-US" dirty="0" smtClean="0"/>
-              <a:t>Step 1: Select your Provider</a:t>
+              <a:t>Introduction</a:t>
             </a:r>
             <a:endParaRPr lang="en-US" dirty="0"/>
           </a:p>
@@ -3487,41 +4942,70 @@
         </p:nvSpPr>
         <p:spPr/>
         <p:txBody>
-          <a:bodyPr/>
-          <a:lstStyle/>
-          <a:p>
-            <a:r>
-              <a:rPr lang="en-US" dirty="0" smtClean="0"/>
-              <a:t>What is a provider?</a:t>
+          <a:bodyPr>
+            <a:normAutofit fontScale="92500" lnSpcReduction="10000"/>
+          </a:bodyPr>
+          <a:lstStyle/>
+          <a:p>
+            <a:r>
+              <a:rPr lang="en-US" dirty="0" smtClean="0"/>
+              <a:t>What is Vagrant?</a:t>
             </a:r>
           </a:p>
           <a:p>
             <a:pPr lvl="1"/>
             <a:r>
               <a:rPr lang="en-US" dirty="0" smtClean="0"/>
-              <a:t>Oracle </a:t>
+              <a:t>Created by Mitchell Hashimoto</a:t>
+            </a:r>
+          </a:p>
+          <a:p>
+            <a:pPr lvl="1"/>
+            <a:r>
+              <a:rPr lang="en-US" dirty="0" smtClean="0"/>
+              <a:t>Provisioning Tool for </a:t>
             </a:r>
             <a:r>
               <a:rPr lang="en-US" dirty="0" err="1" smtClean="0"/>
-              <a:t>VirtualBox</a:t>
-            </a:r>
-            <a:r>
-              <a:rPr lang="en-US" dirty="0" smtClean="0"/>
-              <a:t> (Free)</a:t>
+              <a:t>Dev</a:t>
+            </a:r>
+            <a:r>
+              <a:rPr lang="en-US" dirty="0" smtClean="0"/>
+              <a:t> &amp; Test Environments</a:t>
+            </a:r>
+          </a:p>
+          <a:p>
+            <a:r>
+              <a:rPr lang="en-US" dirty="0" smtClean="0"/>
+              <a:t>Why use Vagrant?</a:t>
             </a:r>
           </a:p>
           <a:p>
             <a:pPr lvl="1"/>
             <a:r>
               <a:rPr lang="en-US" dirty="0" smtClean="0"/>
-              <a:t>VMware Fusion or Workstation ($)</a:t>
+              <a:t>Quick</a:t>
             </a:r>
           </a:p>
           <a:p>
             <a:pPr lvl="1"/>
             <a:r>
               <a:rPr lang="en-US" dirty="0" smtClean="0"/>
-              <a:t>Roll your own (AWS, Rackspace, etc.)</a:t>
+              <a:t>Easily replicate production on a </a:t>
+            </a:r>
+            <a:r>
+              <a:rPr lang="en-US" dirty="0" err="1" smtClean="0"/>
+              <a:t>Dev</a:t>
+            </a:r>
+            <a:r>
+              <a:rPr lang="en-US" dirty="0" smtClean="0"/>
+              <a:t> box</a:t>
+            </a:r>
+          </a:p>
+          <a:p>
+            <a:r>
+              <a:rPr lang="en-US" dirty="0" smtClean="0"/>
+              <a:t>How do I get started? </a:t>
             </a:r>
             <a:endParaRPr lang="en-US" dirty="0"/>
           </a:p>
@@ -3530,20 +5014,13 @@
     </p:spTree>
     <p:extLst>
       <p:ext uri="{BB962C8B-B14F-4D97-AF65-F5344CB8AC3E}">
-        <p14:creationId xmlns:p14="http://schemas.microsoft.com/office/powerpoint/2010/main" val="2981584085"/>
+        <p14:creationId xmlns:p14="http://schemas.microsoft.com/office/powerpoint/2010/main" val="1038783077"/>
       </p:ext>
     </p:extLst>
   </p:cSld>
   <p:clrMapOvr>
     <a:masterClrMapping/>
   </p:clrMapOvr>
-  <p:timing>
-    <p:tnLst>
-      <p:par>
-        <p:cTn xmlns:p14="http://schemas.microsoft.com/office/powerpoint/2010/main" id="1" dur="indefinite" restart="never" nodeType="tmRoot"/>
-      </p:par>
-    </p:tnLst>
-  </p:timing>
 </p:sld>
 </file>
 
@@ -3581,7 +5058,7 @@
           <a:p>
             <a:r>
               <a:rPr lang="en-US" dirty="0" smtClean="0"/>
-              <a:t>Step 2: Install Vagrant</a:t>
+              <a:t>Step 1: Select your Provider</a:t>
             </a:r>
             <a:endParaRPr lang="en-US" dirty="0"/>
           </a:p>
@@ -3603,19 +5080,50 @@
           <a:lstStyle/>
           <a:p>
             <a:r>
-              <a:rPr lang="en-US" dirty="0" smtClean="0">
-                <a:hlinkClick r:id="rId2"/>
-              </a:rPr>
-              <a:t>http://downloads.vagrant.com</a:t>
-            </a:r>
-            <a:endParaRPr lang="en-US" dirty="0" smtClean="0"/>
+              <a:rPr lang="en-US" dirty="0" smtClean="0"/>
+              <a:t>What is a provider?</a:t>
+            </a:r>
+          </a:p>
+          <a:p>
+            <a:pPr lvl="1"/>
+            <a:r>
+              <a:rPr lang="en-US" dirty="0" smtClean="0"/>
+              <a:t>Oracle </a:t>
+            </a:r>
+            <a:r>
+              <a:rPr lang="en-US" dirty="0" err="1" smtClean="0"/>
+              <a:t>VirtualBox</a:t>
+            </a:r>
+            <a:r>
+              <a:rPr lang="en-US" dirty="0" smtClean="0"/>
+              <a:t> (Free)</a:t>
+            </a:r>
+          </a:p>
+          <a:p>
+            <a:pPr lvl="1"/>
+            <a:r>
+              <a:rPr lang="en-US" dirty="0" smtClean="0"/>
+              <a:t>VMware Fusion or Workstation ($)</a:t>
+            </a:r>
+          </a:p>
+          <a:p>
+            <a:pPr lvl="1"/>
+            <a:r>
+              <a:rPr lang="en-US" dirty="0" smtClean="0"/>
+              <a:t>Build </a:t>
+            </a:r>
+            <a:r>
+              <a:rPr lang="en-US" dirty="0" smtClean="0"/>
+              <a:t>your own (AWS, Rackspace, etc.)</a:t>
+            </a:r>
+            <a:endParaRPr lang="en-US" dirty="0"/>
           </a:p>
         </p:txBody>
       </p:sp>
     </p:spTree>
     <p:extLst>
       <p:ext uri="{BB962C8B-B14F-4D97-AF65-F5344CB8AC3E}">
-        <p14:creationId xmlns:p14="http://schemas.microsoft.com/office/powerpoint/2010/main" val="819453780"/>
+        <p14:creationId xmlns:p14="http://schemas.microsoft.com/office/powerpoint/2010/main" val="2981584085"/>
       </p:ext>
     </p:extLst>
   </p:cSld>
@@ -3666,7 +5174,7 @@
           <a:p>
             <a:r>
               <a:rPr lang="en-US" dirty="0" smtClean="0"/>
-              <a:t>Step 3: Download a box</a:t>
+              <a:t>Step 2: Install Vagrant</a:t>
             </a:r>
             <a:endParaRPr lang="en-US" dirty="0"/>
           </a:p>
@@ -3684,77 +5192,36 @@
         </p:nvSpPr>
         <p:spPr/>
         <p:txBody>
-          <a:bodyPr>
-            <a:normAutofit lnSpcReduction="10000"/>
-          </a:bodyPr>
-          <a:lstStyle/>
-          <a:p>
-            <a:r>
-              <a:rPr lang="en-US" dirty="0" smtClean="0"/>
-              <a:t>VMware Fusion: </a:t>
-            </a:r>
+          <a:bodyPr/>
+          <a:lstStyle/>
+          <a:p>
             <a:r>
               <a:rPr lang="en-US" dirty="0" smtClean="0">
                 <a:hlinkClick r:id="rId2"/>
               </a:rPr>
-              <a:t>http://files.vagrantup.com/precise64_vmware.box</a:t>
+              <a:t>http://downloads.vagrantup.com</a:t>
             </a:r>
             <a:endParaRPr lang="en-US" dirty="0" smtClean="0"/>
-          </a:p>
-          <a:p>
-            <a:r>
-              <a:rPr lang="en-US" dirty="0" err="1" smtClean="0"/>
-              <a:t>VirtualBox</a:t>
-            </a:r>
-            <a:r>
-              <a:rPr lang="en-US" dirty="0" smtClean="0"/>
-              <a:t>: </a:t>
-            </a:r>
-            <a:r>
-              <a:rPr lang="en-US" dirty="0">
-                <a:hlinkClick r:id="rId3"/>
-              </a:rPr>
-              <a:t>http://files.vagrantup.com/</a:t>
-            </a:r>
-            <a:r>
-              <a:rPr lang="en-US" dirty="0" smtClean="0">
-                <a:hlinkClick r:id="rId3"/>
-              </a:rPr>
-              <a:t>precise64.box</a:t>
-            </a:r>
-            <a:endParaRPr lang="en-US" dirty="0"/>
-          </a:p>
-          <a:p>
-            <a:r>
-              <a:rPr lang="en-US" dirty="0" smtClean="0"/>
-              <a:t>Roll your own or use others: </a:t>
-            </a:r>
-            <a:r>
-              <a:rPr lang="en-US" dirty="0" smtClean="0">
-                <a:hlinkClick r:id="rId4"/>
-              </a:rPr>
-              <a:t>http://www.vagrantbox.es/</a:t>
-            </a:r>
-            <a:endParaRPr lang="en-US" dirty="0" smtClean="0"/>
-          </a:p>
-          <a:p>
-            <a:pPr marL="0" indent="0">
-              <a:buNone/>
-            </a:pPr>
-            <a:endParaRPr lang="en-US" dirty="0"/>
           </a:p>
         </p:txBody>
       </p:sp>
     </p:spTree>
     <p:extLst>
       <p:ext uri="{BB962C8B-B14F-4D97-AF65-F5344CB8AC3E}">
-        <p14:creationId xmlns:p14="http://schemas.microsoft.com/office/powerpoint/2010/main" val="1600999557"/>
+        <p14:creationId xmlns:p14="http://schemas.microsoft.com/office/powerpoint/2010/main" val="819453780"/>
       </p:ext>
     </p:extLst>
   </p:cSld>
   <p:clrMapOvr>
     <a:masterClrMapping/>
   </p:clrMapOvr>
+  <p:timing>
+    <p:tnLst>
+      <p:par>
+        <p:cTn xmlns:p14="http://schemas.microsoft.com/office/powerpoint/2010/main" id="1" dur="indefinite" restart="never" nodeType="tmRoot"/>
+      </p:par>
+    </p:tnLst>
+  </p:timing>
 </p:sld>
 </file>
 
@@ -3792,43 +5259,93 @@
           <a:p>
             <a:r>
               <a:rPr lang="en-US" dirty="0" smtClean="0"/>
-              <a:t>Step 4: Vagrant </a:t>
-            </a:r>
+              <a:t>Step 3: Download a box</a:t>
+            </a:r>
+            <a:endParaRPr lang="en-US" dirty="0"/>
+          </a:p>
+        </p:txBody>
+      </p:sp>
+      <p:sp>
+        <p:nvSpPr>
+          <p:cNvPr id="3" name="Content Placeholder 2"/>
+          <p:cNvSpPr>
+            <a:spLocks noGrp="1"/>
+          </p:cNvSpPr>
+          <p:nvPr>
+            <p:ph idx="1"/>
+          </p:nvPr>
+        </p:nvSpPr>
+        <p:spPr/>
+        <p:txBody>
+          <a:bodyPr>
+            <a:normAutofit lnSpcReduction="10000"/>
+          </a:bodyPr>
+          <a:lstStyle/>
+          <a:p>
+            <a:r>
+              <a:rPr lang="en-US" dirty="0" smtClean="0"/>
+              <a:t>VMware Fusion: </a:t>
+            </a:r>
+            <a:r>
+              <a:rPr lang="en-US" dirty="0" smtClean="0">
+                <a:hlinkClick r:id="rId3"/>
+              </a:rPr>
+              <a:t>http://files.vagrantup.com/precise64_vmware.box</a:t>
+            </a:r>
+            <a:endParaRPr lang="en-US" dirty="0" smtClean="0"/>
+          </a:p>
+          <a:p>
             <a:r>
               <a:rPr lang="en-US" dirty="0" err="1" smtClean="0"/>
-              <a:t>Init</a:t>
-            </a:r>
-            <a:r>
-              <a:rPr lang="en-US" dirty="0" smtClean="0"/>
-              <a:t> &amp; Up </a:t>
+              <a:t>VirtualBox</a:t>
+            </a:r>
+            <a:r>
+              <a:rPr lang="en-US" dirty="0" smtClean="0"/>
+              <a:t>: </a:t>
+            </a:r>
+            <a:r>
+              <a:rPr lang="en-US" dirty="0">
+                <a:hlinkClick r:id="rId4"/>
+              </a:rPr>
+              <a:t>http://files.vagrantup.com/</a:t>
+            </a:r>
+            <a:r>
+              <a:rPr lang="en-US" dirty="0" smtClean="0">
+                <a:hlinkClick r:id="rId4"/>
+              </a:rPr>
+              <a:t>precise64.box</a:t>
             </a:r>
             <a:endParaRPr lang="en-US" dirty="0"/>
           </a:p>
-        </p:txBody>
-      </p:sp>
-      <p:sp>
-        <p:nvSpPr>
-          <p:cNvPr id="3" name="Content Placeholder 2"/>
-          <p:cNvSpPr>
-            <a:spLocks noGrp="1"/>
-          </p:cNvSpPr>
-          <p:nvPr>
-            <p:ph idx="1"/>
-          </p:nvPr>
-        </p:nvSpPr>
-        <p:spPr/>
-        <p:txBody>
-          <a:bodyPr/>
-          <a:lstStyle/>
-          <a:p>
-            <a:endParaRPr lang="en-US"/>
+          <a:p>
+            <a:r>
+              <a:rPr lang="en-US" dirty="0" smtClean="0"/>
+              <a:t>Build </a:t>
+            </a:r>
+            <a:r>
+              <a:rPr lang="en-US" dirty="0" smtClean="0"/>
+              <a:t>your own or use others: </a:t>
+            </a:r>
+            <a:r>
+              <a:rPr lang="en-US" dirty="0" smtClean="0">
+                <a:hlinkClick r:id="rId5"/>
+              </a:rPr>
+              <a:t>http://www.vagrantbox.es/</a:t>
+            </a:r>
+            <a:endParaRPr lang="en-US" dirty="0" smtClean="0"/>
+          </a:p>
+          <a:p>
+            <a:pPr marL="0" indent="0">
+              <a:buNone/>
+            </a:pPr>
+            <a:endParaRPr lang="en-US" dirty="0"/>
           </a:p>
         </p:txBody>
       </p:sp>
     </p:spTree>
     <p:extLst>
       <p:ext uri="{BB962C8B-B14F-4D97-AF65-F5344CB8AC3E}">
-        <p14:creationId xmlns:p14="http://schemas.microsoft.com/office/powerpoint/2010/main" val="3341478902"/>
+        <p14:creationId xmlns:p14="http://schemas.microsoft.com/office/powerpoint/2010/main" val="1600999557"/>
       </p:ext>
     </p:extLst>
   </p:cSld>
@@ -3872,6 +5389,121 @@
           <a:p>
             <a:r>
               <a:rPr lang="en-US" dirty="0" smtClean="0"/>
+              <a:t>Step 4: Vagrant </a:t>
+            </a:r>
+            <a:r>
+              <a:rPr lang="en-US" dirty="0" err="1" smtClean="0"/>
+              <a:t>Init</a:t>
+            </a:r>
+            <a:r>
+              <a:rPr lang="en-US" dirty="0" smtClean="0"/>
+              <a:t> &amp; Up </a:t>
+            </a:r>
+            <a:endParaRPr lang="en-US" dirty="0"/>
+          </a:p>
+        </p:txBody>
+      </p:sp>
+      <p:sp>
+        <p:nvSpPr>
+          <p:cNvPr id="3" name="Content Placeholder 2"/>
+          <p:cNvSpPr>
+            <a:spLocks noGrp="1"/>
+          </p:cNvSpPr>
+          <p:nvPr>
+            <p:ph idx="1"/>
+          </p:nvPr>
+        </p:nvSpPr>
+        <p:spPr/>
+        <p:txBody>
+          <a:bodyPr/>
+          <a:lstStyle/>
+          <a:p>
+            <a:pPr marL="0" indent="0">
+              <a:buNone/>
+            </a:pPr>
+            <a:r>
+              <a:rPr lang="en-US" dirty="0" smtClean="0"/>
+              <a:t>Terminal Window in the directory for your test lab:</a:t>
+            </a:r>
+          </a:p>
+          <a:p>
+            <a:r>
+              <a:rPr lang="en-US" dirty="0" smtClean="0"/>
+              <a:t>vagrant </a:t>
+            </a:r>
+            <a:r>
+              <a:rPr lang="en-US" dirty="0" err="1" smtClean="0"/>
+              <a:t>init</a:t>
+            </a:r>
+            <a:endParaRPr lang="en-US" dirty="0" smtClean="0"/>
+          </a:p>
+          <a:p>
+            <a:r>
+              <a:rPr lang="en-US" dirty="0" smtClean="0"/>
+              <a:t>Edit the resulting </a:t>
+            </a:r>
+            <a:r>
+              <a:rPr lang="en-US" dirty="0" err="1" smtClean="0"/>
+              <a:t>Vagrantfile</a:t>
+            </a:r>
+            <a:endParaRPr lang="en-US" dirty="0" smtClean="0"/>
+          </a:p>
+          <a:p>
+            <a:r>
+              <a:rPr lang="en-US" dirty="0" smtClean="0"/>
+              <a:t>vagrant up</a:t>
+            </a:r>
+            <a:endParaRPr lang="en-US" dirty="0"/>
+          </a:p>
+        </p:txBody>
+      </p:sp>
+    </p:spTree>
+    <p:extLst>
+      <p:ext uri="{BB962C8B-B14F-4D97-AF65-F5344CB8AC3E}">
+        <p14:creationId xmlns:p14="http://schemas.microsoft.com/office/powerpoint/2010/main" val="3341478902"/>
+      </p:ext>
+    </p:extLst>
+  </p:cSld>
+  <p:clrMapOvr>
+    <a:masterClrMapping/>
+  </p:clrMapOvr>
+</p:sld>
+</file>
+
+<file path=ppt/slides/slide7.xml><?xml version="1.0" encoding="utf-8"?>
+<p:sld xmlns:a="http://schemas.openxmlformats.org/drawingml/2006/main" xmlns:r="http://schemas.openxmlformats.org/officeDocument/2006/relationships" xmlns:p="http://schemas.openxmlformats.org/presentationml/2006/main">
+  <p:cSld>
+    <p:spTree>
+      <p:nvGrpSpPr>
+        <p:cNvPr id="1" name=""/>
+        <p:cNvGrpSpPr/>
+        <p:nvPr/>
+      </p:nvGrpSpPr>
+      <p:grpSpPr>
+        <a:xfrm>
+          <a:off x="0" y="0"/>
+          <a:ext cx="0" cy="0"/>
+          <a:chOff x="0" y="0"/>
+          <a:chExt cx="0" cy="0"/>
+        </a:xfrm>
+      </p:grpSpPr>
+      <p:sp>
+        <p:nvSpPr>
+          <p:cNvPr id="2" name="Title 1"/>
+          <p:cNvSpPr>
+            <a:spLocks noGrp="1"/>
+          </p:cNvSpPr>
+          <p:nvPr>
+            <p:ph type="title"/>
+          </p:nvPr>
+        </p:nvSpPr>
+        <p:spPr/>
+        <p:txBody>
+          <a:bodyPr/>
+          <a:lstStyle/>
+          <a:p>
+            <a:r>
+              <a:rPr lang="en-US" dirty="0" smtClean="0"/>
               <a:t>Step 5: Vagrant SSH</a:t>
             </a:r>
             <a:endParaRPr lang="en-US" dirty="0"/>
@@ -3893,7 +5525,24 @@
           <a:bodyPr/>
           <a:lstStyle/>
           <a:p>
-            <a:endParaRPr lang="en-US"/>
+            <a:pPr marL="0" indent="0">
+              <a:buNone/>
+            </a:pPr>
+            <a:r>
+              <a:rPr lang="en-US" dirty="0" smtClean="0"/>
+              <a:t>Login to the VM using vagrant CLI:</a:t>
+            </a:r>
+          </a:p>
+          <a:p>
+            <a:r>
+              <a:rPr lang="en-US" dirty="0" smtClean="0"/>
+              <a:t>vagrant </a:t>
+            </a:r>
+            <a:r>
+              <a:rPr lang="en-US" dirty="0" err="1" smtClean="0"/>
+              <a:t>ssh</a:t>
+            </a:r>
+            <a:endParaRPr lang="en-US" dirty="0" smtClean="0"/>
           </a:p>
         </p:txBody>
       </p:sp>
@@ -3910,7 +5559,7 @@
 </p:sld>
 </file>
 
-<file path=ppt/slides/slide7.xml><?xml version="1.0" encoding="utf-8"?>
+<file path=ppt/slides/slide8.xml><?xml version="1.0" encoding="utf-8"?>
 <p:sld xmlns:a="http://schemas.openxmlformats.org/drawingml/2006/main" xmlns:r="http://schemas.openxmlformats.org/officeDocument/2006/relationships" xmlns:p="http://schemas.openxmlformats.org/presentationml/2006/main">
   <p:cSld>
     <p:spTree>
@@ -3993,119 +5642,6 @@
 </p:sld>
 </file>
 
-<file path=ppt/slides/slide8.xml><?xml version="1.0" encoding="utf-8"?>
-<p:sld xmlns:a="http://schemas.openxmlformats.org/drawingml/2006/main" xmlns:r="http://schemas.openxmlformats.org/officeDocument/2006/relationships" xmlns:p="http://schemas.openxmlformats.org/presentationml/2006/main">
-  <p:cSld>
-    <p:spTree>
-      <p:nvGrpSpPr>
-        <p:cNvPr id="1" name=""/>
-        <p:cNvGrpSpPr/>
-        <p:nvPr/>
-      </p:nvGrpSpPr>
-      <p:grpSpPr>
-        <a:xfrm>
-          <a:off x="0" y="0"/>
-          <a:ext cx="0" cy="0"/>
-          <a:chOff x="0" y="0"/>
-          <a:chExt cx="0" cy="0"/>
-        </a:xfrm>
-      </p:grpSpPr>
-      <p:sp>
-        <p:nvSpPr>
-          <p:cNvPr id="2" name="Title 1"/>
-          <p:cNvSpPr>
-            <a:spLocks noGrp="1"/>
-          </p:cNvSpPr>
-          <p:nvPr>
-            <p:ph type="title"/>
-          </p:nvPr>
-        </p:nvSpPr>
-        <p:spPr/>
-        <p:txBody>
-          <a:bodyPr/>
-          <a:lstStyle/>
-          <a:p>
-            <a:r>
-              <a:rPr lang="en-US" dirty="0" smtClean="0"/>
-              <a:t>But wait, there’s more…</a:t>
-            </a:r>
-            <a:endParaRPr lang="en-US" dirty="0"/>
-          </a:p>
-        </p:txBody>
-      </p:sp>
-      <p:sp>
-        <p:nvSpPr>
-          <p:cNvPr id="3" name="Content Placeholder 2"/>
-          <p:cNvSpPr>
-            <a:spLocks noGrp="1"/>
-          </p:cNvSpPr>
-          <p:nvPr>
-            <p:ph idx="1"/>
-          </p:nvPr>
-        </p:nvSpPr>
-        <p:spPr/>
-        <p:txBody>
-          <a:bodyPr/>
-          <a:lstStyle/>
-          <a:p>
-            <a:r>
-              <a:rPr lang="en-US" dirty="0" smtClean="0"/>
-              <a:t>Version Control</a:t>
-            </a:r>
-          </a:p>
-          <a:p>
-            <a:r>
-              <a:rPr lang="en-US" dirty="0" smtClean="0"/>
-              <a:t>Custom IP Addresses</a:t>
-            </a:r>
-          </a:p>
-          <a:p>
-            <a:r>
-              <a:rPr lang="en-US" dirty="0" smtClean="0"/>
-              <a:t>Multi-VM </a:t>
-            </a:r>
-            <a:r>
-              <a:rPr lang="en-US" dirty="0" smtClean="0"/>
-              <a:t>Configuration (Static &amp; Dynamic)</a:t>
-            </a:r>
-            <a:endParaRPr lang="en-US" dirty="0" smtClean="0"/>
-          </a:p>
-          <a:p>
-            <a:r>
-              <a:rPr lang="en-US" dirty="0" smtClean="0"/>
-              <a:t>Shell, Puppet </a:t>
-            </a:r>
-            <a:r>
-              <a:rPr lang="en-US" dirty="0" smtClean="0"/>
-              <a:t>&amp; Chef </a:t>
-            </a:r>
-            <a:r>
-              <a:rPr lang="en-US" dirty="0" smtClean="0"/>
-              <a:t>Provisioning</a:t>
-            </a:r>
-            <a:endParaRPr lang="en-US" dirty="0" smtClean="0"/>
-          </a:p>
-          <a:p>
-            <a:r>
-              <a:rPr lang="en-US" dirty="0" smtClean="0"/>
-              <a:t>Squid Proxy</a:t>
-            </a:r>
-          </a:p>
-        </p:txBody>
-      </p:sp>
-    </p:spTree>
-    <p:extLst>
-      <p:ext uri="{BB962C8B-B14F-4D97-AF65-F5344CB8AC3E}">
-        <p14:creationId xmlns:p14="http://schemas.microsoft.com/office/powerpoint/2010/main" val="1199135339"/>
-      </p:ext>
-    </p:extLst>
-  </p:cSld>
-  <p:clrMapOvr>
-    <a:masterClrMapping/>
-  </p:clrMapOvr>
-</p:sld>
-</file>
-
 <file path=ppt/slides/slide9.xml><?xml version="1.0" encoding="utf-8"?>
 <p:sld xmlns:a="http://schemas.openxmlformats.org/drawingml/2006/main" xmlns:r="http://schemas.openxmlformats.org/officeDocument/2006/relationships" xmlns:p="http://schemas.openxmlformats.org/presentationml/2006/main">
   <p:cSld>
@@ -4140,7 +5676,7 @@
           <a:p>
             <a:r>
               <a:rPr lang="en-US" dirty="0" smtClean="0"/>
-              <a:t>Chef Integration</a:t>
+              <a:t>But wait, there’s more…</a:t>
             </a:r>
             <a:endParaRPr lang="en-US" dirty="0"/>
           </a:p>
@@ -4161,14 +5697,47 @@
           <a:bodyPr/>
           <a:lstStyle/>
           <a:p>
-            <a:endParaRPr lang="en-US"/>
+            <a:r>
+              <a:rPr lang="en-US" dirty="0" smtClean="0"/>
+              <a:t>Version Control</a:t>
+            </a:r>
+          </a:p>
+          <a:p>
+            <a:r>
+              <a:rPr lang="en-US" dirty="0" smtClean="0"/>
+              <a:t>Customize Your VM</a:t>
+            </a:r>
+            <a:endParaRPr lang="en-US" dirty="0" smtClean="0"/>
+          </a:p>
+          <a:p>
+            <a:r>
+              <a:rPr lang="en-US" dirty="0" smtClean="0"/>
+              <a:t>Multi-VM Configuration (Static &amp; Dynamic)</a:t>
+            </a:r>
+          </a:p>
+          <a:p>
+            <a:r>
+              <a:rPr lang="en-US" dirty="0" smtClean="0"/>
+              <a:t>VM </a:t>
+            </a:r>
+            <a:r>
+              <a:rPr lang="en-US" dirty="0" err="1" smtClean="0"/>
+              <a:t>Provisioners</a:t>
+            </a:r>
+            <a:endParaRPr lang="en-US" dirty="0" smtClean="0"/>
+          </a:p>
+          <a:p>
+            <a:r>
+              <a:rPr lang="en-US" dirty="0" smtClean="0"/>
+              <a:t>Squid Proxy</a:t>
+            </a:r>
           </a:p>
         </p:txBody>
       </p:sp>
     </p:spTree>
     <p:extLst>
       <p:ext uri="{BB962C8B-B14F-4D97-AF65-F5344CB8AC3E}">
-        <p14:creationId xmlns:p14="http://schemas.microsoft.com/office/powerpoint/2010/main" val="2318046783"/>
+        <p14:creationId xmlns:p14="http://schemas.microsoft.com/office/powerpoint/2010/main" val="1199135339"/>
       </p:ext>
     </p:extLst>
   </p:cSld>
@@ -4496,4 +6065,324 @@
   </a:objectDefaults>
   <a:extraClrSchemeLst/>
 </a:theme>
+</file>
+
+<file path=ppt/theme/theme2.xml><?xml version="1.0" encoding="utf-8"?>
+<a:theme xmlns:a="http://schemas.openxmlformats.org/drawingml/2006/main" name="Office Theme">
+  <a:themeElements>
+    <a:clrScheme name="Office">
+      <a:dk1>
+        <a:sysClr val="windowText" lastClr="000000"/>
+      </a:dk1>
+      <a:lt1>
+        <a:sysClr val="window" lastClr="FFFFFF"/>
+      </a:lt1>
+      <a:dk2>
+        <a:srgbClr val="1F497D"/>
+      </a:dk2>
+      <a:lt2>
+        <a:srgbClr val="EEECE1"/>
+      </a:lt2>
+      <a:accent1>
+        <a:srgbClr val="4F81BD"/>
+      </a:accent1>
+      <a:accent2>
+        <a:srgbClr val="C0504D"/>
+      </a:accent2>
+      <a:accent3>
+        <a:srgbClr val="9BBB59"/>
+      </a:accent3>
+      <a:accent4>
+        <a:srgbClr val="8064A2"/>
+      </a:accent4>
+      <a:accent5>
+        <a:srgbClr val="4BACC6"/>
+      </a:accent5>
+      <a:accent6>
+        <a:srgbClr val="F79646"/>
+      </a:accent6>
+      <a:hlink>
+        <a:srgbClr val="0000FF"/>
+      </a:hlink>
+      <a:folHlink>
+        <a:srgbClr val="800080"/>
+      </a:folHlink>
+    </a:clrScheme>
+    <a:fontScheme name="Office">
+      <a:majorFont>
+        <a:latin typeface="Calibri"/>
+        <a:ea typeface=""/>
+        <a:cs typeface=""/>
+        <a:font script="Jpan" typeface="ＭＳ Ｐゴシック"/>
+        <a:font script="Hang" typeface="맑은 고딕"/>
+        <a:font script="Hans" typeface="宋体"/>
+        <a:font script="Hant" typeface="新細明體"/>
+        <a:font script="Arab" typeface="Times New Roman"/>
+        <a:font script="Hebr" typeface="Times New Roman"/>
+        <a:font script="Thai" typeface="Angsana New"/>
+        <a:font script="Ethi" typeface="Nyala"/>
+        <a:font script="Beng" typeface="Vrinda"/>
+        <a:font script="Gujr" typeface="Shruti"/>
+        <a:font script="Khmr" typeface="MoolBoran"/>
+        <a:font script="Knda" typeface="Tunga"/>
+        <a:font script="Guru" typeface="Raavi"/>
+        <a:font script="Cans" typeface="Euphemia"/>
+        <a:font script="Cher" typeface="Plantagenet Cherokee"/>
+        <a:font script="Yiii" typeface="Microsoft Yi Baiti"/>
+        <a:font script="Tibt" typeface="Microsoft Himalaya"/>
+        <a:font script="Thaa" typeface="MV Boli"/>
+        <a:font script="Deva" typeface="Mangal"/>
+        <a:font script="Telu" typeface="Gautami"/>
+        <a:font script="Taml" typeface="Latha"/>
+        <a:font script="Syrc" typeface="Estrangelo Edessa"/>
+        <a:font script="Orya" typeface="Kalinga"/>
+        <a:font script="Mlym" typeface="Kartika"/>
+        <a:font script="Laoo" typeface="DokChampa"/>
+        <a:font script="Sinh" typeface="Iskoola Pota"/>
+        <a:font script="Mong" typeface="Mongolian Baiti"/>
+        <a:font script="Viet" typeface="Times New Roman"/>
+        <a:font script="Uigh" typeface="Microsoft Uighur"/>
+        <a:font script="Geor" typeface="Sylfaen"/>
+      </a:majorFont>
+      <a:minorFont>
+        <a:latin typeface="Calibri"/>
+        <a:ea typeface=""/>
+        <a:cs typeface=""/>
+        <a:font script="Jpan" typeface="ＭＳ Ｐゴシック"/>
+        <a:font script="Hang" typeface="맑은 고딕"/>
+        <a:font script="Hans" typeface="宋体"/>
+        <a:font script="Hant" typeface="新細明體"/>
+        <a:font script="Arab" typeface="Arial"/>
+        <a:font script="Hebr" typeface="Arial"/>
+        <a:font script="Thai" typeface="Cordia New"/>
+        <a:font script="Ethi" typeface="Nyala"/>
+        <a:font script="Beng" typeface="Vrinda"/>
+        <a:font script="Gujr" typeface="Shruti"/>
+        <a:font script="Khmr" typeface="DaunPenh"/>
+        <a:font script="Knda" typeface="Tunga"/>
+        <a:font script="Guru" typeface="Raavi"/>
+        <a:font script="Cans" typeface="Euphemia"/>
+        <a:font script="Cher" typeface="Plantagenet Cherokee"/>
+        <a:font script="Yiii" typeface="Microsoft Yi Baiti"/>
+        <a:font script="Tibt" typeface="Microsoft Himalaya"/>
+        <a:font script="Thaa" typeface="MV Boli"/>
+        <a:font script="Deva" typeface="Mangal"/>
+        <a:font script="Telu" typeface="Gautami"/>
+        <a:font script="Taml" typeface="Latha"/>
+        <a:font script="Syrc" typeface="Estrangelo Edessa"/>
+        <a:font script="Orya" typeface="Kalinga"/>
+        <a:font script="Mlym" typeface="Kartika"/>
+        <a:font script="Laoo" typeface="DokChampa"/>
+        <a:font script="Sinh" typeface="Iskoola Pota"/>
+        <a:font script="Mong" typeface="Mongolian Baiti"/>
+        <a:font script="Viet" typeface="Arial"/>
+        <a:font script="Uigh" typeface="Microsoft Uighur"/>
+        <a:font script="Geor" typeface="Sylfaen"/>
+      </a:minorFont>
+    </a:fontScheme>
+    <a:fmtScheme name="Office">
+      <a:fillStyleLst>
+        <a:solidFill>
+          <a:schemeClr val="phClr"/>
+        </a:solidFill>
+        <a:gradFill rotWithShape="1">
+          <a:gsLst>
+            <a:gs pos="0">
+              <a:schemeClr val="phClr">
+                <a:tint val="50000"/>
+                <a:satMod val="300000"/>
+              </a:schemeClr>
+            </a:gs>
+            <a:gs pos="35000">
+              <a:schemeClr val="phClr">
+                <a:tint val="37000"/>
+                <a:satMod val="300000"/>
+              </a:schemeClr>
+            </a:gs>
+            <a:gs pos="100000">
+              <a:schemeClr val="phClr">
+                <a:tint val="15000"/>
+                <a:satMod val="350000"/>
+              </a:schemeClr>
+            </a:gs>
+          </a:gsLst>
+          <a:lin ang="16200000" scaled="1"/>
+        </a:gradFill>
+        <a:gradFill rotWithShape="1">
+          <a:gsLst>
+            <a:gs pos="0">
+              <a:schemeClr val="phClr">
+                <a:tint val="100000"/>
+                <a:shade val="100000"/>
+                <a:satMod val="130000"/>
+              </a:schemeClr>
+            </a:gs>
+            <a:gs pos="100000">
+              <a:schemeClr val="phClr">
+                <a:tint val="50000"/>
+                <a:shade val="100000"/>
+                <a:satMod val="350000"/>
+              </a:schemeClr>
+            </a:gs>
+          </a:gsLst>
+          <a:lin ang="16200000" scaled="0"/>
+        </a:gradFill>
+      </a:fillStyleLst>
+      <a:lnStyleLst>
+        <a:ln w="9525" cap="flat" cmpd="sng" algn="ctr">
+          <a:solidFill>
+            <a:schemeClr val="phClr">
+              <a:shade val="95000"/>
+              <a:satMod val="105000"/>
+            </a:schemeClr>
+          </a:solidFill>
+          <a:prstDash val="solid"/>
+        </a:ln>
+        <a:ln w="25400" cap="flat" cmpd="sng" algn="ctr">
+          <a:solidFill>
+            <a:schemeClr val="phClr"/>
+          </a:solidFill>
+          <a:prstDash val="solid"/>
+        </a:ln>
+        <a:ln w="38100" cap="flat" cmpd="sng" algn="ctr">
+          <a:solidFill>
+            <a:schemeClr val="phClr"/>
+          </a:solidFill>
+          <a:prstDash val="solid"/>
+        </a:ln>
+      </a:lnStyleLst>
+      <a:effectStyleLst>
+        <a:effectStyle>
+          <a:effectLst>
+            <a:outerShdw blurRad="40000" dist="20000" dir="5400000" rotWithShape="0">
+              <a:srgbClr val="000000">
+                <a:alpha val="38000"/>
+              </a:srgbClr>
+            </a:outerShdw>
+          </a:effectLst>
+        </a:effectStyle>
+        <a:effectStyle>
+          <a:effectLst>
+            <a:outerShdw blurRad="40000" dist="23000" dir="5400000" rotWithShape="0">
+              <a:srgbClr val="000000">
+                <a:alpha val="35000"/>
+              </a:srgbClr>
+            </a:outerShdw>
+          </a:effectLst>
+        </a:effectStyle>
+        <a:effectStyle>
+          <a:effectLst>
+            <a:outerShdw blurRad="40000" dist="23000" dir="5400000" rotWithShape="0">
+              <a:srgbClr val="000000">
+                <a:alpha val="35000"/>
+              </a:srgbClr>
+            </a:outerShdw>
+          </a:effectLst>
+          <a:scene3d>
+            <a:camera prst="orthographicFront">
+              <a:rot lat="0" lon="0" rev="0"/>
+            </a:camera>
+            <a:lightRig rig="threePt" dir="t">
+              <a:rot lat="0" lon="0" rev="1200000"/>
+            </a:lightRig>
+          </a:scene3d>
+          <a:sp3d>
+            <a:bevelT w="63500" h="25400"/>
+          </a:sp3d>
+        </a:effectStyle>
+      </a:effectStyleLst>
+      <a:bgFillStyleLst>
+        <a:solidFill>
+          <a:schemeClr val="phClr"/>
+        </a:solidFill>
+        <a:gradFill rotWithShape="1">
+          <a:gsLst>
+            <a:gs pos="0">
+              <a:schemeClr val="phClr">
+                <a:tint val="40000"/>
+                <a:satMod val="350000"/>
+              </a:schemeClr>
+            </a:gs>
+            <a:gs pos="40000">
+              <a:schemeClr val="phClr">
+                <a:tint val="45000"/>
+                <a:shade val="99000"/>
+                <a:satMod val="350000"/>
+              </a:schemeClr>
+            </a:gs>
+            <a:gs pos="100000">
+              <a:schemeClr val="phClr">
+                <a:shade val="20000"/>
+                <a:satMod val="255000"/>
+              </a:schemeClr>
+            </a:gs>
+          </a:gsLst>
+          <a:path path="circle">
+            <a:fillToRect l="50000" t="-80000" r="50000" b="180000"/>
+          </a:path>
+        </a:gradFill>
+        <a:gradFill rotWithShape="1">
+          <a:gsLst>
+            <a:gs pos="0">
+              <a:schemeClr val="phClr">
+                <a:tint val="80000"/>
+                <a:satMod val="300000"/>
+              </a:schemeClr>
+            </a:gs>
+            <a:gs pos="100000">
+              <a:schemeClr val="phClr">
+                <a:shade val="30000"/>
+                <a:satMod val="200000"/>
+              </a:schemeClr>
+            </a:gs>
+          </a:gsLst>
+          <a:path path="circle">
+            <a:fillToRect l="50000" t="50000" r="50000" b="50000"/>
+          </a:path>
+        </a:gradFill>
+      </a:bgFillStyleLst>
+    </a:fmtScheme>
+  </a:themeElements>
+  <a:objectDefaults>
+    <a:spDef>
+      <a:spPr/>
+      <a:bodyPr/>
+      <a:lstStyle/>
+      <a:style>
+        <a:lnRef idx="1">
+          <a:schemeClr val="accent1"/>
+        </a:lnRef>
+        <a:fillRef idx="3">
+          <a:schemeClr val="accent1"/>
+        </a:fillRef>
+        <a:effectRef idx="2">
+          <a:schemeClr val="accent1"/>
+        </a:effectRef>
+        <a:fontRef idx="minor">
+          <a:schemeClr val="lt1"/>
+        </a:fontRef>
+      </a:style>
+    </a:spDef>
+    <a:lnDef>
+      <a:spPr/>
+      <a:bodyPr/>
+      <a:lstStyle/>
+      <a:style>
+        <a:lnRef idx="2">
+          <a:schemeClr val="accent1"/>
+        </a:lnRef>
+        <a:fillRef idx="0">
+          <a:schemeClr val="accent1"/>
+        </a:fillRef>
+        <a:effectRef idx="1">
+          <a:schemeClr val="accent1"/>
+        </a:effectRef>
+        <a:fontRef idx="minor">
+          <a:schemeClr val="tx1"/>
+        </a:fontRef>
+      </a:style>
+    </a:lnDef>
+  </a:objectDefaults>
+  <a:extraClrSchemeLst/>
+</a:theme>
 </file>
--- a/Vagrant.pptx
+++ b/Vagrant.pptx
@@ -2,7 +2,7 @@
 <file path=ppt/presentation.xml><?xml version="1.0" encoding="utf-8"?>
 <p:presentation xmlns:a="http://schemas.openxmlformats.org/drawingml/2006/main" xmlns:r="http://schemas.openxmlformats.org/officeDocument/2006/relationships" xmlns:p="http://schemas.openxmlformats.org/presentationml/2006/main" saveSubsetFonts="1" autoCompressPictures="0">
   <p:sldMasterIdLst>
-    <p:sldMasterId id="2147483648" r:id="rId1"/>
+    <p:sldMasterId id="2147483741" r:id="rId1"/>
   </p:sldMasterIdLst>
   <p:notesMasterIdLst>
     <p:notesMasterId r:id="rId17"/>
@@ -501,7 +501,12 @@
             <p:ph type="sldImg"/>
           </p:nvPr>
         </p:nvSpPr>
-        <p:spPr/>
+        <p:spPr>
+          <a:xfrm>
+            <a:off x="381000" y="685800"/>
+            <a:ext cx="6096000" cy="3429000"/>
+          </a:xfrm>
+        </p:spPr>
       </p:sp>
       <p:sp>
         <p:nvSpPr>
@@ -585,7 +590,12 @@
             <p:ph type="sldImg"/>
           </p:nvPr>
         </p:nvSpPr>
-        <p:spPr/>
+        <p:spPr>
+          <a:xfrm>
+            <a:off x="381000" y="685800"/>
+            <a:ext cx="6096000" cy="3429000"/>
+          </a:xfrm>
+        </p:spPr>
       </p:sp>
       <p:sp>
         <p:nvSpPr>
@@ -621,8 +631,9 @@
             </a:pPr>
             <a:r>
               <a:rPr lang="en-US" dirty="0" smtClean="0"/>
-              <a:t>Alternatively…</a:t>
-            </a:r>
+              <a:t>Alternatively first line could be…</a:t>
+            </a:r>
+            <a:endParaRPr lang="en-US" dirty="0" smtClean="0"/>
           </a:p>
           <a:p>
             <a:pPr marL="0" marR="0" indent="0" algn="l" defTabSz="457200" rtl="0" eaLnBrk="1" fontAlgn="auto" latinLnBrk="0" hangingPunct="1">
@@ -724,6 +735,20 @@
             <a:endParaRPr lang="en-US" dirty="0" smtClean="0"/>
           </a:p>
           <a:p>
+            <a:endParaRPr lang="en-US" dirty="0" smtClean="0"/>
+          </a:p>
+          <a:p>
+            <a:endParaRPr lang="en-US" dirty="0" smtClean="0"/>
+          </a:p>
+          <a:p>
+            <a:r>
+              <a:rPr lang="en-US" dirty="0" smtClean="0"/>
+              <a:t>It will automatically configure</a:t>
+            </a:r>
+            <a:r>
+              <a:rPr lang="en-US" baseline="0" dirty="0" smtClean="0"/>
+              <a:t> the name of the Vagrant box that you are using and </a:t>
+            </a:r>
             <a:endParaRPr lang="en-US" dirty="0"/>
           </a:p>
         </p:txBody>
@@ -755,6 +780,108 @@
     <p:extLst>
       <p:ext uri="{BB962C8B-B14F-4D97-AF65-F5344CB8AC3E}">
         <p14:creationId xmlns:p14="http://schemas.microsoft.com/office/powerpoint/2010/main" val="2624913008"/>
+      </p:ext>
+    </p:extLst>
+  </p:cSld>
+  <p:clrMapOvr>
+    <a:masterClrMapping/>
+  </p:clrMapOvr>
+</p:notes>
+</file>
+
+<file path=ppt/notesSlides/notesSlide3.xml><?xml version="1.0" encoding="utf-8"?>
+<p:notes xmlns:a="http://schemas.openxmlformats.org/drawingml/2006/main" xmlns:r="http://schemas.openxmlformats.org/officeDocument/2006/relationships" xmlns:p="http://schemas.openxmlformats.org/presentationml/2006/main">
+  <p:cSld>
+    <p:spTree>
+      <p:nvGrpSpPr>
+        <p:cNvPr id="1" name=""/>
+        <p:cNvGrpSpPr/>
+        <p:nvPr/>
+      </p:nvGrpSpPr>
+      <p:grpSpPr>
+        <a:xfrm>
+          <a:off x="0" y="0"/>
+          <a:ext cx="0" cy="0"/>
+          <a:chOff x="0" y="0"/>
+          <a:chExt cx="0" cy="0"/>
+        </a:xfrm>
+      </p:grpSpPr>
+      <p:sp>
+        <p:nvSpPr>
+          <p:cNvPr id="2" name="Slide Image Placeholder 1"/>
+          <p:cNvSpPr>
+            <a:spLocks noGrp="1" noRot="1" noChangeAspect="1"/>
+          </p:cNvSpPr>
+          <p:nvPr>
+            <p:ph type="sldImg"/>
+          </p:nvPr>
+        </p:nvSpPr>
+        <p:spPr/>
+      </p:sp>
+      <p:sp>
+        <p:nvSpPr>
+          <p:cNvPr id="3" name="Notes Placeholder 2"/>
+          <p:cNvSpPr>
+            <a:spLocks noGrp="1"/>
+          </p:cNvSpPr>
+          <p:nvPr>
+            <p:ph type="body" idx="1"/>
+          </p:nvPr>
+        </p:nvSpPr>
+        <p:spPr/>
+        <p:txBody>
+          <a:bodyPr/>
+          <a:lstStyle/>
+          <a:p>
+            <a:r>
+              <a:rPr lang="en-US" dirty="0" smtClean="0"/>
+              <a:t>For NAT</a:t>
+            </a:r>
+            <a:r>
+              <a:rPr lang="en-US" baseline="0" dirty="0" smtClean="0"/>
+              <a:t>, see http://</a:t>
+            </a:r>
+            <a:r>
+              <a:rPr lang="en-US" baseline="0" dirty="0" err="1" smtClean="0"/>
+              <a:t>vmtrooper.com</a:t>
+            </a:r>
+            <a:r>
+              <a:rPr lang="en-US" baseline="0" dirty="0" smtClean="0"/>
+              <a:t>/vagrant-static-external-ip-addresses-with-the-vmware-fusion-provider/</a:t>
+            </a:r>
+          </a:p>
+          <a:p>
+            <a:endParaRPr lang="en-US" dirty="0"/>
+          </a:p>
+        </p:txBody>
+      </p:sp>
+      <p:sp>
+        <p:nvSpPr>
+          <p:cNvPr id="4" name="Slide Number Placeholder 3"/>
+          <p:cNvSpPr>
+            <a:spLocks noGrp="1"/>
+          </p:cNvSpPr>
+          <p:nvPr>
+            <p:ph type="sldNum" sz="quarter" idx="10"/>
+          </p:nvPr>
+        </p:nvSpPr>
+        <p:spPr/>
+        <p:txBody>
+          <a:bodyPr/>
+          <a:lstStyle/>
+          <a:p>
+            <a:fld id="{8D55EAEB-36BD-FF4D-B4A1-0D75FFEDD0E3}" type="slidenum">
+              <a:rPr lang="en-US" smtClean="0"/>
+              <a:t>11</a:t>
+            </a:fld>
+            <a:endParaRPr lang="en-US"/>
+          </a:p>
+        </p:txBody>
+      </p:sp>
+    </p:spTree>
+    <p:extLst>
+      <p:ext uri="{BB962C8B-B14F-4D97-AF65-F5344CB8AC3E}">
+        <p14:creationId xmlns:p14="http://schemas.microsoft.com/office/powerpoint/2010/main" val="1612631474"/>
       </p:ext>
     </p:extLst>
   </p:cSld>
@@ -783,29 +910,115 @@
       </p:grpSpPr>
       <p:sp>
         <p:nvSpPr>
-          <p:cNvPr id="2" name="Title 1"/>
-          <p:cNvSpPr>
-            <a:spLocks noGrp="1"/>
-          </p:cNvSpPr>
-          <p:nvPr>
-            <p:ph type="ctrTitle"/>
-          </p:nvPr>
+          <p:cNvPr id="7" name="Rectangle 6"/>
+          <p:cNvSpPr/>
+          <p:nvPr/>
         </p:nvSpPr>
         <p:spPr>
           <a:xfrm>
-            <a:off x="685800" y="1597820"/>
-            <a:ext cx="7772400" cy="1102519"/>
+            <a:off x="1328166" y="971551"/>
+            <a:ext cx="6487668" cy="2364665"/>
+          </a:xfrm>
+          <a:prstGeom prst="rect">
+            <a:avLst/>
+          </a:prstGeom>
+          <a:ln w="3175">
+            <a:solidFill>
+              <a:schemeClr val="bg1"/>
+            </a:solidFill>
+          </a:ln>
+          <a:effectLst>
+            <a:outerShdw blurRad="63500" sx="100500" sy="100500" algn="ctr" rotWithShape="0">
+              <a:prstClr val="black">
+                <a:alpha val="50000"/>
+              </a:prstClr>
+            </a:outerShdw>
+          </a:effectLst>
+        </p:spPr>
+        <p:txBody>
+          <a:bodyPr vert="horz" lIns="91440" tIns="45720" rIns="91440" bIns="45720" rtlCol="0">
+            <a:normAutofit/>
+          </a:bodyPr>
+          <a:lstStyle/>
+          <a:p>
+            <a:pPr marL="0" indent="0" algn="l" defTabSz="914400" rtl="0" eaLnBrk="1" latinLnBrk="0" hangingPunct="1">
+              <a:spcBef>
+                <a:spcPts val="2000"/>
+              </a:spcBef>
+              <a:buClr>
+                <a:schemeClr val="accent1">
+                  <a:lumMod val="60000"/>
+                  <a:lumOff val="40000"/>
+                </a:schemeClr>
+              </a:buClr>
+              <a:buSzPct val="110000"/>
+              <a:buFont typeface="Wingdings 2" pitchFamily="18" charset="2"/>
+              <a:buNone/>
+            </a:pPr>
+            <a:endParaRPr sz="3200" kern="1200">
+              <a:solidFill>
+                <a:schemeClr val="tx1">
+                  <a:lumMod val="65000"/>
+                  <a:lumOff val="35000"/>
+                </a:schemeClr>
+              </a:solidFill>
+              <a:latin typeface="+mn-lt"/>
+              <a:ea typeface="+mn-ea"/>
+              <a:cs typeface="+mn-cs"/>
+            </a:endParaRPr>
+          </a:p>
+        </p:txBody>
+      </p:sp>
+      <p:sp>
+        <p:nvSpPr>
+          <p:cNvPr id="2" name="Title 1"/>
+          <p:cNvSpPr>
+            <a:spLocks noGrp="1"/>
+          </p:cNvSpPr>
+          <p:nvPr>
+            <p:ph type="ctrTitle"/>
+          </p:nvPr>
+        </p:nvSpPr>
+        <p:spPr>
+          <a:xfrm>
+            <a:off x="1322921" y="1143000"/>
+            <a:ext cx="6498158" cy="1293650"/>
           </a:xfrm>
         </p:spPr>
         <p:txBody>
-          <a:bodyPr/>
-          <a:lstStyle/>
+          <a:bodyPr vert="horz" lIns="91440" tIns="45720" rIns="91440" bIns="45720" rtlCol="0" anchor="b" anchorCtr="0">
+            <a:noAutofit/>
+          </a:bodyPr>
+          <a:lstStyle>
+            <a:lvl1pPr marL="0" indent="0" algn="ctr" defTabSz="914400" rtl="0" eaLnBrk="1" latinLnBrk="0" hangingPunct="1">
+              <a:spcBef>
+                <a:spcPct val="0"/>
+              </a:spcBef>
+              <a:buClr>
+                <a:schemeClr val="accent1">
+                  <a:lumMod val="60000"/>
+                  <a:lumOff val="40000"/>
+                </a:schemeClr>
+              </a:buClr>
+              <a:buSzPct val="110000"/>
+              <a:buFont typeface="Wingdings 2" pitchFamily="18" charset="2"/>
+              <a:buNone/>
+              <a:defRPr sz="4600" kern="1200">
+                <a:solidFill>
+                  <a:schemeClr val="accent1"/>
+                </a:solidFill>
+                <a:latin typeface="+mj-lt"/>
+                <a:ea typeface="+mj-ea"/>
+                <a:cs typeface="+mj-cs"/>
+              </a:defRPr>
+            </a:lvl1pPr>
+          </a:lstStyle>
           <a:p>
             <a:r>
               <a:rPr lang="en-US" smtClean="0"/>
               <a:t>Click to edit Master title style</a:t>
             </a:r>
-            <a:endParaRPr lang="en-US"/>
+            <a:endParaRPr/>
           </a:p>
         </p:txBody>
       </p:sp>
@@ -821,21 +1034,37 @@
         </p:nvSpPr>
         <p:spPr>
           <a:xfrm>
-            <a:off x="1371600" y="2914650"/>
-            <a:ext cx="6400800" cy="1314450"/>
+            <a:off x="1322922" y="2474259"/>
+            <a:ext cx="6498159" cy="687481"/>
           </a:xfrm>
         </p:spPr>
         <p:txBody>
-          <a:bodyPr/>
+          <a:bodyPr vert="horz" lIns="91440" tIns="45720" rIns="91440" bIns="45720" rtlCol="0">
+            <a:normAutofit/>
+          </a:bodyPr>
           <a:lstStyle>
-            <a:lvl1pPr marL="0" indent="0" algn="ctr">
-              <a:buNone/>
-              <a:defRPr>
+            <a:lvl1pPr marL="0" indent="0" algn="ctr" defTabSz="914400" rtl="0" eaLnBrk="1" latinLnBrk="0" hangingPunct="1">
+              <a:spcBef>
+                <a:spcPts val="300"/>
+              </a:spcBef>
+              <a:buClr>
+                <a:schemeClr val="accent1">
+                  <a:lumMod val="60000"/>
+                  <a:lumOff val="40000"/>
+                </a:schemeClr>
+              </a:buClr>
+              <a:buSzPct val="110000"/>
+              <a:buFont typeface="Wingdings 2" pitchFamily="18" charset="2"/>
+              <a:buNone/>
+              <a:defRPr sz="1800" kern="1200">
                 <a:solidFill>
                   <a:schemeClr val="tx1">
                     <a:tint val="75000"/>
                   </a:schemeClr>
                 </a:solidFill>
+                <a:latin typeface="+mn-lt"/>
+                <a:ea typeface="+mn-ea"/>
+                <a:cs typeface="+mn-cs"/>
               </a:defRPr>
             </a:lvl1pPr>
             <a:lvl2pPr marL="457200" indent="0" algn="ctr">
@@ -924,7 +1153,7 @@
               <a:rPr lang="en-US" smtClean="0"/>
               <a:t>Click to edit Master subtitle style</a:t>
             </a:r>
-            <a:endParaRPr lang="en-US"/>
+            <a:endParaRPr dirty="0"/>
           </a:p>
         </p:txBody>
       </p:sp>
@@ -985,8 +1214,9 @@
           <a:bodyPr/>
           <a:lstStyle/>
           <a:p>
-            <a:fld id="{13218EFB-A45E-8845-B9BD-B11041B825E4}" type="slidenum">
-              <a:rPr lang="en-US" smtClean="0"/>
+            <a:fld id="{2754ED01-E2A0-4C1E-8E21-014B99041579}" type="slidenum">
+              <a:rPr lang="en-US" smtClean="0"/>
+              <a:pPr/>
               <a:t>‹#›</a:t>
             </a:fld>
             <a:endParaRPr lang="en-US"/>
@@ -994,11 +1224,6 @@
         </p:txBody>
       </p:sp>
     </p:spTree>
-    <p:extLst>
-      <p:ext uri="{BB962C8B-B14F-4D97-AF65-F5344CB8AC3E}">
-        <p14:creationId xmlns:p14="http://schemas.microsoft.com/office/powerpoint/2010/main" val="555925203"/>
-      </p:ext>
-    </p:extLst>
   </p:cSld>
   <p:clrMapOvr>
     <a:masterClrMapping/>
@@ -1007,6 +1232,298 @@
 </file>
 
 <file path=ppt/slideLayouts/slideLayout10.xml><?xml version="1.0" encoding="utf-8"?>
+<p:sldLayout xmlns:a="http://schemas.openxmlformats.org/drawingml/2006/main" xmlns:r="http://schemas.openxmlformats.org/officeDocument/2006/relationships" xmlns:p="http://schemas.openxmlformats.org/presentationml/2006/main" preserve="1">
+  <p:cSld name="Picture with Caption">
+    <p:spTree>
+      <p:nvGrpSpPr>
+        <p:cNvPr id="1" name=""/>
+        <p:cNvGrpSpPr/>
+        <p:nvPr/>
+      </p:nvGrpSpPr>
+      <p:grpSpPr>
+        <a:xfrm>
+          <a:off x="0" y="0"/>
+          <a:ext cx="0" cy="0"/>
+          <a:chOff x="0" y="0"/>
+          <a:chExt cx="0" cy="0"/>
+        </a:xfrm>
+      </p:grpSpPr>
+      <p:sp>
+        <p:nvSpPr>
+          <p:cNvPr id="2" name="Title 1"/>
+          <p:cNvSpPr>
+            <a:spLocks noGrp="1"/>
+          </p:cNvSpPr>
+          <p:nvPr>
+            <p:ph type="title"/>
+          </p:nvPr>
+        </p:nvSpPr>
+        <p:spPr>
+          <a:xfrm>
+            <a:off x="533399" y="458904"/>
+            <a:ext cx="4079545" cy="871538"/>
+          </a:xfrm>
+        </p:spPr>
+        <p:txBody>
+          <a:bodyPr anchor="b"/>
+          <a:lstStyle>
+            <a:lvl1pPr algn="ctr">
+              <a:defRPr sz="3600" b="0"/>
+            </a:lvl1pPr>
+          </a:lstStyle>
+          <a:p>
+            <a:r>
+              <a:rPr lang="en-US" smtClean="0"/>
+              <a:t>Click to edit Master title style</a:t>
+            </a:r>
+            <a:endParaRPr/>
+          </a:p>
+        </p:txBody>
+      </p:sp>
+      <p:sp>
+        <p:nvSpPr>
+          <p:cNvPr id="4" name="Text Placeholder 3"/>
+          <p:cNvSpPr>
+            <a:spLocks noGrp="1"/>
+          </p:cNvSpPr>
+          <p:nvPr>
+            <p:ph type="body" sz="half" idx="2"/>
+          </p:nvPr>
+        </p:nvSpPr>
+        <p:spPr>
+          <a:xfrm>
+            <a:off x="533399" y="1340892"/>
+            <a:ext cx="4079545" cy="2790114"/>
+          </a:xfrm>
+        </p:spPr>
+        <p:txBody>
+          <a:bodyPr>
+            <a:normAutofit/>
+          </a:bodyPr>
+          <a:lstStyle>
+            <a:lvl1pPr marL="0" indent="0" algn="ctr">
+              <a:spcBef>
+                <a:spcPts val="600"/>
+              </a:spcBef>
+              <a:buNone/>
+              <a:defRPr sz="1800"/>
+            </a:lvl1pPr>
+            <a:lvl2pPr marL="457200" indent="0">
+              <a:buNone/>
+              <a:defRPr sz="1200"/>
+            </a:lvl2pPr>
+            <a:lvl3pPr marL="914400" indent="0">
+              <a:buNone/>
+              <a:defRPr sz="1000"/>
+            </a:lvl3pPr>
+            <a:lvl4pPr marL="1371600" indent="0">
+              <a:buNone/>
+              <a:defRPr sz="900"/>
+            </a:lvl4pPr>
+            <a:lvl5pPr marL="1828800" indent="0">
+              <a:buNone/>
+              <a:defRPr sz="900"/>
+            </a:lvl5pPr>
+            <a:lvl6pPr marL="2286000" indent="0">
+              <a:buNone/>
+              <a:defRPr sz="900"/>
+            </a:lvl6pPr>
+            <a:lvl7pPr marL="2743200" indent="0">
+              <a:buNone/>
+              <a:defRPr sz="900"/>
+            </a:lvl7pPr>
+            <a:lvl8pPr marL="3200400" indent="0">
+              <a:buNone/>
+              <a:defRPr sz="900"/>
+            </a:lvl8pPr>
+            <a:lvl9pPr marL="3657600" indent="0">
+              <a:buNone/>
+              <a:defRPr sz="900"/>
+            </a:lvl9pPr>
+          </a:lstStyle>
+          <a:p>
+            <a:pPr lvl="0"/>
+            <a:r>
+              <a:rPr lang="en-US" smtClean="0"/>
+              <a:t>Click to edit Master text styles</a:t>
+            </a:r>
+          </a:p>
+        </p:txBody>
+      </p:sp>
+      <p:sp>
+        <p:nvSpPr>
+          <p:cNvPr id="5" name="Date Placeholder 4"/>
+          <p:cNvSpPr>
+            <a:spLocks noGrp="1"/>
+          </p:cNvSpPr>
+          <p:nvPr>
+            <p:ph type="dt" sz="half" idx="10"/>
+          </p:nvPr>
+        </p:nvSpPr>
+        <p:spPr/>
+        <p:txBody>
+          <a:bodyPr/>
+          <a:lstStyle/>
+          <a:p>
+            <a:fld id="{CEB1479B-2454-8E48-9041-E1255446920F}" type="datetimeFigureOut">
+              <a:rPr lang="en-US" smtClean="0"/>
+              <a:t>7/9/13</a:t>
+            </a:fld>
+            <a:endParaRPr lang="en-US"/>
+          </a:p>
+        </p:txBody>
+      </p:sp>
+      <p:sp>
+        <p:nvSpPr>
+          <p:cNvPr id="6" name="Footer Placeholder 5"/>
+          <p:cNvSpPr>
+            <a:spLocks noGrp="1"/>
+          </p:cNvSpPr>
+          <p:nvPr>
+            <p:ph type="ftr" sz="quarter" idx="11"/>
+          </p:nvPr>
+        </p:nvSpPr>
+        <p:spPr/>
+        <p:txBody>
+          <a:bodyPr/>
+          <a:lstStyle/>
+          <a:p>
+            <a:endParaRPr lang="en-US"/>
+          </a:p>
+        </p:txBody>
+      </p:sp>
+      <p:sp>
+        <p:nvSpPr>
+          <p:cNvPr id="7" name="Slide Number Placeholder 6"/>
+          <p:cNvSpPr>
+            <a:spLocks noGrp="1"/>
+          </p:cNvSpPr>
+          <p:nvPr>
+            <p:ph type="sldNum" sz="quarter" idx="12"/>
+          </p:nvPr>
+        </p:nvSpPr>
+        <p:spPr/>
+        <p:txBody>
+          <a:bodyPr/>
+          <a:lstStyle/>
+          <a:p>
+            <a:fld id="{13218EFB-A45E-8845-B9BD-B11041B825E4}" type="slidenum">
+              <a:rPr lang="en-US" smtClean="0"/>
+              <a:t>‹#›</a:t>
+            </a:fld>
+            <a:endParaRPr lang="en-US"/>
+          </a:p>
+        </p:txBody>
+      </p:sp>
+      <p:sp>
+        <p:nvSpPr>
+          <p:cNvPr id="8" name="Picture Placeholder 2"/>
+          <p:cNvSpPr>
+            <a:spLocks noGrp="1"/>
+          </p:cNvSpPr>
+          <p:nvPr>
+            <p:ph type="pic" idx="1"/>
+          </p:nvPr>
+        </p:nvSpPr>
+        <p:spPr>
+          <a:xfrm>
+            <a:off x="5090617" y="269544"/>
+            <a:ext cx="3657600" cy="3988558"/>
+          </a:xfrm>
+          <a:ln w="3175">
+            <a:solidFill>
+              <a:schemeClr val="bg1"/>
+            </a:solidFill>
+          </a:ln>
+          <a:effectLst>
+            <a:outerShdw blurRad="63500" sx="100500" sy="100500" algn="ctr" rotWithShape="0">
+              <a:prstClr val="black">
+                <a:alpha val="50000"/>
+              </a:prstClr>
+            </a:outerShdw>
+          </a:effectLst>
+        </p:spPr>
+        <p:txBody>
+          <a:bodyPr vert="horz" lIns="91440" tIns="45720" rIns="91440" bIns="45720" rtlCol="0">
+            <a:normAutofit/>
+          </a:bodyPr>
+          <a:lstStyle>
+            <a:lvl1pPr marL="0" indent="0" algn="l" defTabSz="914400" rtl="0" eaLnBrk="1" latinLnBrk="0" hangingPunct="1">
+              <a:spcBef>
+                <a:spcPts val="2000"/>
+              </a:spcBef>
+              <a:buClr>
+                <a:schemeClr val="accent1">
+                  <a:lumMod val="60000"/>
+                  <a:lumOff val="40000"/>
+                </a:schemeClr>
+              </a:buClr>
+              <a:buSzPct val="110000"/>
+              <a:buFont typeface="Wingdings 2" pitchFamily="18" charset="2"/>
+              <a:buNone/>
+              <a:defRPr sz="3200" kern="1200">
+                <a:solidFill>
+                  <a:schemeClr val="tx1">
+                    <a:lumMod val="65000"/>
+                    <a:lumOff val="35000"/>
+                  </a:schemeClr>
+                </a:solidFill>
+                <a:latin typeface="+mn-lt"/>
+                <a:ea typeface="+mn-ea"/>
+                <a:cs typeface="+mn-cs"/>
+              </a:defRPr>
+            </a:lvl1pPr>
+            <a:lvl2pPr marL="457200" indent="0">
+              <a:buNone/>
+              <a:defRPr sz="2800"/>
+            </a:lvl2pPr>
+            <a:lvl3pPr marL="914400" indent="0">
+              <a:buNone/>
+              <a:defRPr sz="2400"/>
+            </a:lvl3pPr>
+            <a:lvl4pPr marL="1371600" indent="0">
+              <a:buNone/>
+              <a:defRPr sz="2000"/>
+            </a:lvl4pPr>
+            <a:lvl5pPr marL="1828800" indent="0">
+              <a:buNone/>
+              <a:defRPr sz="2000"/>
+            </a:lvl5pPr>
+            <a:lvl6pPr marL="2286000" indent="0">
+              <a:buNone/>
+              <a:defRPr sz="2000"/>
+            </a:lvl6pPr>
+            <a:lvl7pPr marL="2743200" indent="0">
+              <a:buNone/>
+              <a:defRPr sz="2000"/>
+            </a:lvl7pPr>
+            <a:lvl8pPr marL="3200400" indent="0">
+              <a:buNone/>
+              <a:defRPr sz="2000"/>
+            </a:lvl8pPr>
+            <a:lvl9pPr marL="3657600" indent="0">
+              <a:buNone/>
+              <a:defRPr sz="2000"/>
+            </a:lvl9pPr>
+          </a:lstStyle>
+          <a:p>
+            <a:r>
+              <a:rPr lang="en-US" smtClean="0"/>
+              <a:t>Drag picture to placeholder or click icon to add</a:t>
+            </a:r>
+            <a:endParaRPr/>
+          </a:p>
+        </p:txBody>
+      </p:sp>
+    </p:spTree>
+  </p:cSld>
+  <p:clrMapOvr>
+    <a:masterClrMapping/>
+  </p:clrMapOvr>
+</p:sldLayout>
+</file>
+
+<file path=ppt/slideLayouts/slideLayout11.xml><?xml version="1.0" encoding="utf-8"?>
 <p:sldLayout xmlns:a="http://schemas.openxmlformats.org/drawingml/2006/main" xmlns:r="http://schemas.openxmlformats.org/officeDocument/2006/relationships" xmlns:p="http://schemas.openxmlformats.org/presentationml/2006/main" type="vertTx" preserve="1">
   <p:cSld name="Title and Vertical Text">
     <p:spTree>
@@ -1042,7 +1559,7 @@
               <a:rPr lang="en-US" smtClean="0"/>
               <a:t>Click to edit Master title style</a:t>
             </a:r>
-            <a:endParaRPr lang="en-US"/>
+            <a:endParaRPr/>
           </a:p>
         </p:txBody>
       </p:sp>
@@ -1059,7 +1576,11 @@
         <p:spPr/>
         <p:txBody>
           <a:bodyPr vert="eaVert"/>
-          <a:lstStyle/>
+          <a:lstStyle>
+            <a:lvl5pPr>
+              <a:defRPr/>
+            </a:lvl5pPr>
+          </a:lstStyle>
           <a:p>
             <a:pPr lvl="0"/>
             <a:r>
@@ -1094,7 +1615,7 @@
               <a:rPr lang="en-US" smtClean="0"/>
               <a:t>Fifth level</a:t>
             </a:r>
-            <a:endParaRPr lang="en-US"/>
+            <a:endParaRPr dirty="0"/>
           </a:p>
         </p:txBody>
       </p:sp>
@@ -1164,11 +1685,6 @@
         </p:txBody>
       </p:sp>
     </p:spTree>
-    <p:extLst>
-      <p:ext uri="{BB962C8B-B14F-4D97-AF65-F5344CB8AC3E}">
-        <p14:creationId xmlns:p14="http://schemas.microsoft.com/office/powerpoint/2010/main" val="678880353"/>
-      </p:ext>
-    </p:extLst>
   </p:cSld>
   <p:clrMapOvr>
     <a:masterClrMapping/>
@@ -1176,7 +1692,7 @@
 </p:sldLayout>
 </file>
 
-<file path=ppt/slideLayouts/slideLayout11.xml><?xml version="1.0" encoding="utf-8"?>
+<file path=ppt/slideLayouts/slideLayout12.xml><?xml version="1.0" encoding="utf-8"?>
 <p:sldLayout xmlns:a="http://schemas.openxmlformats.org/drawingml/2006/main" xmlns:r="http://schemas.openxmlformats.org/officeDocument/2006/relationships" xmlns:p="http://schemas.openxmlformats.org/presentationml/2006/main" type="vertTitleAndTx" preserve="1">
   <p:cSld name="Vertical Title and Text">
     <p:spTree>
@@ -1205,8 +1721,8 @@
         </p:nvSpPr>
         <p:spPr>
           <a:xfrm>
-            <a:off x="6629400" y="205980"/>
-            <a:ext cx="2057400" cy="4388644"/>
+            <a:off x="7369792" y="276226"/>
+            <a:ext cx="1524000" cy="4181475"/>
           </a:xfrm>
         </p:spPr>
         <p:txBody>
@@ -1217,7 +1733,7 @@
               <a:rPr lang="en-US" smtClean="0"/>
               <a:t>Click to edit Master title style</a:t>
             </a:r>
-            <a:endParaRPr lang="en-US"/>
+            <a:endParaRPr/>
           </a:p>
         </p:txBody>
       </p:sp>
@@ -1233,13 +1749,17 @@
         </p:nvSpPr>
         <p:spPr>
           <a:xfrm>
-            <a:off x="457200" y="205980"/>
-            <a:ext cx="6019800" cy="4388644"/>
+            <a:off x="549274" y="276226"/>
+            <a:ext cx="6689726" cy="4181475"/>
           </a:xfrm>
         </p:spPr>
         <p:txBody>
           <a:bodyPr vert="eaVert"/>
-          <a:lstStyle/>
+          <a:lstStyle>
+            <a:lvl5pPr>
+              <a:defRPr/>
+            </a:lvl5pPr>
+          </a:lstStyle>
           <a:p>
             <a:pPr lvl="0"/>
             <a:r>
@@ -1274,7 +1794,7 @@
               <a:rPr lang="en-US" smtClean="0"/>
               <a:t>Fifth level</a:t>
             </a:r>
-            <a:endParaRPr lang="en-US"/>
+            <a:endParaRPr dirty="0"/>
           </a:p>
         </p:txBody>
       </p:sp>
@@ -1344,11 +1864,6 @@
         </p:txBody>
       </p:sp>
     </p:spTree>
-    <p:extLst>
-      <p:ext uri="{BB962C8B-B14F-4D97-AF65-F5344CB8AC3E}">
-        <p14:creationId xmlns:p14="http://schemas.microsoft.com/office/powerpoint/2010/main" val="792273756"/>
-      </p:ext>
-    </p:extLst>
   </p:cSld>
   <p:clrMapOvr>
     <a:masterClrMapping/>
@@ -1392,7 +1907,7 @@
               <a:rPr lang="en-US" smtClean="0"/>
               <a:t>Click to edit Master title style</a:t>
             </a:r>
-            <a:endParaRPr lang="en-US"/>
+            <a:endParaRPr/>
           </a:p>
         </p:txBody>
       </p:sp>
@@ -1409,7 +1924,11 @@
         <p:spPr/>
         <p:txBody>
           <a:bodyPr/>
-          <a:lstStyle/>
+          <a:lstStyle>
+            <a:lvl5pPr>
+              <a:defRPr/>
+            </a:lvl5pPr>
+          </a:lstStyle>
           <a:p>
             <a:pPr lvl="0"/>
             <a:r>
@@ -1444,7 +1963,7 @@
               <a:rPr lang="en-US" smtClean="0"/>
               <a:t>Fifth level</a:t>
             </a:r>
-            <a:endParaRPr lang="en-US"/>
+            <a:endParaRPr dirty="0"/>
           </a:p>
         </p:txBody>
       </p:sp>
@@ -1514,11 +2033,6 @@
         </p:txBody>
       </p:sp>
     </p:spTree>
-    <p:extLst>
-      <p:ext uri="{BB962C8B-B14F-4D97-AF65-F5344CB8AC3E}">
-        <p14:creationId xmlns:p14="http://schemas.microsoft.com/office/powerpoint/2010/main" val="2093640526"/>
-      </p:ext>
-    </p:extLst>
   </p:cSld>
   <p:clrMapOvr>
     <a:masterClrMapping/>
@@ -1527,6 +2041,325 @@
 </file>
 
 <file path=ppt/slideLayouts/slideLayout3.xml><?xml version="1.0" encoding="utf-8"?>
+<p:sldLayout xmlns:a="http://schemas.openxmlformats.org/drawingml/2006/main" xmlns:r="http://schemas.openxmlformats.org/officeDocument/2006/relationships" xmlns:p="http://schemas.openxmlformats.org/presentationml/2006/main" preserve="1">
+  <p:cSld name="Title Slide with Picture">
+    <p:spTree>
+      <p:nvGrpSpPr>
+        <p:cNvPr id="1" name=""/>
+        <p:cNvGrpSpPr/>
+        <p:nvPr/>
+      </p:nvGrpSpPr>
+      <p:grpSpPr>
+        <a:xfrm>
+          <a:off x="0" y="0"/>
+          <a:ext cx="0" cy="0"/>
+          <a:chOff x="0" y="0"/>
+          <a:chExt cx="0" cy="0"/>
+        </a:xfrm>
+      </p:grpSpPr>
+      <p:sp>
+        <p:nvSpPr>
+          <p:cNvPr id="2" name="Title 1"/>
+          <p:cNvSpPr>
+            <a:spLocks noGrp="1"/>
+          </p:cNvSpPr>
+          <p:nvPr>
+            <p:ph type="ctrTitle"/>
+          </p:nvPr>
+        </p:nvSpPr>
+        <p:spPr>
+          <a:xfrm>
+            <a:off x="363539" y="2514601"/>
+            <a:ext cx="8416925" cy="1102519"/>
+          </a:xfrm>
+        </p:spPr>
+        <p:txBody>
+          <a:bodyPr/>
+          <a:lstStyle/>
+          <a:p>
+            <a:r>
+              <a:rPr lang="en-US" smtClean="0"/>
+              <a:t>Click to edit Master title style</a:t>
+            </a:r>
+            <a:endParaRPr dirty="0"/>
+          </a:p>
+        </p:txBody>
+      </p:sp>
+      <p:sp>
+        <p:nvSpPr>
+          <p:cNvPr id="3" name="Subtitle 2"/>
+          <p:cNvSpPr>
+            <a:spLocks noGrp="1"/>
+          </p:cNvSpPr>
+          <p:nvPr>
+            <p:ph type="subTitle" idx="1"/>
+          </p:nvPr>
+        </p:nvSpPr>
+        <p:spPr>
+          <a:xfrm>
+            <a:off x="363539" y="3578272"/>
+            <a:ext cx="8416925" cy="729503"/>
+          </a:xfrm>
+        </p:spPr>
+        <p:txBody>
+          <a:bodyPr>
+            <a:normAutofit/>
+          </a:bodyPr>
+          <a:lstStyle>
+            <a:lvl1pPr marL="0" indent="0" algn="ctr">
+              <a:spcBef>
+                <a:spcPts val="300"/>
+              </a:spcBef>
+              <a:buNone/>
+              <a:defRPr sz="1800">
+                <a:solidFill>
+                  <a:schemeClr val="tx1">
+                    <a:tint val="75000"/>
+                  </a:schemeClr>
+                </a:solidFill>
+              </a:defRPr>
+            </a:lvl1pPr>
+            <a:lvl2pPr marL="457200" indent="0" algn="ctr">
+              <a:buNone/>
+              <a:defRPr>
+                <a:solidFill>
+                  <a:schemeClr val="tx1">
+                    <a:tint val="75000"/>
+                  </a:schemeClr>
+                </a:solidFill>
+              </a:defRPr>
+            </a:lvl2pPr>
+            <a:lvl3pPr marL="914400" indent="0" algn="ctr">
+              <a:buNone/>
+              <a:defRPr>
+                <a:solidFill>
+                  <a:schemeClr val="tx1">
+                    <a:tint val="75000"/>
+                  </a:schemeClr>
+                </a:solidFill>
+              </a:defRPr>
+            </a:lvl3pPr>
+            <a:lvl4pPr marL="1371600" indent="0" algn="ctr">
+              <a:buNone/>
+              <a:defRPr>
+                <a:solidFill>
+                  <a:schemeClr val="tx1">
+                    <a:tint val="75000"/>
+                  </a:schemeClr>
+                </a:solidFill>
+              </a:defRPr>
+            </a:lvl4pPr>
+            <a:lvl5pPr marL="1828800" indent="0" algn="ctr">
+              <a:buNone/>
+              <a:defRPr>
+                <a:solidFill>
+                  <a:schemeClr val="tx1">
+                    <a:tint val="75000"/>
+                  </a:schemeClr>
+                </a:solidFill>
+              </a:defRPr>
+            </a:lvl5pPr>
+            <a:lvl6pPr marL="2286000" indent="0" algn="ctr">
+              <a:buNone/>
+              <a:defRPr>
+                <a:solidFill>
+                  <a:schemeClr val="tx1">
+                    <a:tint val="75000"/>
+                  </a:schemeClr>
+                </a:solidFill>
+              </a:defRPr>
+            </a:lvl6pPr>
+            <a:lvl7pPr marL="2743200" indent="0" algn="ctr">
+              <a:buNone/>
+              <a:defRPr>
+                <a:solidFill>
+                  <a:schemeClr val="tx1">
+                    <a:tint val="75000"/>
+                  </a:schemeClr>
+                </a:solidFill>
+              </a:defRPr>
+            </a:lvl7pPr>
+            <a:lvl8pPr marL="3200400" indent="0" algn="ctr">
+              <a:buNone/>
+              <a:defRPr>
+                <a:solidFill>
+                  <a:schemeClr val="tx1">
+                    <a:tint val="75000"/>
+                  </a:schemeClr>
+                </a:solidFill>
+              </a:defRPr>
+            </a:lvl8pPr>
+            <a:lvl9pPr marL="3657600" indent="0" algn="ctr">
+              <a:buNone/>
+              <a:defRPr>
+                <a:solidFill>
+                  <a:schemeClr val="tx1">
+                    <a:tint val="75000"/>
+                  </a:schemeClr>
+                </a:solidFill>
+              </a:defRPr>
+            </a:lvl9pPr>
+          </a:lstStyle>
+          <a:p>
+            <a:r>
+              <a:rPr lang="en-US" smtClean="0"/>
+              <a:t>Click to edit Master subtitle style</a:t>
+            </a:r>
+            <a:endParaRPr dirty="0"/>
+          </a:p>
+        </p:txBody>
+      </p:sp>
+      <p:sp>
+        <p:nvSpPr>
+          <p:cNvPr id="4" name="Date Placeholder 3"/>
+          <p:cNvSpPr>
+            <a:spLocks noGrp="1"/>
+          </p:cNvSpPr>
+          <p:nvPr>
+            <p:ph type="dt" sz="half" idx="10"/>
+          </p:nvPr>
+        </p:nvSpPr>
+        <p:spPr/>
+        <p:txBody>
+          <a:bodyPr/>
+          <a:lstStyle/>
+          <a:p>
+            <a:fld id="{CEB1479B-2454-8E48-9041-E1255446920F}" type="datetimeFigureOut">
+              <a:rPr lang="en-US" smtClean="0"/>
+              <a:t>7/9/13</a:t>
+            </a:fld>
+            <a:endParaRPr lang="en-US"/>
+          </a:p>
+        </p:txBody>
+      </p:sp>
+      <p:sp>
+        <p:nvSpPr>
+          <p:cNvPr id="5" name="Footer Placeholder 4"/>
+          <p:cNvSpPr>
+            <a:spLocks noGrp="1"/>
+          </p:cNvSpPr>
+          <p:nvPr>
+            <p:ph type="ftr" sz="quarter" idx="11"/>
+          </p:nvPr>
+        </p:nvSpPr>
+        <p:spPr/>
+        <p:txBody>
+          <a:bodyPr/>
+          <a:lstStyle/>
+          <a:p>
+            <a:endParaRPr lang="en-US"/>
+          </a:p>
+        </p:txBody>
+      </p:sp>
+      <p:sp>
+        <p:nvSpPr>
+          <p:cNvPr id="6" name="Slide Number Placeholder 5"/>
+          <p:cNvSpPr>
+            <a:spLocks noGrp="1"/>
+          </p:cNvSpPr>
+          <p:nvPr>
+            <p:ph type="sldNum" sz="quarter" idx="12"/>
+          </p:nvPr>
+        </p:nvSpPr>
+        <p:spPr/>
+        <p:txBody>
+          <a:bodyPr/>
+          <a:lstStyle/>
+          <a:p>
+            <a:fld id="{13218EFB-A45E-8845-B9BD-B11041B825E4}" type="slidenum">
+              <a:rPr lang="en-US" smtClean="0"/>
+              <a:t>‹#›</a:t>
+            </a:fld>
+            <a:endParaRPr lang="en-US"/>
+          </a:p>
+        </p:txBody>
+      </p:sp>
+      <p:sp>
+        <p:nvSpPr>
+          <p:cNvPr id="9" name="Picture Placeholder 2"/>
+          <p:cNvSpPr>
+            <a:spLocks noGrp="1"/>
+          </p:cNvSpPr>
+          <p:nvPr>
+            <p:ph type="pic" idx="13"/>
+          </p:nvPr>
+        </p:nvSpPr>
+        <p:spPr>
+          <a:xfrm>
+            <a:off x="370980" y="272653"/>
+            <a:ext cx="8402040" cy="2127647"/>
+          </a:xfrm>
+          <a:ln w="3175">
+            <a:solidFill>
+              <a:schemeClr val="bg1"/>
+            </a:solidFill>
+          </a:ln>
+          <a:effectLst>
+            <a:outerShdw blurRad="63500" sx="100500" sy="100500" algn="ctr" rotWithShape="0">
+              <a:prstClr val="black">
+                <a:alpha val="50000"/>
+              </a:prstClr>
+            </a:outerShdw>
+          </a:effectLst>
+        </p:spPr>
+        <p:txBody>
+          <a:bodyPr/>
+          <a:lstStyle>
+            <a:lvl1pPr marL="0" indent="0">
+              <a:buNone/>
+              <a:defRPr sz="3200"/>
+            </a:lvl1pPr>
+            <a:lvl2pPr marL="457200" indent="0">
+              <a:buNone/>
+              <a:defRPr sz="2800"/>
+            </a:lvl2pPr>
+            <a:lvl3pPr marL="914400" indent="0">
+              <a:buNone/>
+              <a:defRPr sz="2400"/>
+            </a:lvl3pPr>
+            <a:lvl4pPr marL="1371600" indent="0">
+              <a:buNone/>
+              <a:defRPr sz="2000"/>
+            </a:lvl4pPr>
+            <a:lvl5pPr marL="1828800" indent="0">
+              <a:buNone/>
+              <a:defRPr sz="2000"/>
+            </a:lvl5pPr>
+            <a:lvl6pPr marL="2286000" indent="0">
+              <a:buNone/>
+              <a:defRPr sz="2000"/>
+            </a:lvl6pPr>
+            <a:lvl7pPr marL="2743200" indent="0">
+              <a:buNone/>
+              <a:defRPr sz="2000"/>
+            </a:lvl7pPr>
+            <a:lvl8pPr marL="3200400" indent="0">
+              <a:buNone/>
+              <a:defRPr sz="2000"/>
+            </a:lvl8pPr>
+            <a:lvl9pPr marL="3657600" indent="0">
+              <a:buNone/>
+              <a:defRPr sz="2000"/>
+            </a:lvl9pPr>
+          </a:lstStyle>
+          <a:p>
+            <a:r>
+              <a:rPr lang="en-US" smtClean="0"/>
+              <a:t>Drag picture to placeholder or click icon to add</a:t>
+            </a:r>
+            <a:endParaRPr/>
+          </a:p>
+        </p:txBody>
+      </p:sp>
+    </p:spTree>
+  </p:cSld>
+  <p:clrMapOvr>
+    <a:masterClrMapping/>
+  </p:clrMapOvr>
+</p:sldLayout>
+</file>
+
+<file path=ppt/slideLayouts/slideLayout4.xml><?xml version="1.0" encoding="utf-8"?>
 <p:sldLayout xmlns:a="http://schemas.openxmlformats.org/drawingml/2006/main" xmlns:r="http://schemas.openxmlformats.org/officeDocument/2006/relationships" xmlns:p="http://schemas.openxmlformats.org/presentationml/2006/main" type="secHead" preserve="1">
   <p:cSld name="Section Header">
     <p:spTree>
@@ -1555,15 +2388,15 @@
         </p:nvSpPr>
         <p:spPr>
           <a:xfrm>
-            <a:off x="722313" y="3305176"/>
-            <a:ext cx="7772400" cy="1021556"/>
+            <a:off x="549276" y="1802359"/>
+            <a:ext cx="8056563" cy="1021556"/>
           </a:xfrm>
         </p:spPr>
         <p:txBody>
-          <a:bodyPr anchor="t"/>
+          <a:bodyPr anchor="b" anchorCtr="0"/>
           <a:lstStyle>
-            <a:lvl1pPr algn="l">
-              <a:defRPr sz="4000" b="1" cap="all"/>
+            <a:lvl1pPr algn="ctr">
+              <a:defRPr sz="4600" b="0" cap="none" baseline="0"/>
             </a:lvl1pPr>
           </a:lstStyle>
           <a:p>
@@ -1571,7 +2404,7 @@
               <a:rPr lang="en-US" smtClean="0"/>
               <a:t>Click to edit Master title style</a:t>
             </a:r>
-            <a:endParaRPr lang="en-US"/>
+            <a:endParaRPr/>
           </a:p>
         </p:txBody>
       </p:sp>
@@ -1587,16 +2420,21 @@
         </p:nvSpPr>
         <p:spPr>
           <a:xfrm>
-            <a:off x="722313" y="2180035"/>
-            <a:ext cx="7772400" cy="1125140"/>
+            <a:off x="549276" y="2802004"/>
+            <a:ext cx="8056563" cy="1125140"/>
           </a:xfrm>
         </p:spPr>
         <p:txBody>
-          <a:bodyPr anchor="b"/>
+          <a:bodyPr anchor="t" anchorCtr="0">
+            <a:normAutofit/>
+          </a:bodyPr>
           <a:lstStyle>
-            <a:lvl1pPr marL="0" indent="0">
-              <a:buNone/>
-              <a:defRPr sz="2000">
+            <a:lvl1pPr marL="0" indent="0" algn="ctr">
+              <a:spcBef>
+                <a:spcPts val="300"/>
+              </a:spcBef>
+              <a:buNone/>
+              <a:defRPr sz="1800">
                 <a:solidFill>
                   <a:schemeClr val="tx1">
                     <a:tint val="75000"/>
@@ -1760,11 +2598,6 @@
         </p:txBody>
       </p:sp>
     </p:spTree>
-    <p:extLst>
-      <p:ext uri="{BB962C8B-B14F-4D97-AF65-F5344CB8AC3E}">
-        <p14:creationId xmlns:p14="http://schemas.microsoft.com/office/powerpoint/2010/main" val="47726454"/>
-      </p:ext>
-    </p:extLst>
   </p:cSld>
   <p:clrMapOvr>
     <a:masterClrMapping/>
@@ -1772,7 +2605,7 @@
 </p:sldLayout>
 </file>
 
-<file path=ppt/slideLayouts/slideLayout4.xml><?xml version="1.0" encoding="utf-8"?>
+<file path=ppt/slideLayouts/slideLayout5.xml><?xml version="1.0" encoding="utf-8"?>
 <p:sldLayout xmlns:a="http://schemas.openxmlformats.org/drawingml/2006/main" xmlns:r="http://schemas.openxmlformats.org/officeDocument/2006/relationships" xmlns:p="http://schemas.openxmlformats.org/presentationml/2006/main" type="twoObj" preserve="1">
   <p:cSld name="Two Content">
     <p:spTree>
@@ -1799,46 +2632,56 @@
             <p:ph type="title"/>
           </p:nvPr>
         </p:nvSpPr>
-        <p:spPr/>
-        <p:txBody>
-          <a:bodyPr/>
-          <a:lstStyle/>
-          <a:p>
-            <a:r>
-              <a:rPr lang="en-US" smtClean="0"/>
-              <a:t>Click to edit Master title style</a:t>
-            </a:r>
-            <a:endParaRPr lang="en-US"/>
-          </a:p>
-        </p:txBody>
-      </p:sp>
-      <p:sp>
-        <p:nvSpPr>
-          <p:cNvPr id="3" name="Content Placeholder 2"/>
-          <p:cNvSpPr>
-            <a:spLocks noGrp="1"/>
-          </p:cNvSpPr>
-          <p:nvPr>
-            <p:ph sz="half" idx="1"/>
-          </p:nvPr>
-        </p:nvSpPr>
         <p:spPr>
           <a:xfrm>
-            <a:off x="457200" y="1200151"/>
-            <a:ext cx="4038600" cy="3394472"/>
+            <a:off x="549275" y="80682"/>
+            <a:ext cx="8042276" cy="1002717"/>
           </a:xfrm>
         </p:spPr>
         <p:txBody>
           <a:bodyPr/>
+          <a:lstStyle/>
+          <a:p>
+            <a:r>
+              <a:rPr lang="en-US" smtClean="0"/>
+              <a:t>Click to edit Master title style</a:t>
+            </a:r>
+            <a:endParaRPr/>
+          </a:p>
+        </p:txBody>
+      </p:sp>
+      <p:sp>
+        <p:nvSpPr>
+          <p:cNvPr id="3" name="Content Placeholder 2"/>
+          <p:cNvSpPr>
+            <a:spLocks noGrp="1"/>
+          </p:cNvSpPr>
+          <p:nvPr>
+            <p:ph sz="half" idx="1"/>
+          </p:nvPr>
+        </p:nvSpPr>
+        <p:spPr>
+          <a:xfrm>
+            <a:off x="549275" y="1200151"/>
+            <a:ext cx="3840480" cy="3257550"/>
+          </a:xfrm>
+        </p:spPr>
+        <p:txBody>
+          <a:bodyPr>
+            <a:normAutofit/>
+          </a:bodyPr>
           <a:lstStyle>
             <a:lvl1pPr>
-              <a:defRPr sz="2800"/>
+              <a:spcBef>
+                <a:spcPts val="1600"/>
+              </a:spcBef>
+              <a:defRPr sz="2000"/>
             </a:lvl1pPr>
             <a:lvl2pPr>
-              <a:defRPr sz="2400"/>
+              <a:defRPr sz="1800"/>
             </a:lvl2pPr>
             <a:lvl3pPr>
-              <a:defRPr sz="2000"/>
+              <a:defRPr sz="1800"/>
             </a:lvl3pPr>
             <a:lvl4pPr>
               <a:defRPr sz="1800"/>
@@ -1893,7 +2736,7 @@
               <a:rPr lang="en-US" smtClean="0"/>
               <a:t>Fifth level</a:t>
             </a:r>
-            <a:endParaRPr lang="en-US"/>
+            <a:endParaRPr dirty="0"/>
           </a:p>
         </p:txBody>
       </p:sp>
@@ -1909,21 +2752,26 @@
         </p:nvSpPr>
         <p:spPr>
           <a:xfrm>
-            <a:off x="4648200" y="1200151"/>
-            <a:ext cx="4038600" cy="3394472"/>
+            <a:off x="4751071" y="1200151"/>
+            <a:ext cx="3840480" cy="3257550"/>
           </a:xfrm>
         </p:spPr>
         <p:txBody>
-          <a:bodyPr/>
+          <a:bodyPr>
+            <a:normAutofit/>
+          </a:bodyPr>
           <a:lstStyle>
             <a:lvl1pPr>
-              <a:defRPr sz="2800"/>
+              <a:spcBef>
+                <a:spcPts val="1600"/>
+              </a:spcBef>
+              <a:defRPr sz="2000"/>
             </a:lvl1pPr>
             <a:lvl2pPr>
-              <a:defRPr sz="2400"/>
+              <a:defRPr sz="1800"/>
             </a:lvl2pPr>
             <a:lvl3pPr>
-              <a:defRPr sz="2000"/>
+              <a:defRPr sz="1800"/>
             </a:lvl3pPr>
             <a:lvl4pPr>
               <a:defRPr sz="1800"/>
@@ -1978,7 +2826,7 @@
               <a:rPr lang="en-US" smtClean="0"/>
               <a:t>Fifth level</a:t>
             </a:r>
-            <a:endParaRPr lang="en-US"/>
+            <a:endParaRPr dirty="0"/>
           </a:p>
         </p:txBody>
       </p:sp>
@@ -2048,11 +2896,6 @@
         </p:txBody>
       </p:sp>
     </p:spTree>
-    <p:extLst>
-      <p:ext uri="{BB962C8B-B14F-4D97-AF65-F5344CB8AC3E}">
-        <p14:creationId xmlns:p14="http://schemas.microsoft.com/office/powerpoint/2010/main" val="1641455482"/>
-      </p:ext>
-    </p:extLst>
   </p:cSld>
   <p:clrMapOvr>
     <a:masterClrMapping/>
@@ -2060,7 +2903,7 @@
 </p:sldLayout>
 </file>
 
-<file path=ppt/slideLayouts/slideLayout5.xml><?xml version="1.0" encoding="utf-8"?>
+<file path=ppt/slideLayouts/slideLayout6.xml><?xml version="1.0" encoding="utf-8"?>
 <p:sldLayout xmlns:a="http://schemas.openxmlformats.org/drawingml/2006/main" xmlns:r="http://schemas.openxmlformats.org/officeDocument/2006/relationships" xmlns:p="http://schemas.openxmlformats.org/presentationml/2006/main" type="twoTxTwoObj" preserve="1">
   <p:cSld name="Comparison">
     <p:spTree>
@@ -2087,7 +2930,12 @@
             <p:ph type="title"/>
           </p:nvPr>
         </p:nvSpPr>
-        <p:spPr/>
+        <p:spPr>
+          <a:xfrm>
+            <a:off x="549274" y="80682"/>
+            <a:ext cx="8042276" cy="1002717"/>
+          </a:xfrm>
+        </p:spPr>
         <p:txBody>
           <a:bodyPr/>
           <a:lstStyle>
@@ -2100,7 +2948,7 @@
               <a:rPr lang="en-US" smtClean="0"/>
               <a:t>Click to edit Master title style</a:t>
             </a:r>
-            <a:endParaRPr lang="en-US"/>
+            <a:endParaRPr/>
           </a:p>
         </p:txBody>
       </p:sp>
@@ -2116,16 +2964,28 @@
         </p:nvSpPr>
         <p:spPr>
           <a:xfrm>
-            <a:off x="457200" y="1151335"/>
-            <a:ext cx="4040188" cy="479822"/>
+            <a:off x="549274" y="1089919"/>
+            <a:ext cx="3840480" cy="563165"/>
           </a:xfrm>
         </p:spPr>
         <p:txBody>
-          <a:bodyPr anchor="b"/>
+          <a:bodyPr anchor="b">
+            <a:noAutofit/>
+          </a:bodyPr>
           <a:lstStyle>
-            <a:lvl1pPr marL="0" indent="0">
-              <a:buNone/>
-              <a:defRPr sz="2400" b="1"/>
+            <a:lvl1pPr marL="0" indent="0" algn="ctr">
+              <a:spcBef>
+                <a:spcPts val="0"/>
+              </a:spcBef>
+              <a:buNone/>
+              <a:defRPr sz="2400" b="0">
+                <a:solidFill>
+                  <a:schemeClr val="accent1">
+                    <a:lumMod val="60000"/>
+                    <a:lumOff val="40000"/>
+                  </a:schemeClr>
+                </a:solidFill>
+              </a:defRPr>
             </a:lvl1pPr>
             <a:lvl2pPr marL="457200" indent="0">
               <a:buNone/>
@@ -2181,27 +3041,32 @@
         </p:nvSpPr>
         <p:spPr>
           <a:xfrm>
-            <a:off x="457200" y="1631156"/>
-            <a:ext cx="4040188" cy="2963466"/>
+            <a:off x="549274" y="1760562"/>
+            <a:ext cx="3840480" cy="2697139"/>
           </a:xfrm>
         </p:spPr>
         <p:txBody>
-          <a:bodyPr/>
+          <a:bodyPr>
+            <a:normAutofit/>
+          </a:bodyPr>
           <a:lstStyle>
             <a:lvl1pPr>
-              <a:defRPr sz="2400"/>
+              <a:spcBef>
+                <a:spcPts val="1600"/>
+              </a:spcBef>
+              <a:defRPr sz="2000"/>
             </a:lvl1pPr>
             <a:lvl2pPr>
-              <a:defRPr sz="2000"/>
+              <a:defRPr sz="1800"/>
             </a:lvl2pPr>
             <a:lvl3pPr>
               <a:defRPr sz="1800"/>
             </a:lvl3pPr>
             <a:lvl4pPr>
-              <a:defRPr sz="1600"/>
+              <a:defRPr sz="1800"/>
             </a:lvl4pPr>
             <a:lvl5pPr>
-              <a:defRPr sz="1600"/>
+              <a:defRPr sz="1800"/>
             </a:lvl5pPr>
             <a:lvl6pPr>
               <a:defRPr sz="1600"/>
@@ -2250,7 +3115,7 @@
               <a:rPr lang="en-US" smtClean="0"/>
               <a:t>Fifth level</a:t>
             </a:r>
-            <a:endParaRPr lang="en-US"/>
+            <a:endParaRPr dirty="0"/>
           </a:p>
         </p:txBody>
       </p:sp>
@@ -2266,16 +3131,28 @@
         </p:nvSpPr>
         <p:spPr>
           <a:xfrm>
-            <a:off x="4645028" y="1151335"/>
-            <a:ext cx="4041775" cy="479822"/>
+            <a:off x="4751070" y="1089919"/>
+            <a:ext cx="3840480" cy="563165"/>
           </a:xfrm>
         </p:spPr>
         <p:txBody>
-          <a:bodyPr anchor="b"/>
+          <a:bodyPr anchor="b">
+            <a:noAutofit/>
+          </a:bodyPr>
           <a:lstStyle>
-            <a:lvl1pPr marL="0" indent="0">
-              <a:buNone/>
-              <a:defRPr sz="2400" b="1"/>
+            <a:lvl1pPr marL="0" indent="0" algn="ctr">
+              <a:spcBef>
+                <a:spcPts val="0"/>
+              </a:spcBef>
+              <a:buNone/>
+              <a:defRPr sz="2400" b="0">
+                <a:solidFill>
+                  <a:schemeClr val="accent1">
+                    <a:lumMod val="60000"/>
+                    <a:lumOff val="40000"/>
+                  </a:schemeClr>
+                </a:solidFill>
+              </a:defRPr>
             </a:lvl1pPr>
             <a:lvl2pPr marL="457200" indent="0">
               <a:buNone/>
@@ -2331,27 +3208,32 @@
         </p:nvSpPr>
         <p:spPr>
           <a:xfrm>
-            <a:off x="4645028" y="1631156"/>
-            <a:ext cx="4041775" cy="2963466"/>
+            <a:off x="4751070" y="1760562"/>
+            <a:ext cx="3840480" cy="2697139"/>
           </a:xfrm>
         </p:spPr>
         <p:txBody>
-          <a:bodyPr/>
+          <a:bodyPr>
+            <a:normAutofit/>
+          </a:bodyPr>
           <a:lstStyle>
             <a:lvl1pPr>
-              <a:defRPr sz="2400"/>
+              <a:spcBef>
+                <a:spcPts val="1600"/>
+              </a:spcBef>
+              <a:defRPr sz="2000"/>
             </a:lvl1pPr>
             <a:lvl2pPr>
-              <a:defRPr sz="2000"/>
+              <a:defRPr sz="1800"/>
             </a:lvl2pPr>
             <a:lvl3pPr>
               <a:defRPr sz="1800"/>
             </a:lvl3pPr>
             <a:lvl4pPr>
-              <a:defRPr sz="1600"/>
+              <a:defRPr sz="1800"/>
             </a:lvl4pPr>
             <a:lvl5pPr>
-              <a:defRPr sz="1600"/>
+              <a:defRPr sz="1800"/>
             </a:lvl5pPr>
             <a:lvl6pPr>
               <a:defRPr sz="1600"/>
@@ -2400,7 +3282,7 @@
               <a:rPr lang="en-US" smtClean="0"/>
               <a:t>Fifth level</a:t>
             </a:r>
-            <a:endParaRPr lang="en-US"/>
+            <a:endParaRPr dirty="0"/>
           </a:p>
         </p:txBody>
       </p:sp>
@@ -2470,11 +3352,6 @@
         </p:txBody>
       </p:sp>
     </p:spTree>
-    <p:extLst>
-      <p:ext uri="{BB962C8B-B14F-4D97-AF65-F5344CB8AC3E}">
-        <p14:creationId xmlns:p14="http://schemas.microsoft.com/office/powerpoint/2010/main" val="3423020470"/>
-      </p:ext>
-    </p:extLst>
   </p:cSld>
   <p:clrMapOvr>
     <a:masterClrMapping/>
@@ -2482,7 +3359,7 @@
 </p:sldLayout>
 </file>
 
-<file path=ppt/slideLayouts/slideLayout6.xml><?xml version="1.0" encoding="utf-8"?>
+<file path=ppt/slideLayouts/slideLayout7.xml><?xml version="1.0" encoding="utf-8"?>
 <p:sldLayout xmlns:a="http://schemas.openxmlformats.org/drawingml/2006/main" xmlns:r="http://schemas.openxmlformats.org/officeDocument/2006/relationships" xmlns:p="http://schemas.openxmlformats.org/presentationml/2006/main" type="titleOnly" preserve="1">
   <p:cSld name="Title Only">
     <p:spTree>
@@ -2518,7 +3395,7 @@
               <a:rPr lang="en-US" smtClean="0"/>
               <a:t>Click to edit Master title style</a:t>
             </a:r>
-            <a:endParaRPr lang="en-US"/>
+            <a:endParaRPr/>
           </a:p>
         </p:txBody>
       </p:sp>
@@ -2588,11 +3465,6 @@
         </p:txBody>
       </p:sp>
     </p:spTree>
-    <p:extLst>
-      <p:ext uri="{BB962C8B-B14F-4D97-AF65-F5344CB8AC3E}">
-        <p14:creationId xmlns:p14="http://schemas.microsoft.com/office/powerpoint/2010/main" val="2225822136"/>
-      </p:ext>
-    </p:extLst>
   </p:cSld>
   <p:clrMapOvr>
     <a:masterClrMapping/>
@@ -2600,7 +3472,7 @@
 </p:sldLayout>
 </file>
 
-<file path=ppt/slideLayouts/slideLayout7.xml><?xml version="1.0" encoding="utf-8"?>
+<file path=ppt/slideLayouts/slideLayout8.xml><?xml version="1.0" encoding="utf-8"?>
 <p:sldLayout xmlns:a="http://schemas.openxmlformats.org/drawingml/2006/main" xmlns:r="http://schemas.openxmlformats.org/officeDocument/2006/relationships" xmlns:p="http://schemas.openxmlformats.org/presentationml/2006/main" type="blank" preserve="1">
   <p:cSld name="Blank">
     <p:spTree>
@@ -2683,11 +3555,6 @@
         </p:txBody>
       </p:sp>
     </p:spTree>
-    <p:extLst>
-      <p:ext uri="{BB962C8B-B14F-4D97-AF65-F5344CB8AC3E}">
-        <p14:creationId xmlns:p14="http://schemas.microsoft.com/office/powerpoint/2010/main" val="3043713977"/>
-      </p:ext>
-    </p:extLst>
   </p:cSld>
   <p:clrMapOvr>
     <a:masterClrMapping/>
@@ -2695,7 +3562,7 @@
 </p:sldLayout>
 </file>
 
-<file path=ppt/slideLayouts/slideLayout8.xml><?xml version="1.0" encoding="utf-8"?>
+<file path=ppt/slideLayouts/slideLayout9.xml><?xml version="1.0" encoding="utf-8"?>
 <p:sldLayout xmlns:a="http://schemas.openxmlformats.org/drawingml/2006/main" xmlns:r="http://schemas.openxmlformats.org/officeDocument/2006/relationships" xmlns:p="http://schemas.openxmlformats.org/presentationml/2006/main" type="objTx" preserve="1">
   <p:cSld name="Content with Caption">
     <p:spTree>
@@ -2724,15 +3591,15 @@
         </p:nvSpPr>
         <p:spPr>
           <a:xfrm>
-            <a:off x="457203" y="204787"/>
-            <a:ext cx="3008313" cy="871538"/>
+            <a:off x="533399" y="458904"/>
+            <a:ext cx="3840480" cy="871538"/>
           </a:xfrm>
         </p:spPr>
         <p:txBody>
           <a:bodyPr anchor="b"/>
           <a:lstStyle>
-            <a:lvl1pPr algn="l">
-              <a:defRPr sz="2000" b="1"/>
+            <a:lvl1pPr algn="ctr">
+              <a:defRPr sz="3600" b="0"/>
             </a:lvl1pPr>
           </a:lstStyle>
           <a:p>
@@ -2740,7 +3607,7 @@
               <a:rPr lang="en-US" smtClean="0"/>
               <a:t>Click to edit Master title style</a:t>
             </a:r>
-            <a:endParaRPr lang="en-US"/>
+            <a:endParaRPr/>
           </a:p>
         </p:txBody>
       </p:sp>
@@ -2756,27 +3623,32 @@
         </p:nvSpPr>
         <p:spPr>
           <a:xfrm>
-            <a:off x="3575050" y="204789"/>
-            <a:ext cx="5111750" cy="4389835"/>
+            <a:off x="4742824" y="276225"/>
+            <a:ext cx="3840480" cy="4181475"/>
           </a:xfrm>
         </p:spPr>
         <p:txBody>
-          <a:bodyPr/>
+          <a:bodyPr>
+            <a:normAutofit/>
+          </a:bodyPr>
           <a:lstStyle>
             <a:lvl1pPr>
-              <a:defRPr sz="3200"/>
+              <a:spcBef>
+                <a:spcPts val="2000"/>
+              </a:spcBef>
+              <a:defRPr sz="2200"/>
             </a:lvl1pPr>
             <a:lvl2pPr>
-              <a:defRPr sz="2800"/>
+              <a:defRPr sz="2000"/>
             </a:lvl2pPr>
             <a:lvl3pPr>
-              <a:defRPr sz="2400"/>
+              <a:defRPr sz="1800"/>
             </a:lvl3pPr>
             <a:lvl4pPr>
-              <a:defRPr sz="2000"/>
+              <a:defRPr sz="1800"/>
             </a:lvl4pPr>
             <a:lvl5pPr>
-              <a:defRPr sz="2000"/>
+              <a:defRPr sz="1800"/>
             </a:lvl5pPr>
             <a:lvl6pPr>
               <a:defRPr sz="2000"/>
@@ -2825,7 +3697,7 @@
               <a:rPr lang="en-US" smtClean="0"/>
               <a:t>Fifth level</a:t>
             </a:r>
-            <a:endParaRPr lang="en-US"/>
+            <a:endParaRPr dirty="0"/>
           </a:p>
         </p:txBody>
       </p:sp>
@@ -2841,16 +3713,21 @@
         </p:nvSpPr>
         <p:spPr>
           <a:xfrm>
-            <a:off x="457203" y="1076327"/>
-            <a:ext cx="3008313" cy="3518297"/>
+            <a:off x="533399" y="1340892"/>
+            <a:ext cx="3840480" cy="2790114"/>
           </a:xfrm>
         </p:spPr>
         <p:txBody>
-          <a:bodyPr/>
+          <a:bodyPr>
+            <a:normAutofit/>
+          </a:bodyPr>
           <a:lstStyle>
-            <a:lvl1pPr marL="0" indent="0">
-              <a:buNone/>
-              <a:defRPr sz="1400"/>
+            <a:lvl1pPr marL="0" indent="0" algn="ctr">
+              <a:spcBef>
+                <a:spcPts val="600"/>
+              </a:spcBef>
+              <a:buNone/>
+              <a:defRPr sz="1800"/>
             </a:lvl1pPr>
             <a:lvl2pPr marL="457200" indent="0">
               <a:buNone/>
@@ -2951,273 +3828,16 @@
           <a:bodyPr/>
           <a:lstStyle/>
           <a:p>
-            <a:fld id="{13218EFB-A45E-8845-B9BD-B11041B825E4}" type="slidenum">
-              <a:rPr lang="en-US" smtClean="0"/>
+            <a:fld id="{2754ED01-E2A0-4C1E-8E21-014B99041579}" type="slidenum">
+              <a:rPr lang="en-US" smtClean="0"/>
+              <a:pPr/>
               <a:t>‹#›</a:t>
             </a:fld>
-            <a:endParaRPr lang="en-US"/>
+            <a:endParaRPr lang="en-US" dirty="0"/>
           </a:p>
         </p:txBody>
       </p:sp>
     </p:spTree>
-    <p:extLst>
-      <p:ext uri="{BB962C8B-B14F-4D97-AF65-F5344CB8AC3E}">
-        <p14:creationId xmlns:p14="http://schemas.microsoft.com/office/powerpoint/2010/main" val="1838483431"/>
-      </p:ext>
-    </p:extLst>
-  </p:cSld>
-  <p:clrMapOvr>
-    <a:masterClrMapping/>
-  </p:clrMapOvr>
-</p:sldLayout>
-</file>
-
-<file path=ppt/slideLayouts/slideLayout9.xml><?xml version="1.0" encoding="utf-8"?>
-<p:sldLayout xmlns:a="http://schemas.openxmlformats.org/drawingml/2006/main" xmlns:r="http://schemas.openxmlformats.org/officeDocument/2006/relationships" xmlns:p="http://schemas.openxmlformats.org/presentationml/2006/main" type="picTx" preserve="1">
-  <p:cSld name="Picture with Caption">
-    <p:spTree>
-      <p:nvGrpSpPr>
-        <p:cNvPr id="1" name=""/>
-        <p:cNvGrpSpPr/>
-        <p:nvPr/>
-      </p:nvGrpSpPr>
-      <p:grpSpPr>
-        <a:xfrm>
-          <a:off x="0" y="0"/>
-          <a:ext cx="0" cy="0"/>
-          <a:chOff x="0" y="0"/>
-          <a:chExt cx="0" cy="0"/>
-        </a:xfrm>
-      </p:grpSpPr>
-      <p:sp>
-        <p:nvSpPr>
-          <p:cNvPr id="2" name="Title 1"/>
-          <p:cNvSpPr>
-            <a:spLocks noGrp="1"/>
-          </p:cNvSpPr>
-          <p:nvPr>
-            <p:ph type="title"/>
-          </p:nvPr>
-        </p:nvSpPr>
-        <p:spPr>
-          <a:xfrm>
-            <a:off x="1792288" y="3600451"/>
-            <a:ext cx="5486400" cy="425054"/>
-          </a:xfrm>
-        </p:spPr>
-        <p:txBody>
-          <a:bodyPr anchor="b"/>
-          <a:lstStyle>
-            <a:lvl1pPr algn="l">
-              <a:defRPr sz="2000" b="1"/>
-            </a:lvl1pPr>
-          </a:lstStyle>
-          <a:p>
-            <a:r>
-              <a:rPr lang="en-US" smtClean="0"/>
-              <a:t>Click to edit Master title style</a:t>
-            </a:r>
-            <a:endParaRPr lang="en-US"/>
-          </a:p>
-        </p:txBody>
-      </p:sp>
-      <p:sp>
-        <p:nvSpPr>
-          <p:cNvPr id="3" name="Picture Placeholder 2"/>
-          <p:cNvSpPr>
-            <a:spLocks noGrp="1"/>
-          </p:cNvSpPr>
-          <p:nvPr>
-            <p:ph type="pic" idx="1"/>
-          </p:nvPr>
-        </p:nvSpPr>
-        <p:spPr>
-          <a:xfrm>
-            <a:off x="1792288" y="459581"/>
-            <a:ext cx="5486400" cy="3086100"/>
-          </a:xfrm>
-        </p:spPr>
-        <p:txBody>
-          <a:bodyPr/>
-          <a:lstStyle>
-            <a:lvl1pPr marL="0" indent="0">
-              <a:buNone/>
-              <a:defRPr sz="3200"/>
-            </a:lvl1pPr>
-            <a:lvl2pPr marL="457200" indent="0">
-              <a:buNone/>
-              <a:defRPr sz="2800"/>
-            </a:lvl2pPr>
-            <a:lvl3pPr marL="914400" indent="0">
-              <a:buNone/>
-              <a:defRPr sz="2400"/>
-            </a:lvl3pPr>
-            <a:lvl4pPr marL="1371600" indent="0">
-              <a:buNone/>
-              <a:defRPr sz="2000"/>
-            </a:lvl4pPr>
-            <a:lvl5pPr marL="1828800" indent="0">
-              <a:buNone/>
-              <a:defRPr sz="2000"/>
-            </a:lvl5pPr>
-            <a:lvl6pPr marL="2286000" indent="0">
-              <a:buNone/>
-              <a:defRPr sz="2000"/>
-            </a:lvl6pPr>
-            <a:lvl7pPr marL="2743200" indent="0">
-              <a:buNone/>
-              <a:defRPr sz="2000"/>
-            </a:lvl7pPr>
-            <a:lvl8pPr marL="3200400" indent="0">
-              <a:buNone/>
-              <a:defRPr sz="2000"/>
-            </a:lvl8pPr>
-            <a:lvl9pPr marL="3657600" indent="0">
-              <a:buNone/>
-              <a:defRPr sz="2000"/>
-            </a:lvl9pPr>
-          </a:lstStyle>
-          <a:p>
-            <a:endParaRPr lang="en-US"/>
-          </a:p>
-        </p:txBody>
-      </p:sp>
-      <p:sp>
-        <p:nvSpPr>
-          <p:cNvPr id="4" name="Text Placeholder 3"/>
-          <p:cNvSpPr>
-            <a:spLocks noGrp="1"/>
-          </p:cNvSpPr>
-          <p:nvPr>
-            <p:ph type="body" sz="half" idx="2"/>
-          </p:nvPr>
-        </p:nvSpPr>
-        <p:spPr>
-          <a:xfrm>
-            <a:off x="1792288" y="4025504"/>
-            <a:ext cx="5486400" cy="603647"/>
-          </a:xfrm>
-        </p:spPr>
-        <p:txBody>
-          <a:bodyPr/>
-          <a:lstStyle>
-            <a:lvl1pPr marL="0" indent="0">
-              <a:buNone/>
-              <a:defRPr sz="1400"/>
-            </a:lvl1pPr>
-            <a:lvl2pPr marL="457200" indent="0">
-              <a:buNone/>
-              <a:defRPr sz="1200"/>
-            </a:lvl2pPr>
-            <a:lvl3pPr marL="914400" indent="0">
-              <a:buNone/>
-              <a:defRPr sz="1000"/>
-            </a:lvl3pPr>
-            <a:lvl4pPr marL="1371600" indent="0">
-              <a:buNone/>
-              <a:defRPr sz="900"/>
-            </a:lvl4pPr>
-            <a:lvl5pPr marL="1828800" indent="0">
-              <a:buNone/>
-              <a:defRPr sz="900"/>
-            </a:lvl5pPr>
-            <a:lvl6pPr marL="2286000" indent="0">
-              <a:buNone/>
-              <a:defRPr sz="900"/>
-            </a:lvl6pPr>
-            <a:lvl7pPr marL="2743200" indent="0">
-              <a:buNone/>
-              <a:defRPr sz="900"/>
-            </a:lvl7pPr>
-            <a:lvl8pPr marL="3200400" indent="0">
-              <a:buNone/>
-              <a:defRPr sz="900"/>
-            </a:lvl8pPr>
-            <a:lvl9pPr marL="3657600" indent="0">
-              <a:buNone/>
-              <a:defRPr sz="900"/>
-            </a:lvl9pPr>
-          </a:lstStyle>
-          <a:p>
-            <a:pPr lvl="0"/>
-            <a:r>
-              <a:rPr lang="en-US" smtClean="0"/>
-              <a:t>Click to edit Master text styles</a:t>
-            </a:r>
-          </a:p>
-        </p:txBody>
-      </p:sp>
-      <p:sp>
-        <p:nvSpPr>
-          <p:cNvPr id="5" name="Date Placeholder 4"/>
-          <p:cNvSpPr>
-            <a:spLocks noGrp="1"/>
-          </p:cNvSpPr>
-          <p:nvPr>
-            <p:ph type="dt" sz="half" idx="10"/>
-          </p:nvPr>
-        </p:nvSpPr>
-        <p:spPr/>
-        <p:txBody>
-          <a:bodyPr/>
-          <a:lstStyle/>
-          <a:p>
-            <a:fld id="{CEB1479B-2454-8E48-9041-E1255446920F}" type="datetimeFigureOut">
-              <a:rPr lang="en-US" smtClean="0"/>
-              <a:t>7/9/13</a:t>
-            </a:fld>
-            <a:endParaRPr lang="en-US"/>
-          </a:p>
-        </p:txBody>
-      </p:sp>
-      <p:sp>
-        <p:nvSpPr>
-          <p:cNvPr id="6" name="Footer Placeholder 5"/>
-          <p:cNvSpPr>
-            <a:spLocks noGrp="1"/>
-          </p:cNvSpPr>
-          <p:nvPr>
-            <p:ph type="ftr" sz="quarter" idx="11"/>
-          </p:nvPr>
-        </p:nvSpPr>
-        <p:spPr/>
-        <p:txBody>
-          <a:bodyPr/>
-          <a:lstStyle/>
-          <a:p>
-            <a:endParaRPr lang="en-US"/>
-          </a:p>
-        </p:txBody>
-      </p:sp>
-      <p:sp>
-        <p:nvSpPr>
-          <p:cNvPr id="7" name="Slide Number Placeholder 6"/>
-          <p:cNvSpPr>
-            <a:spLocks noGrp="1"/>
-          </p:cNvSpPr>
-          <p:nvPr>
-            <p:ph type="sldNum" sz="quarter" idx="12"/>
-          </p:nvPr>
-        </p:nvSpPr>
-        <p:spPr/>
-        <p:txBody>
-          <a:bodyPr/>
-          <a:lstStyle/>
-          <a:p>
-            <a:fld id="{13218EFB-A45E-8845-B9BD-B11041B825E4}" type="slidenum">
-              <a:rPr lang="en-US" smtClean="0"/>
-              <a:t>‹#›</a:t>
-            </a:fld>
-            <a:endParaRPr lang="en-US"/>
-          </a:p>
-        </p:txBody>
-      </p:sp>
-    </p:spTree>
-    <p:extLst>
-      <p:ext uri="{BB962C8B-B14F-4D97-AF65-F5344CB8AC3E}">
-        <p14:creationId xmlns:p14="http://schemas.microsoft.com/office/powerpoint/2010/main" val="808877201"/>
-      </p:ext>
-    </p:extLst>
   </p:cSld>
   <p:clrMapOvr>
     <a:masterClrMapping/>
@@ -3229,8 +3849,8 @@
 <p:sldMaster xmlns:a="http://schemas.openxmlformats.org/drawingml/2006/main" xmlns:r="http://schemas.openxmlformats.org/officeDocument/2006/relationships" xmlns:p="http://schemas.openxmlformats.org/presentationml/2006/main">
   <p:cSld>
     <p:bg>
-      <p:bgRef idx="1001">
-        <a:schemeClr val="bg1"/>
+      <p:bgRef idx="1003">
+        <a:schemeClr val="bg2"/>
       </p:bgRef>
     </p:bg>
     <p:spTree>
@@ -3259,16 +3879,16 @@
         </p:nvSpPr>
         <p:spPr>
           <a:xfrm>
-            <a:off x="457200" y="205979"/>
-            <a:ext cx="8229600" cy="857250"/>
+            <a:off x="549275" y="80682"/>
+            <a:ext cx="8042276" cy="1002717"/>
           </a:xfrm>
           <a:prstGeom prst="rect">
             <a:avLst/>
           </a:prstGeom>
         </p:spPr>
         <p:txBody>
-          <a:bodyPr vert="horz" lIns="91440" tIns="45720" rIns="91440" bIns="45720" rtlCol="0" anchor="ctr">
-            <a:normAutofit/>
+          <a:bodyPr vert="horz" lIns="91440" tIns="45720" rIns="91440" bIns="45720" rtlCol="0" anchor="b" anchorCtr="0">
+            <a:noAutofit/>
           </a:bodyPr>
           <a:lstStyle/>
           <a:p>
@@ -3276,7 +3896,7 @@
               <a:rPr lang="en-US" smtClean="0"/>
               <a:t>Click to edit Master title style</a:t>
             </a:r>
-            <a:endParaRPr lang="en-US"/>
+            <a:endParaRPr/>
           </a:p>
         </p:txBody>
       </p:sp>
@@ -3292,8 +3912,8 @@
         </p:nvSpPr>
         <p:spPr>
           <a:xfrm>
-            <a:off x="457200" y="1200151"/>
-            <a:ext cx="8229600" cy="3394472"/>
+            <a:off x="549275" y="1200151"/>
+            <a:ext cx="8042276" cy="3257550"/>
           </a:xfrm>
           <a:prstGeom prst="rect">
             <a:avLst/>
@@ -3338,7 +3958,7 @@
               <a:rPr lang="en-US" smtClean="0"/>
               <a:t>Fifth level</a:t>
             </a:r>
-            <a:endParaRPr lang="en-US"/>
+            <a:endParaRPr dirty="0"/>
           </a:p>
         </p:txBody>
       </p:sp>
@@ -3354,7 +3974,7 @@
         </p:nvSpPr>
         <p:spPr>
           <a:xfrm>
-            <a:off x="457200" y="4767264"/>
+            <a:off x="5629835" y="4706751"/>
             <a:ext cx="2133600" cy="273844"/>
           </a:xfrm>
           <a:prstGeom prst="rect">
@@ -3364,12 +3984,10 @@
         <p:txBody>
           <a:bodyPr vert="horz" lIns="91440" tIns="45720" rIns="91440" bIns="45720" rtlCol="0" anchor="ctr"/>
           <a:lstStyle>
-            <a:lvl1pPr algn="l">
+            <a:lvl1pPr algn="r">
               <a:defRPr sz="1200">
                 <a:solidFill>
-                  <a:schemeClr val="tx1">
-                    <a:tint val="75000"/>
-                  </a:schemeClr>
+                  <a:schemeClr val="bg1"/>
                 </a:solidFill>
               </a:defRPr>
             </a:lvl1pPr>
@@ -3395,8 +4013,8 @@
         </p:nvSpPr>
         <p:spPr>
           <a:xfrm>
-            <a:off x="3124200" y="4767264"/>
-            <a:ext cx="2895600" cy="273844"/>
+            <a:off x="264459" y="4706751"/>
+            <a:ext cx="4840941" cy="273844"/>
           </a:xfrm>
           <a:prstGeom prst="rect">
             <a:avLst/>
@@ -3405,12 +4023,10 @@
         <p:txBody>
           <a:bodyPr vert="horz" lIns="91440" tIns="45720" rIns="91440" bIns="45720" rtlCol="0" anchor="ctr"/>
           <a:lstStyle>
-            <a:lvl1pPr algn="ctr">
+            <a:lvl1pPr algn="l">
               <a:defRPr sz="1200">
                 <a:solidFill>
-                  <a:schemeClr val="tx1">
-                    <a:tint val="75000"/>
-                  </a:schemeClr>
+                  <a:schemeClr val="bg1"/>
                 </a:solidFill>
               </a:defRPr>
             </a:lvl1pPr>
@@ -3432,8 +4048,8 @@
         </p:nvSpPr>
         <p:spPr>
           <a:xfrm>
-            <a:off x="6553200" y="4767264"/>
-            <a:ext cx="2133600" cy="273844"/>
+            <a:off x="7897906" y="4706751"/>
+            <a:ext cx="990600" cy="273844"/>
           </a:xfrm>
           <a:prstGeom prst="rect">
             <a:avLst/>
@@ -3443,11 +4059,9 @@
           <a:bodyPr vert="horz" lIns="91440" tIns="45720" rIns="91440" bIns="45720" rtlCol="0" anchor="ctr"/>
           <a:lstStyle>
             <a:lvl1pPr algn="r">
-              <a:defRPr sz="1200">
+              <a:defRPr sz="3600">
                 <a:solidFill>
-                  <a:schemeClr val="tx1">
-                    <a:tint val="75000"/>
-                  </a:schemeClr>
+                  <a:schemeClr val="bg1"/>
                 </a:solidFill>
               </a:defRPr>
             </a:lvl1pPr>
@@ -3462,36 +4076,32 @@
         </p:txBody>
       </p:sp>
     </p:spTree>
-    <p:extLst>
-      <p:ext uri="{BB962C8B-B14F-4D97-AF65-F5344CB8AC3E}">
-        <p14:creationId xmlns:p14="http://schemas.microsoft.com/office/powerpoint/2010/main" val="1256512558"/>
-      </p:ext>
-    </p:extLst>
   </p:cSld>
   <p:clrMap bg1="lt1" tx1="dk1" bg2="lt2" tx2="dk2" accent1="accent1" accent2="accent2" accent3="accent3" accent4="accent4" accent5="accent5" accent6="accent6" hlink="hlink" folHlink="folHlink"/>
   <p:sldLayoutIdLst>
-    <p:sldLayoutId id="2147483649" r:id="rId1"/>
-    <p:sldLayoutId id="2147483650" r:id="rId2"/>
-    <p:sldLayoutId id="2147483651" r:id="rId3"/>
-    <p:sldLayoutId id="2147483652" r:id="rId4"/>
-    <p:sldLayoutId id="2147483653" r:id="rId5"/>
-    <p:sldLayoutId id="2147483654" r:id="rId6"/>
-    <p:sldLayoutId id="2147483655" r:id="rId7"/>
-    <p:sldLayoutId id="2147483656" r:id="rId8"/>
-    <p:sldLayoutId id="2147483657" r:id="rId9"/>
-    <p:sldLayoutId id="2147483658" r:id="rId10"/>
-    <p:sldLayoutId id="2147483659" r:id="rId11"/>
+    <p:sldLayoutId id="2147483742" r:id="rId1"/>
+    <p:sldLayoutId id="2147483743" r:id="rId2"/>
+    <p:sldLayoutId id="2147483744" r:id="rId3"/>
+    <p:sldLayoutId id="2147483745" r:id="rId4"/>
+    <p:sldLayoutId id="2147483746" r:id="rId5"/>
+    <p:sldLayoutId id="2147483747" r:id="rId6"/>
+    <p:sldLayoutId id="2147483748" r:id="rId7"/>
+    <p:sldLayoutId id="2147483749" r:id="rId8"/>
+    <p:sldLayoutId id="2147483750" r:id="rId9"/>
+    <p:sldLayoutId id="2147483751" r:id="rId10"/>
+    <p:sldLayoutId id="2147483752" r:id="rId11"/>
+    <p:sldLayoutId id="2147483753" r:id="rId12"/>
   </p:sldLayoutIdLst>
   <p:txStyles>
     <p:titleStyle>
-      <a:lvl1pPr algn="ctr" defTabSz="457200" rtl="0" eaLnBrk="1" latinLnBrk="0" hangingPunct="1">
+      <a:lvl1pPr algn="ctr" defTabSz="914400" rtl="0" eaLnBrk="1" latinLnBrk="0" hangingPunct="1">
         <a:spcBef>
           <a:spcPct val="0"/>
         </a:spcBef>
         <a:buNone/>
-        <a:defRPr sz="4400" kern="1200">
+        <a:defRPr sz="4600" kern="1200">
           <a:solidFill>
-            <a:schemeClr val="tx1"/>
+            <a:schemeClr val="accent1"/>
           </a:solidFill>
           <a:latin typeface="+mj-lt"/>
           <a:ea typeface="+mj-ea"/>
@@ -3500,135 +4110,217 @@
       </a:lvl1pPr>
     </p:titleStyle>
     <p:bodyStyle>
-      <a:lvl1pPr marL="342900" indent="-342900" algn="l" defTabSz="457200" rtl="0" eaLnBrk="1" latinLnBrk="0" hangingPunct="1">
+      <a:lvl1pPr marL="349250" indent="-349250" algn="l" defTabSz="914400" rtl="0" eaLnBrk="1" latinLnBrk="0" hangingPunct="1">
         <a:spcBef>
-          <a:spcPct val="20000"/>
+          <a:spcPts val="2000"/>
         </a:spcBef>
-        <a:buFont typeface="Arial"/>
-        <a:buChar char="•"/>
-        <a:defRPr sz="3200" kern="1200">
+        <a:buClr>
+          <a:schemeClr val="accent1">
+            <a:lumMod val="60000"/>
+            <a:lumOff val="40000"/>
+          </a:schemeClr>
+        </a:buClr>
+        <a:buSzPct val="110000"/>
+        <a:buFont typeface="Wingdings 2" pitchFamily="18" charset="2"/>
+        <a:buChar char=""/>
+        <a:defRPr sz="2400" kern="1200">
           <a:solidFill>
-            <a:schemeClr val="tx1"/>
+            <a:schemeClr val="tx1">
+              <a:lumMod val="65000"/>
+              <a:lumOff val="35000"/>
+            </a:schemeClr>
           </a:solidFill>
           <a:latin typeface="+mn-lt"/>
           <a:ea typeface="+mn-ea"/>
           <a:cs typeface="+mn-cs"/>
         </a:defRPr>
       </a:lvl1pPr>
-      <a:lvl2pPr marL="742950" indent="-285750" algn="l" defTabSz="457200" rtl="0" eaLnBrk="1" latinLnBrk="0" hangingPunct="1">
+      <a:lvl2pPr marL="685800" indent="-336550" algn="l" defTabSz="914400" rtl="0" eaLnBrk="1" latinLnBrk="0" hangingPunct="1">
         <a:spcBef>
-          <a:spcPct val="20000"/>
+          <a:spcPts val="600"/>
         </a:spcBef>
-        <a:buFont typeface="Arial"/>
-        <a:buChar char="–"/>
-        <a:defRPr sz="2800" kern="1200">
+        <a:buClr>
+          <a:schemeClr val="accent1">
+            <a:lumMod val="75000"/>
+          </a:schemeClr>
+        </a:buClr>
+        <a:buSzPct val="110000"/>
+        <a:buFont typeface="Wingdings 2" pitchFamily="18" charset="2"/>
+        <a:buChar char=""/>
+        <a:defRPr sz="2200" kern="1200">
           <a:solidFill>
-            <a:schemeClr val="tx1"/>
+            <a:schemeClr val="tx1">
+              <a:lumMod val="65000"/>
+              <a:lumOff val="35000"/>
+            </a:schemeClr>
           </a:solidFill>
           <a:latin typeface="+mn-lt"/>
           <a:ea typeface="+mn-ea"/>
           <a:cs typeface="+mn-cs"/>
         </a:defRPr>
       </a:lvl2pPr>
-      <a:lvl3pPr marL="1143000" indent="-228600" algn="l" defTabSz="457200" rtl="0" eaLnBrk="1" latinLnBrk="0" hangingPunct="1">
+      <a:lvl3pPr marL="968375" indent="-282575" algn="l" defTabSz="914400" rtl="0" eaLnBrk="1" latinLnBrk="0" hangingPunct="1">
         <a:spcBef>
-          <a:spcPct val="20000"/>
+          <a:spcPts val="600"/>
         </a:spcBef>
-        <a:buFont typeface="Arial"/>
-        <a:buChar char="•"/>
-        <a:defRPr sz="2400" kern="1200">
+        <a:buClr>
+          <a:schemeClr val="accent1">
+            <a:lumMod val="60000"/>
+            <a:lumOff val="40000"/>
+          </a:schemeClr>
+        </a:buClr>
+        <a:buSzPct val="110000"/>
+        <a:buFont typeface="Wingdings 2" pitchFamily="18" charset="2"/>
+        <a:buChar char=""/>
+        <a:defRPr sz="2000" kern="1200">
           <a:solidFill>
-            <a:schemeClr val="tx1"/>
+            <a:schemeClr val="tx1">
+              <a:lumMod val="65000"/>
+              <a:lumOff val="35000"/>
+            </a:schemeClr>
           </a:solidFill>
           <a:latin typeface="+mn-lt"/>
           <a:ea typeface="+mn-ea"/>
           <a:cs typeface="+mn-cs"/>
         </a:defRPr>
       </a:lvl3pPr>
-      <a:lvl4pPr marL="1600200" indent="-228600" algn="l" defTabSz="457200" rtl="0" eaLnBrk="1" latinLnBrk="0" hangingPunct="1">
+      <a:lvl4pPr marL="1263650" indent="-295275" algn="l" defTabSz="914400" rtl="0" eaLnBrk="1" latinLnBrk="0" hangingPunct="1">
         <a:spcBef>
-          <a:spcPct val="20000"/>
+          <a:spcPts val="600"/>
         </a:spcBef>
-        <a:buFont typeface="Arial"/>
-        <a:buChar char="–"/>
-        <a:defRPr sz="2000" kern="1200">
+        <a:buClr>
+          <a:schemeClr val="accent1">
+            <a:lumMod val="75000"/>
+          </a:schemeClr>
+        </a:buClr>
+        <a:buSzPct val="110000"/>
+        <a:buFont typeface="Wingdings 2" pitchFamily="18" charset="2"/>
+        <a:buChar char=""/>
+        <a:defRPr sz="1800" kern="1200">
           <a:solidFill>
-            <a:schemeClr val="tx1"/>
+            <a:schemeClr val="tx1">
+              <a:lumMod val="65000"/>
+              <a:lumOff val="35000"/>
+            </a:schemeClr>
           </a:solidFill>
           <a:latin typeface="+mn-lt"/>
           <a:ea typeface="+mn-ea"/>
           <a:cs typeface="+mn-cs"/>
         </a:defRPr>
       </a:lvl4pPr>
-      <a:lvl5pPr marL="2057400" indent="-228600" algn="l" defTabSz="457200" rtl="0" eaLnBrk="1" latinLnBrk="0" hangingPunct="1">
+      <a:lvl5pPr marL="1546225" indent="-282575" algn="l" defTabSz="914400" rtl="0" eaLnBrk="1" latinLnBrk="0" hangingPunct="1">
         <a:spcBef>
-          <a:spcPct val="20000"/>
+          <a:spcPts val="600"/>
         </a:spcBef>
-        <a:buFont typeface="Arial"/>
-        <a:buChar char="»"/>
-        <a:defRPr sz="2000" kern="1200">
+        <a:buClr>
+          <a:schemeClr val="accent1">
+            <a:lumMod val="60000"/>
+            <a:lumOff val="40000"/>
+          </a:schemeClr>
+        </a:buClr>
+        <a:buSzPct val="110000"/>
+        <a:buFont typeface="Wingdings 2" pitchFamily="18" charset="2"/>
+        <a:buChar char=""/>
+        <a:defRPr sz="1800" kern="1200">
           <a:solidFill>
-            <a:schemeClr val="tx1"/>
+            <a:schemeClr val="tx1">
+              <a:lumMod val="65000"/>
+              <a:lumOff val="35000"/>
+            </a:schemeClr>
           </a:solidFill>
           <a:latin typeface="+mn-lt"/>
           <a:ea typeface="+mn-ea"/>
           <a:cs typeface="+mn-cs"/>
         </a:defRPr>
       </a:lvl5pPr>
-      <a:lvl6pPr marL="2514600" indent="-228600" algn="l" defTabSz="457200" rtl="0" eaLnBrk="1" latinLnBrk="0" hangingPunct="1">
+      <a:lvl6pPr marL="1828800" indent="-282575" algn="l" defTabSz="914400" rtl="0" eaLnBrk="1" latinLnBrk="0" hangingPunct="1">
         <a:spcBef>
           <a:spcPct val="20000"/>
         </a:spcBef>
-        <a:buFont typeface="Arial"/>
-        <a:buChar char="•"/>
-        <a:defRPr sz="2000" kern="1200">
+        <a:buClr>
+          <a:schemeClr val="accent2"/>
+        </a:buClr>
+        <a:buSzPct val="110000"/>
+        <a:buFont typeface="Wingdings 2" pitchFamily="18" charset="2"/>
+        <a:buChar char=""/>
+        <a:defRPr lang="en-US" sz="1800" kern="1200" dirty="0" smtClean="0">
           <a:solidFill>
-            <a:schemeClr val="tx1"/>
+            <a:schemeClr val="tx1">
+              <a:lumMod val="65000"/>
+              <a:lumOff val="35000"/>
+            </a:schemeClr>
           </a:solidFill>
           <a:latin typeface="+mn-lt"/>
           <a:ea typeface="+mn-ea"/>
           <a:cs typeface="+mn-cs"/>
         </a:defRPr>
       </a:lvl6pPr>
-      <a:lvl7pPr marL="2971800" indent="-228600" algn="l" defTabSz="457200" rtl="0" eaLnBrk="1" latinLnBrk="0" hangingPunct="1">
+      <a:lvl7pPr marL="2117725" indent="-282575" algn="l" defTabSz="914400" rtl="0" eaLnBrk="1" latinLnBrk="0" hangingPunct="1">
         <a:spcBef>
           <a:spcPct val="20000"/>
         </a:spcBef>
-        <a:buFont typeface="Arial"/>
-        <a:buChar char="•"/>
-        <a:defRPr sz="2000" kern="1200">
+        <a:buClr>
+          <a:schemeClr val="accent1">
+            <a:lumMod val="60000"/>
+            <a:lumOff val="40000"/>
+          </a:schemeClr>
+        </a:buClr>
+        <a:buSzPct val="110000"/>
+        <a:buFont typeface="Wingdings 2" pitchFamily="18" charset="2"/>
+        <a:buChar char=""/>
+        <a:defRPr lang="en-US" sz="1800" kern="1200" dirty="0" smtClean="0">
           <a:solidFill>
-            <a:schemeClr val="tx1"/>
+            <a:schemeClr val="tx1">
+              <a:lumMod val="65000"/>
+              <a:lumOff val="35000"/>
+            </a:schemeClr>
           </a:solidFill>
           <a:latin typeface="+mn-lt"/>
           <a:ea typeface="+mn-ea"/>
           <a:cs typeface="+mn-cs"/>
         </a:defRPr>
       </a:lvl7pPr>
-      <a:lvl8pPr marL="3429000" indent="-228600" algn="l" defTabSz="457200" rtl="0" eaLnBrk="1" latinLnBrk="0" hangingPunct="1">
+      <a:lvl8pPr marL="2398713" indent="-282575" algn="l" defTabSz="914400" rtl="0" eaLnBrk="1" latinLnBrk="0" hangingPunct="1">
         <a:spcBef>
           <a:spcPct val="20000"/>
         </a:spcBef>
-        <a:buFont typeface="Arial"/>
-        <a:buChar char="•"/>
-        <a:defRPr sz="2000" kern="1200">
+        <a:buClr>
+          <a:schemeClr val="accent2"/>
+        </a:buClr>
+        <a:buSzPct val="110000"/>
+        <a:buFont typeface="Wingdings 2" pitchFamily="18" charset="2"/>
+        <a:buChar char=""/>
+        <a:defRPr lang="en-US" sz="1800" kern="1200" dirty="0" smtClean="0">
           <a:solidFill>
-            <a:schemeClr val="tx1"/>
+            <a:schemeClr val="tx1">
+              <a:lumMod val="65000"/>
+              <a:lumOff val="35000"/>
+            </a:schemeClr>
           </a:solidFill>
           <a:latin typeface="+mn-lt"/>
           <a:ea typeface="+mn-ea"/>
           <a:cs typeface="+mn-cs"/>
         </a:defRPr>
       </a:lvl8pPr>
-      <a:lvl9pPr marL="3886200" indent="-228600" algn="l" defTabSz="457200" rtl="0" eaLnBrk="1" latinLnBrk="0" hangingPunct="1">
+      <a:lvl9pPr marL="2689225" indent="-282575" algn="l" defTabSz="914400" rtl="0" eaLnBrk="1" latinLnBrk="0" hangingPunct="1">
         <a:spcBef>
           <a:spcPct val="20000"/>
         </a:spcBef>
-        <a:buFont typeface="Arial"/>
-        <a:buChar char="•"/>
-        <a:defRPr sz="2000" kern="1200">
+        <a:buClr>
+          <a:schemeClr val="accent1">
+            <a:lumMod val="60000"/>
+            <a:lumOff val="40000"/>
+          </a:schemeClr>
+        </a:buClr>
+        <a:buSzPct val="110000"/>
+        <a:buFont typeface="Wingdings 2" pitchFamily="18" charset="2"/>
+        <a:buChar char=""/>
+        <a:defRPr lang="en-US" sz="1800" kern="1200" dirty="0">
           <a:solidFill>
-            <a:schemeClr val="tx1"/>
+            <a:schemeClr val="tx1">
+              <a:lumMod val="65000"/>
+              <a:lumOff val="35000"/>
+            </a:schemeClr>
           </a:solidFill>
           <a:latin typeface="+mn-lt"/>
           <a:ea typeface="+mn-ea"/>
@@ -3638,9 +4330,9 @@
     </p:bodyStyle>
     <p:otherStyle>
       <a:defPPr>
-        <a:defRPr lang="en-US"/>
+        <a:defRPr/>
       </a:defPPr>
-      <a:lvl1pPr marL="0" algn="l" defTabSz="457200" rtl="0" eaLnBrk="1" latinLnBrk="0" hangingPunct="1">
+      <a:lvl1pPr marL="0" algn="l" defTabSz="914400" rtl="0" eaLnBrk="1" latinLnBrk="0" hangingPunct="1">
         <a:defRPr sz="1800" kern="1200">
           <a:solidFill>
             <a:schemeClr val="tx1"/>
@@ -3650,7 +4342,7 @@
           <a:cs typeface="+mn-cs"/>
         </a:defRPr>
       </a:lvl1pPr>
-      <a:lvl2pPr marL="457200" algn="l" defTabSz="457200" rtl="0" eaLnBrk="1" latinLnBrk="0" hangingPunct="1">
+      <a:lvl2pPr marL="457200" algn="l" defTabSz="914400" rtl="0" eaLnBrk="1" latinLnBrk="0" hangingPunct="1">
         <a:defRPr sz="1800" kern="1200">
           <a:solidFill>
             <a:schemeClr val="tx1"/>
@@ -3660,7 +4352,7 @@
           <a:cs typeface="+mn-cs"/>
         </a:defRPr>
       </a:lvl2pPr>
-      <a:lvl3pPr marL="914400" algn="l" defTabSz="457200" rtl="0" eaLnBrk="1" latinLnBrk="0" hangingPunct="1">
+      <a:lvl3pPr marL="914400" algn="l" defTabSz="914400" rtl="0" eaLnBrk="1" latinLnBrk="0" hangingPunct="1">
         <a:defRPr sz="1800" kern="1200">
           <a:solidFill>
             <a:schemeClr val="tx1"/>
@@ -3670,7 +4362,7 @@
           <a:cs typeface="+mn-cs"/>
         </a:defRPr>
       </a:lvl3pPr>
-      <a:lvl4pPr marL="1371600" algn="l" defTabSz="457200" rtl="0" eaLnBrk="1" latinLnBrk="0" hangingPunct="1">
+      <a:lvl4pPr marL="1371600" algn="l" defTabSz="914400" rtl="0" eaLnBrk="1" latinLnBrk="0" hangingPunct="1">
         <a:defRPr sz="1800" kern="1200">
           <a:solidFill>
             <a:schemeClr val="tx1"/>
@@ -3680,7 +4372,7 @@
           <a:cs typeface="+mn-cs"/>
         </a:defRPr>
       </a:lvl4pPr>
-      <a:lvl5pPr marL="1828800" algn="l" defTabSz="457200" rtl="0" eaLnBrk="1" latinLnBrk="0" hangingPunct="1">
+      <a:lvl5pPr marL="1828800" algn="l" defTabSz="914400" rtl="0" eaLnBrk="1" latinLnBrk="0" hangingPunct="1">
         <a:defRPr sz="1800" kern="1200">
           <a:solidFill>
             <a:schemeClr val="tx1"/>
@@ -3690,7 +4382,7 @@
           <a:cs typeface="+mn-cs"/>
         </a:defRPr>
       </a:lvl5pPr>
-      <a:lvl6pPr marL="2286000" algn="l" defTabSz="457200" rtl="0" eaLnBrk="1" latinLnBrk="0" hangingPunct="1">
+      <a:lvl6pPr marL="2286000" algn="l" defTabSz="914400" rtl="0" eaLnBrk="1" latinLnBrk="0" hangingPunct="1">
         <a:defRPr sz="1800" kern="1200">
           <a:solidFill>
             <a:schemeClr val="tx1"/>
@@ -3700,7 +4392,7 @@
           <a:cs typeface="+mn-cs"/>
         </a:defRPr>
       </a:lvl6pPr>
-      <a:lvl7pPr marL="2743200" algn="l" defTabSz="457200" rtl="0" eaLnBrk="1" latinLnBrk="0" hangingPunct="1">
+      <a:lvl7pPr marL="2743200" algn="l" defTabSz="914400" rtl="0" eaLnBrk="1" latinLnBrk="0" hangingPunct="1">
         <a:defRPr sz="1800" kern="1200">
           <a:solidFill>
             <a:schemeClr val="tx1"/>
@@ -3710,7 +4402,7 @@
           <a:cs typeface="+mn-cs"/>
         </a:defRPr>
       </a:lvl7pPr>
-      <a:lvl8pPr marL="3200400" algn="l" defTabSz="457200" rtl="0" eaLnBrk="1" latinLnBrk="0" hangingPunct="1">
+      <a:lvl8pPr marL="3200400" algn="l" defTabSz="914400" rtl="0" eaLnBrk="1" latinLnBrk="0" hangingPunct="1">
         <a:defRPr sz="1800" kern="1200">
           <a:solidFill>
             <a:schemeClr val="tx1"/>
@@ -3720,7 +4412,7 @@
           <a:cs typeface="+mn-cs"/>
         </a:defRPr>
       </a:lvl8pPr>
-      <a:lvl9pPr marL="3657600" algn="l" defTabSz="457200" rtl="0" eaLnBrk="1" latinLnBrk="0" hangingPunct="1">
+      <a:lvl9pPr marL="3657600" algn="l" defTabSz="914400" rtl="0" eaLnBrk="1" latinLnBrk="0" hangingPunct="1">
         <a:defRPr sz="1800" kern="1200">
           <a:solidFill>
             <a:schemeClr val="tx1"/>
@@ -3764,7 +4456,9 @@
         </p:nvSpPr>
         <p:spPr/>
         <p:txBody>
-          <a:bodyPr/>
+          <a:bodyPr>
+            <a:normAutofit fontScale="90000"/>
+          </a:bodyPr>
           <a:lstStyle/>
           <a:p>
             <a:r>
@@ -3793,7 +4487,7 @@
         </p:spPr>
         <p:txBody>
           <a:bodyPr>
-            <a:normAutofit fontScale="70000" lnSpcReduction="20000"/>
+            <a:normAutofit/>
           </a:bodyPr>
           <a:lstStyle/>
           <a:p>
@@ -3976,7 +4670,7 @@
         </p:spPr>
         <p:txBody>
           <a:bodyPr>
-            <a:normAutofit fontScale="92500" lnSpcReduction="10000"/>
+            <a:normAutofit/>
           </a:bodyPr>
           <a:lstStyle/>
           <a:p>
@@ -4190,7 +4884,19 @@
             </a:pPr>
             <a:r>
               <a:rPr lang="en-US" dirty="0" smtClean="0"/>
-              <a:t>NOTE:</a:t>
+              <a:t>NOTE</a:t>
+            </a:r>
+            <a:r>
+              <a:rPr lang="en-US" dirty="0" smtClean="0"/>
+              <a:t>: for NAT addresses (i.e. :</a:t>
+            </a:r>
+            <a:r>
+              <a:rPr lang="en-US" dirty="0" err="1" smtClean="0"/>
+              <a:t>public_network</a:t>
+            </a:r>
+            <a:r>
+              <a:rPr lang="en-US" dirty="0" smtClean="0"/>
+              <a:t>), you will need to do some extra work involving DHCP</a:t>
             </a:r>
             <a:endParaRPr lang="en-US" dirty="0"/>
           </a:p>
@@ -4262,189 +4968,227 @@
         <p:spPr/>
         <p:txBody>
           <a:bodyPr>
-            <a:normAutofit fontScale="62500" lnSpcReduction="20000"/>
+            <a:normAutofit fontScale="25000" lnSpcReduction="20000"/>
           </a:bodyPr>
           <a:lstStyle/>
           <a:p>
             <a:r>
-              <a:rPr lang="en-US" sz="4600" dirty="0" smtClean="0"/>
+              <a:rPr lang="en-US" sz="9600" dirty="0" smtClean="0"/>
               <a:t>Memory</a:t>
             </a:r>
           </a:p>
           <a:p>
+            <a:endParaRPr lang="en-US" sz="9600" dirty="0" smtClean="0"/>
+          </a:p>
+          <a:p>
             <a:pPr marL="0" indent="0">
+              <a:spcBef>
+                <a:spcPts val="0"/>
+              </a:spcBef>
               <a:buNone/>
             </a:pPr>
-            <a:endParaRPr lang="en-US" dirty="0" smtClean="0"/>
+            <a:r>
+              <a:rPr lang="en-US" sz="8000" dirty="0" smtClean="0"/>
+              <a:t># </a:t>
+            </a:r>
+            <a:r>
+              <a:rPr lang="en-US" sz="8000" dirty="0"/>
+              <a:t>If using Fusion</a:t>
+            </a:r>
+            <a:endParaRPr lang="en-US" sz="8000" dirty="0" smtClean="0"/>
           </a:p>
           <a:p>
             <a:pPr marL="0" indent="0">
+              <a:spcBef>
+                <a:spcPts val="0"/>
+              </a:spcBef>
               <a:buNone/>
             </a:pPr>
             <a:r>
-              <a:rPr lang="en-US" dirty="0" smtClean="0"/>
+              <a:rPr lang="en-US" sz="8000" dirty="0" err="1" smtClean="0"/>
+              <a:t>config.vm.provider</a:t>
+            </a:r>
+            <a:r>
+              <a:rPr lang="en-US" sz="8000" dirty="0" smtClean="0"/>
+              <a:t> </a:t>
+            </a:r>
+            <a:r>
+              <a:rPr lang="en-US" sz="8000" dirty="0"/>
+              <a:t>:</a:t>
+            </a:r>
+            <a:r>
+              <a:rPr lang="en-US" sz="8000" dirty="0" err="1"/>
+              <a:t>vmware_fusion</a:t>
+            </a:r>
+            <a:r>
+              <a:rPr lang="en-US" sz="8000" dirty="0"/>
+              <a:t> do |v|</a:t>
+            </a:r>
+          </a:p>
+          <a:p>
+            <a:pPr marL="0" indent="0">
+              <a:spcBef>
+                <a:spcPts val="0"/>
+              </a:spcBef>
+              <a:buNone/>
+            </a:pPr>
+            <a:r>
+              <a:rPr lang="en-US" sz="8000" dirty="0"/>
+              <a:t>     </a:t>
+            </a:r>
+            <a:r>
+              <a:rPr lang="en-US" sz="8000" dirty="0" smtClean="0"/>
+              <a:t> </a:t>
+            </a:r>
+            <a:r>
+              <a:rPr lang="en-US" sz="8000" dirty="0" err="1"/>
+              <a:t>v.vmx</a:t>
+            </a:r>
+            <a:r>
+              <a:rPr lang="en-US" sz="8000" dirty="0"/>
+              <a:t>["</a:t>
+            </a:r>
+            <a:r>
+              <a:rPr lang="en-US" sz="8000" dirty="0" err="1"/>
+              <a:t>memsize</a:t>
+            </a:r>
+            <a:r>
+              <a:rPr lang="en-US" sz="8000" dirty="0"/>
+              <a:t>"] = 1024</a:t>
+            </a:r>
+          </a:p>
+          <a:p>
+            <a:pPr marL="0" indent="0">
+              <a:spcBef>
+                <a:spcPts val="0"/>
+              </a:spcBef>
+              <a:buNone/>
+            </a:pPr>
+            <a:r>
+              <a:rPr lang="en-US" sz="8000" dirty="0" smtClean="0"/>
+              <a:t>end</a:t>
+            </a:r>
+          </a:p>
+          <a:p>
+            <a:pPr marL="0" indent="0">
+              <a:spcBef>
+                <a:spcPts val="0"/>
+              </a:spcBef>
+              <a:buNone/>
+            </a:pPr>
+            <a:endParaRPr lang="en-US" sz="8000" dirty="0"/>
+          </a:p>
+          <a:p>
+            <a:pPr marL="0" indent="0">
+              <a:spcBef>
+                <a:spcPts val="0"/>
+              </a:spcBef>
+              <a:buNone/>
+            </a:pPr>
+            <a:r>
+              <a:rPr lang="en-US" sz="8000" dirty="0" smtClean="0"/>
               <a:t># </a:t>
             </a:r>
             <a:r>
-              <a:rPr lang="en-US" dirty="0"/>
-              <a:t>If using Fusion</a:t>
-            </a:r>
-            <a:endParaRPr lang="en-US" dirty="0" smtClean="0"/>
+              <a:rPr lang="en-US" sz="8000" dirty="0" smtClean="0"/>
+              <a:t>If </a:t>
+            </a:r>
+            <a:r>
+              <a:rPr lang="en-US" sz="8000" dirty="0"/>
+              <a:t>using </a:t>
+            </a:r>
+            <a:r>
+              <a:rPr lang="en-US" sz="8000" dirty="0" err="1"/>
+              <a:t>VirtualBox</a:t>
+            </a:r>
+            <a:endParaRPr lang="en-US" sz="8000" dirty="0"/>
           </a:p>
           <a:p>
             <a:pPr marL="0" indent="0">
+              <a:spcBef>
+                <a:spcPts val="0"/>
+              </a:spcBef>
               <a:buNone/>
             </a:pPr>
             <a:r>
-              <a:rPr lang="en-US" dirty="0" err="1" smtClean="0"/>
+              <a:rPr lang="en-US" sz="8000" dirty="0" err="1" smtClean="0"/>
               <a:t>config.vm.provider</a:t>
             </a:r>
             <a:r>
-              <a:rPr lang="en-US" dirty="0" smtClean="0"/>
+              <a:rPr lang="en-US" sz="8000" dirty="0" smtClean="0"/>
               <a:t> </a:t>
             </a:r>
             <a:r>
-              <a:rPr lang="en-US" dirty="0"/>
+              <a:rPr lang="en-US" sz="8000" dirty="0"/>
               <a:t>:</a:t>
             </a:r>
             <a:r>
-              <a:rPr lang="en-US" dirty="0" err="1"/>
-              <a:t>vmware_fusion</a:t>
-            </a:r>
-            <a:r>
-              <a:rPr lang="en-US" dirty="0"/>
-              <a:t> do |v|</a:t>
+              <a:rPr lang="en-US" sz="8000" dirty="0" err="1"/>
+              <a:t>virtualbox</a:t>
+            </a:r>
+            <a:r>
+              <a:rPr lang="en-US" sz="8000" dirty="0"/>
+              <a:t> do |</a:t>
+            </a:r>
+            <a:r>
+              <a:rPr lang="en-US" sz="8000" dirty="0" err="1"/>
+              <a:t>vbox</a:t>
+            </a:r>
+            <a:r>
+              <a:rPr lang="en-US" sz="8000" dirty="0"/>
+              <a:t>|</a:t>
             </a:r>
           </a:p>
           <a:p>
             <a:pPr marL="0" indent="0">
+              <a:spcBef>
+                <a:spcPts val="0"/>
+              </a:spcBef>
               <a:buNone/>
             </a:pPr>
             <a:r>
-              <a:rPr lang="en-US" dirty="0"/>
+              <a:rPr lang="en-US" sz="8000" dirty="0"/>
               <a:t>     </a:t>
             </a:r>
             <a:r>
-              <a:rPr lang="en-US" dirty="0" smtClean="0"/>
+              <a:rPr lang="en-US" sz="8000" dirty="0" err="1" smtClean="0"/>
+              <a:t>vbox.customize</a:t>
+            </a:r>
+            <a:r>
+              <a:rPr lang="en-US" sz="8000" dirty="0" smtClean="0"/>
               <a:t> </a:t>
             </a:r>
             <a:r>
-              <a:rPr lang="en-US" dirty="0" err="1"/>
-              <a:t>v.vmx</a:t>
-            </a:r>
-            <a:r>
-              <a:rPr lang="en-US" dirty="0"/>
+              <a:rPr lang="en-US" sz="8000" dirty="0"/>
               <a:t>["</a:t>
             </a:r>
             <a:r>
-              <a:rPr lang="en-US" dirty="0" err="1"/>
-              <a:t>memsize</a:t>
-            </a:r>
-            <a:r>
-              <a:rPr lang="en-US" dirty="0"/>
-              <a:t>"] = 1024</a:t>
+              <a:rPr lang="en-US" sz="8000" dirty="0" err="1"/>
+              <a:t>modifyvm</a:t>
+            </a:r>
+            <a:r>
+              <a:rPr lang="en-US" sz="8000" dirty="0"/>
+              <a:t>", :id, "--memory", 1024]</a:t>
             </a:r>
           </a:p>
           <a:p>
             <a:pPr marL="0" indent="0">
+              <a:spcBef>
+                <a:spcPts val="0"/>
+              </a:spcBef>
               <a:buNone/>
             </a:pPr>
             <a:r>
-              <a:rPr lang="en-US" dirty="0" smtClean="0"/>
+              <a:rPr lang="en-US" sz="8000" dirty="0" smtClean="0"/>
               <a:t>end</a:t>
             </a:r>
-            <a:endParaRPr lang="en-US" dirty="0"/>
-          </a:p>
-          <a:p>
-            <a:pPr marL="0" indent="0">
-              <a:buNone/>
+          </a:p>
+          <a:p>
+            <a:pPr>
+              <a:spcBef>
+                <a:spcPts val="0"/>
+              </a:spcBef>
             </a:pPr>
-            <a:r>
-              <a:rPr lang="en-US" dirty="0" smtClean="0"/>
-              <a:t># </a:t>
-            </a:r>
-            <a:r>
-              <a:rPr lang="en-US" dirty="0"/>
-              <a:t>Otherwise using </a:t>
-            </a:r>
-            <a:r>
-              <a:rPr lang="en-US" dirty="0" err="1"/>
-              <a:t>VirtualBox</a:t>
-            </a:r>
-            <a:endParaRPr lang="en-US" dirty="0"/>
-          </a:p>
-          <a:p>
-            <a:pPr marL="0" indent="0">
-              <a:buNone/>
-            </a:pPr>
-            <a:r>
-              <a:rPr lang="en-US" dirty="0" err="1" smtClean="0"/>
-              <a:t>config.vm.provider</a:t>
-            </a:r>
-            <a:r>
-              <a:rPr lang="en-US" dirty="0" smtClean="0"/>
-              <a:t> </a:t>
-            </a:r>
-            <a:r>
-              <a:rPr lang="en-US" dirty="0"/>
-              <a:t>:</a:t>
-            </a:r>
-            <a:r>
-              <a:rPr lang="en-US" dirty="0" err="1"/>
-              <a:t>virtualbox</a:t>
-            </a:r>
-            <a:r>
-              <a:rPr lang="en-US" dirty="0"/>
-              <a:t> do |</a:t>
-            </a:r>
-            <a:r>
-              <a:rPr lang="en-US" dirty="0" err="1"/>
-              <a:t>vbox</a:t>
-            </a:r>
-            <a:r>
-              <a:rPr lang="en-US" dirty="0"/>
-              <a:t>|</a:t>
-            </a:r>
-          </a:p>
-          <a:p>
-            <a:pPr marL="0" indent="0">
-              <a:buNone/>
-            </a:pPr>
-            <a:r>
-              <a:rPr lang="en-US" dirty="0"/>
-              <a:t>     </a:t>
-            </a:r>
-            <a:r>
-              <a:rPr lang="en-US" dirty="0" err="1" smtClean="0"/>
-              <a:t>vbox.customize</a:t>
-            </a:r>
-            <a:r>
-              <a:rPr lang="en-US" dirty="0" smtClean="0"/>
-              <a:t> </a:t>
-            </a:r>
-            <a:r>
-              <a:rPr lang="en-US" dirty="0"/>
-              <a:t>["</a:t>
-            </a:r>
-            <a:r>
-              <a:rPr lang="en-US" dirty="0" err="1"/>
-              <a:t>modifyvm</a:t>
-            </a:r>
-            <a:r>
-              <a:rPr lang="en-US" dirty="0"/>
-              <a:t>", :id, "--memory", 1024]</a:t>
-            </a:r>
-          </a:p>
-          <a:p>
-            <a:pPr marL="0" indent="0">
-              <a:buNone/>
-            </a:pPr>
-            <a:r>
-              <a:rPr lang="en-US" dirty="0" smtClean="0"/>
-              <a:t>end</a:t>
-            </a:r>
-          </a:p>
-          <a:p>
             <a:endParaRPr lang="en-US" dirty="0"/>
           </a:p>
         </p:txBody>
@@ -4515,6 +5259,35 @@
         <p:txBody>
           <a:bodyPr/>
           <a:lstStyle/>
+          <a:p>
+            <a:r>
+              <a:rPr lang="en-US" dirty="0" smtClean="0"/>
+              <a:t>Share files between VMs.</a:t>
+            </a:r>
+          </a:p>
+          <a:p>
+            <a:pPr lvl="1"/>
+            <a:r>
+              <a:rPr lang="en-US" dirty="0" smtClean="0"/>
+              <a:t>The </a:t>
+            </a:r>
+            <a:r>
+              <a:rPr lang="en-US" dirty="0" err="1" smtClean="0"/>
+              <a:t>Vagrantfile’s</a:t>
+            </a:r>
+            <a:r>
+              <a:rPr lang="en-US" dirty="0" smtClean="0"/>
+              <a:t> folder is mounted to </a:t>
+            </a:r>
+            <a:r>
+              <a:rPr lang="en-US" b="1" dirty="0" smtClean="0"/>
+              <a:t>/vagrant</a:t>
+            </a:r>
+            <a:r>
+              <a:rPr lang="en-US" dirty="0" smtClean="0"/>
+              <a:t> on each VM</a:t>
+            </a:r>
+          </a:p>
           <a:p>
             <a:r>
               <a:rPr lang="en-US" dirty="0" smtClean="0"/>
@@ -4698,7 +5471,12 @@
             <p:ph idx="1"/>
           </p:nvPr>
         </p:nvSpPr>
-        <p:spPr/>
+        <p:spPr>
+          <a:xfrm>
+            <a:off x="549275" y="1200151"/>
+            <a:ext cx="8453890" cy="3257550"/>
+          </a:xfrm>
+        </p:spPr>
         <p:txBody>
           <a:bodyPr>
             <a:noAutofit/>
@@ -4706,143 +5484,138 @@
           <a:lstStyle/>
           <a:p>
             <a:r>
-              <a:rPr lang="en-US" sz="2400" dirty="0" smtClean="0"/>
+              <a:rPr lang="en-US" sz="1800" dirty="0" smtClean="0"/>
               <a:t>Vagrant Site</a:t>
             </a:r>
             <a:r>
-              <a:rPr lang="en-US" sz="2400" dirty="0"/>
+              <a:rPr lang="en-US" sz="1800" dirty="0"/>
               <a:t>: </a:t>
             </a:r>
             <a:r>
-              <a:rPr lang="en-US" sz="2400" dirty="0">
+              <a:rPr lang="en-US" sz="1800" dirty="0">
                 <a:hlinkClick r:id="rId2"/>
               </a:rPr>
               <a:t>http://docs.vagrantup.com/v2</a:t>
             </a:r>
             <a:r>
-              <a:rPr lang="en-US" sz="2400" dirty="0" smtClean="0">
+              <a:rPr lang="en-US" sz="1800" dirty="0" smtClean="0">
                 <a:hlinkClick r:id="rId2"/>
               </a:rPr>
               <a:t>/</a:t>
             </a:r>
-            <a:endParaRPr lang="en-US" sz="2400" dirty="0"/>
-          </a:p>
-          <a:p>
-            <a:r>
-              <a:rPr lang="en-US" sz="2400" dirty="0" smtClean="0"/>
+            <a:endParaRPr lang="en-US" sz="1800" dirty="0"/>
+          </a:p>
+          <a:p>
+            <a:r>
+              <a:rPr lang="en-US" sz="1800" dirty="0" smtClean="0"/>
               <a:t>Google Groups: </a:t>
             </a:r>
             <a:r>
-              <a:rPr lang="en-US" sz="2400" dirty="0" smtClean="0">
+              <a:rPr lang="en-US" sz="1800" dirty="0" smtClean="0">
                 <a:hlinkClick r:id="rId3"/>
               </a:rPr>
               <a:t>https</a:t>
             </a:r>
             <a:r>
-              <a:rPr lang="en-US" sz="2400" dirty="0">
+              <a:rPr lang="en-US" sz="1800" dirty="0">
                 <a:hlinkClick r:id="rId3"/>
               </a:rPr>
               <a:t>://groups.google.com/forum/#!forum/vagrant-</a:t>
             </a:r>
             <a:r>
-              <a:rPr lang="en-US" sz="2400" dirty="0" smtClean="0">
+              <a:rPr lang="en-US" sz="1800" dirty="0" smtClean="0">
                 <a:hlinkClick r:id="rId3"/>
               </a:rPr>
               <a:t>up</a:t>
             </a:r>
-            <a:endParaRPr lang="en-US" sz="2400" dirty="0" smtClean="0"/>
-          </a:p>
-          <a:p>
-            <a:r>
-              <a:rPr lang="en-US" sz="2400" dirty="0" smtClean="0"/>
+            <a:endParaRPr lang="en-US" sz="1800" dirty="0" smtClean="0"/>
+          </a:p>
+          <a:p>
+            <a:r>
+              <a:rPr lang="en-US" sz="1800" dirty="0" smtClean="0"/>
               <a:t>IRC</a:t>
             </a:r>
             <a:r>
-              <a:rPr lang="en-US" sz="2400" dirty="0"/>
+              <a:rPr lang="en-US" sz="1800" dirty="0"/>
               <a:t>: #vagrant on </a:t>
             </a:r>
             <a:r>
-              <a:rPr lang="en-US" sz="2400" dirty="0" err="1" smtClean="0"/>
+              <a:rPr lang="en-US" sz="1800" dirty="0" err="1" smtClean="0"/>
               <a:t>Freenode</a:t>
             </a:r>
-            <a:endParaRPr lang="en-US" sz="2400" dirty="0" smtClean="0"/>
-          </a:p>
-          <a:p>
-            <a:r>
-              <a:rPr lang="en-US" sz="2400" dirty="0" err="1" smtClean="0"/>
+            <a:endParaRPr lang="en-US" sz="1800" dirty="0" smtClean="0"/>
+          </a:p>
+          <a:p>
+            <a:r>
+              <a:rPr lang="en-US" sz="1800" dirty="0" err="1" smtClean="0"/>
               <a:t>GitHub</a:t>
             </a:r>
             <a:r>
-              <a:rPr lang="en-US" sz="2400" dirty="0" smtClean="0"/>
+              <a:rPr lang="en-US" sz="1800" dirty="0" smtClean="0"/>
               <a:t> (Check out </a:t>
             </a:r>
             <a:r>
-              <a:rPr lang="en-US" sz="2400" dirty="0" err="1" smtClean="0"/>
+              <a:rPr lang="en-US" sz="1800" dirty="0" err="1" smtClean="0"/>
               <a:t>bunchc</a:t>
             </a:r>
             <a:r>
-              <a:rPr lang="en-US" sz="2400" dirty="0"/>
+              <a:rPr lang="en-US" sz="1800" dirty="0"/>
               <a:t>, </a:t>
             </a:r>
             <a:r>
-              <a:rPr lang="en-US" sz="2400" dirty="0" err="1" smtClean="0"/>
+              <a:rPr lang="en-US" sz="1800" dirty="0" err="1" smtClean="0"/>
               <a:t>bodepd</a:t>
             </a:r>
             <a:r>
-              <a:rPr lang="en-US" sz="2400" dirty="0"/>
+              <a:rPr lang="en-US" sz="1800" dirty="0"/>
               <a:t>, </a:t>
             </a:r>
             <a:r>
-              <a:rPr lang="en-US" sz="2400" dirty="0" err="1" smtClean="0"/>
+              <a:rPr lang="en-US" sz="1800" dirty="0" err="1" smtClean="0"/>
               <a:t>ody</a:t>
             </a:r>
             <a:r>
-              <a:rPr lang="en-US" sz="2400" dirty="0" smtClean="0"/>
+              <a:rPr lang="en-US" sz="1800" dirty="0" smtClean="0"/>
               <a:t>, </a:t>
             </a:r>
             <a:r>
-              <a:rPr lang="en-US" sz="2400" dirty="0" err="1" smtClean="0"/>
+              <a:rPr lang="en-US" sz="1800" dirty="0" err="1" smtClean="0"/>
               <a:t>etc</a:t>
             </a:r>
             <a:r>
-              <a:rPr lang="en-US" sz="2400" dirty="0" smtClean="0"/>
+              <a:rPr lang="en-US" sz="1800" dirty="0" smtClean="0"/>
               <a:t>)</a:t>
             </a:r>
-            <a:endParaRPr lang="en-US" sz="2400" dirty="0" smtClean="0"/>
-          </a:p>
-          <a:p>
-            <a:r>
-              <a:rPr lang="en-US" sz="2400" dirty="0" smtClean="0"/>
+          </a:p>
+          <a:p>
+            <a:r>
+              <a:rPr lang="en-US" sz="1800" dirty="0" smtClean="0"/>
               <a:t>For Fusion-related tips, I post them as I find them:</a:t>
             </a:r>
-            <a:endParaRPr lang="en-US" sz="2400" dirty="0"/>
+            <a:endParaRPr lang="en-US" sz="1800" dirty="0"/>
           </a:p>
           <a:p>
             <a:pPr lvl="1"/>
             <a:r>
-              <a:rPr lang="en-US" sz="2000" dirty="0">
+              <a:rPr lang="en-US" sz="1800" dirty="0">
                 <a:hlinkClick r:id="rId4"/>
               </a:rPr>
               <a:t>http://vmtrooper.com/category/automation/vagrant</a:t>
             </a:r>
             <a:r>
-              <a:rPr lang="en-US" sz="2000" dirty="0" smtClean="0">
+              <a:rPr lang="en-US" sz="1800" dirty="0" smtClean="0">
                 <a:hlinkClick r:id="rId4"/>
               </a:rPr>
               <a:t>/</a:t>
             </a:r>
-            <a:endParaRPr lang="en-US" sz="2000" dirty="0" smtClean="0"/>
-          </a:p>
-          <a:p>
-            <a:r>
-              <a:rPr lang="en-US" sz="2400" dirty="0" smtClean="0"/>
-              <a:t>Mitchell’s </a:t>
-            </a:r>
-            <a:r>
-              <a:rPr lang="en-US" sz="2400" dirty="0" smtClean="0"/>
-              <a:t>Book</a:t>
-            </a:r>
-            <a:endParaRPr lang="en-US" sz="2400" dirty="0"/>
+            <a:endParaRPr lang="en-US" sz="1800" dirty="0" smtClean="0"/>
+          </a:p>
+          <a:p>
+            <a:r>
+              <a:rPr lang="en-US" sz="1800" dirty="0" smtClean="0"/>
+              <a:t>Mitchell’s Book</a:t>
+            </a:r>
+            <a:endParaRPr lang="en-US" sz="1800" dirty="0"/>
           </a:p>
         </p:txBody>
       </p:sp>
@@ -4862,7 +5635,7 @@
         </p:blipFill>
         <p:spPr>
           <a:xfrm>
-            <a:off x="2944168" y="4119417"/>
+            <a:off x="2944169" y="4119419"/>
             <a:ext cx="792361" cy="1039843"/>
           </a:xfrm>
           <a:prstGeom prst="rect">
@@ -4943,7 +5716,7 @@
         <p:spPr/>
         <p:txBody>
           <a:bodyPr>
-            <a:normAutofit fontScale="92500" lnSpcReduction="10000"/>
+            <a:normAutofit lnSpcReduction="10000"/>
           </a:bodyPr>
           <a:lstStyle/>
           <a:p>
@@ -5110,11 +5883,7 @@
             <a:pPr lvl="1"/>
             <a:r>
               <a:rPr lang="en-US" dirty="0" smtClean="0"/>
-              <a:t>Build </a:t>
-            </a:r>
-            <a:r>
-              <a:rPr lang="en-US" dirty="0" smtClean="0"/>
-              <a:t>your own (AWS, Rackspace, etc.)</a:t>
+              <a:t>Build your own (AWS, Rackspace, etc.)</a:t>
             </a:r>
             <a:endParaRPr lang="en-US" dirty="0"/>
           </a:p>
@@ -5278,53 +6047,55 @@
         <p:spPr/>
         <p:txBody>
           <a:bodyPr>
-            <a:normAutofit lnSpcReduction="10000"/>
+            <a:normAutofit/>
           </a:bodyPr>
           <a:lstStyle/>
           <a:p>
             <a:r>
-              <a:rPr lang="en-US" dirty="0" smtClean="0"/>
-              <a:t>VMware Fusion: </a:t>
+              <a:rPr lang="en-US" dirty="0" err="1" smtClean="0"/>
+              <a:t>VirtualBox</a:t>
+            </a:r>
+            <a:r>
+              <a:rPr lang="en-US" dirty="0" smtClean="0"/>
+              <a:t>: </a:t>
+            </a:r>
+            <a:r>
+              <a:rPr lang="en-US" dirty="0">
+                <a:hlinkClick r:id="rId3"/>
+              </a:rPr>
+              <a:t>http://files.vagrantup.com/</a:t>
             </a:r>
             <a:r>
               <a:rPr lang="en-US" dirty="0" smtClean="0">
                 <a:hlinkClick r:id="rId3"/>
               </a:rPr>
-              <a:t>http://files.vagrantup.com/precise64_vmware.box</a:t>
+              <a:t>precise64.</a:t>
+            </a:r>
+            <a:r>
+              <a:rPr lang="en-US" dirty="0" smtClean="0">
+                <a:hlinkClick r:id="rId3"/>
+              </a:rPr>
+              <a:t>box</a:t>
             </a:r>
             <a:endParaRPr lang="en-US" dirty="0" smtClean="0"/>
           </a:p>
           <a:p>
             <a:r>
-              <a:rPr lang="en-US" dirty="0" err="1" smtClean="0"/>
-              <a:t>VirtualBox</a:t>
-            </a:r>
-            <a:r>
-              <a:rPr lang="en-US" dirty="0" smtClean="0"/>
-              <a:t>: </a:t>
+              <a:rPr lang="en-US" dirty="0"/>
+              <a:t>VMware Fusion: </a:t>
             </a:r>
             <a:r>
               <a:rPr lang="en-US" dirty="0">
                 <a:hlinkClick r:id="rId4"/>
               </a:rPr>
-              <a:t>http://files.vagrantup.com/</a:t>
-            </a:r>
-            <a:r>
-              <a:rPr lang="en-US" dirty="0" smtClean="0">
-                <a:hlinkClick r:id="rId4"/>
-              </a:rPr>
-              <a:t>precise64.box</a:t>
+              <a:t>http://files.vagrantup.com/precise64_vmware.box</a:t>
             </a:r>
             <a:endParaRPr lang="en-US" dirty="0"/>
           </a:p>
           <a:p>
             <a:r>
               <a:rPr lang="en-US" dirty="0" smtClean="0"/>
-              <a:t>Build </a:t>
-            </a:r>
-            <a:r>
-              <a:rPr lang="en-US" dirty="0" smtClean="0"/>
-              <a:t>your own or use others: </a:t>
+              <a:t>Build your own or use others: </a:t>
             </a:r>
             <a:r>
               <a:rPr lang="en-US" dirty="0" smtClean="0">
@@ -5423,7 +6194,11 @@
             </a:pPr>
             <a:r>
               <a:rPr lang="en-US" dirty="0" smtClean="0"/>
-              <a:t>Terminal Window in the directory for your test lab:</a:t>
+              <a:t>Open a Terminal </a:t>
+            </a:r>
+            <a:r>
+              <a:rPr lang="en-US" dirty="0" smtClean="0"/>
+              <a:t>Window in the directory for your test lab:</a:t>
             </a:r>
           </a:p>
           <a:p>
@@ -5617,15 +6392,15 @@
               </a:ext>
             </a:extLst>
           </a:blip>
-          <a:srcRect l="-27994" r="-27994"/>
+          <a:srcRect l="-29413" r="-29413"/>
           <a:stretch>
             <a:fillRect/>
           </a:stretch>
         </p:blipFill>
         <p:spPr>
           <a:xfrm>
-            <a:off x="457200" y="1200151"/>
-            <a:ext cx="8229600" cy="3394075"/>
+            <a:off x="549275" y="1200150"/>
+            <a:ext cx="8042275" cy="3257550"/>
           </a:xfrm>
         </p:spPr>
       </p:pic>
@@ -5707,7 +6482,6 @@
               <a:rPr lang="en-US" dirty="0" smtClean="0"/>
               <a:t>Customize Your VM</a:t>
             </a:r>
-            <a:endParaRPr lang="en-US" dirty="0" smtClean="0"/>
           </a:p>
           <a:p>
             <a:r>
@@ -5748,9 +6522,9 @@
 </file>
 
 <file path=ppt/theme/theme1.xml><?xml version="1.0" encoding="utf-8"?>
-<a:theme xmlns:a="http://schemas.openxmlformats.org/drawingml/2006/main" name="Office Theme">
+<a:theme xmlns:a="http://schemas.openxmlformats.org/drawingml/2006/main" name="Breeze">
   <a:themeElements>
-    <a:clrScheme name="Office">
+    <a:clrScheme name="Breeze">
       <a:dk1>
         <a:sysClr val="windowText" lastClr="000000"/>
       </a:dk1>
@@ -5758,158 +6532,107 @@
         <a:sysClr val="window" lastClr="FFFFFF"/>
       </a:lt1>
       <a:dk2>
-        <a:srgbClr val="1F497D"/>
+        <a:srgbClr val="09213B"/>
       </a:dk2>
       <a:lt2>
-        <a:srgbClr val="EEECE1"/>
+        <a:srgbClr val="D5EDF4"/>
       </a:lt2>
       <a:accent1>
-        <a:srgbClr val="4F81BD"/>
+        <a:srgbClr val="2C7C9F"/>
       </a:accent1>
       <a:accent2>
-        <a:srgbClr val="C0504D"/>
+        <a:srgbClr val="244A58"/>
       </a:accent2>
       <a:accent3>
-        <a:srgbClr val="9BBB59"/>
+        <a:srgbClr val="E2751D"/>
       </a:accent3>
       <a:accent4>
-        <a:srgbClr val="8064A2"/>
+        <a:srgbClr val="FFB400"/>
       </a:accent4>
       <a:accent5>
-        <a:srgbClr val="4BACC6"/>
+        <a:srgbClr val="7EB606"/>
       </a:accent5>
       <a:accent6>
-        <a:srgbClr val="F79646"/>
+        <a:srgbClr val="C00000"/>
       </a:accent6>
       <a:hlink>
-        <a:srgbClr val="0000FF"/>
+        <a:srgbClr val="7030A0"/>
       </a:hlink>
       <a:folHlink>
-        <a:srgbClr val="800080"/>
+        <a:srgbClr val="00B0F0"/>
       </a:folHlink>
     </a:clrScheme>
-    <a:fontScheme name="Office">
+    <a:fontScheme name="Breeze">
       <a:majorFont>
-        <a:latin typeface="Calibri"/>
+        <a:latin typeface="News Gothic MT"/>
         <a:ea typeface=""/>
         <a:cs typeface=""/>
         <a:font script="Jpan" typeface="ＭＳ Ｐゴシック"/>
-        <a:font script="Hang" typeface="맑은 고딕"/>
         <a:font script="Hans" typeface="宋体"/>
         <a:font script="Hant" typeface="新細明體"/>
-        <a:font script="Arab" typeface="Times New Roman"/>
-        <a:font script="Hebr" typeface="Times New Roman"/>
-        <a:font script="Thai" typeface="Angsana New"/>
-        <a:font script="Ethi" typeface="Nyala"/>
-        <a:font script="Beng" typeface="Vrinda"/>
-        <a:font script="Gujr" typeface="Shruti"/>
-        <a:font script="Khmr" typeface="MoolBoran"/>
-        <a:font script="Knda" typeface="Tunga"/>
-        <a:font script="Guru" typeface="Raavi"/>
-        <a:font script="Cans" typeface="Euphemia"/>
-        <a:font script="Cher" typeface="Plantagenet Cherokee"/>
-        <a:font script="Yiii" typeface="Microsoft Yi Baiti"/>
-        <a:font script="Tibt" typeface="Microsoft Himalaya"/>
-        <a:font script="Thaa" typeface="MV Boli"/>
-        <a:font script="Deva" typeface="Mangal"/>
-        <a:font script="Telu" typeface="Gautami"/>
-        <a:font script="Taml" typeface="Latha"/>
-        <a:font script="Syrc" typeface="Estrangelo Edessa"/>
-        <a:font script="Orya" typeface="Kalinga"/>
-        <a:font script="Mlym" typeface="Kartika"/>
-        <a:font script="Laoo" typeface="DokChampa"/>
-        <a:font script="Sinh" typeface="Iskoola Pota"/>
-        <a:font script="Mong" typeface="Mongolian Baiti"/>
-        <a:font script="Viet" typeface="Times New Roman"/>
-        <a:font script="Uigh" typeface="Microsoft Uighur"/>
-        <a:font script="Geor" typeface="Sylfaen"/>
       </a:majorFont>
       <a:minorFont>
-        <a:latin typeface="Calibri"/>
+        <a:latin typeface="News Gothic MT"/>
         <a:ea typeface=""/>
         <a:cs typeface=""/>
         <a:font script="Jpan" typeface="ＭＳ Ｐゴシック"/>
-        <a:font script="Hang" typeface="맑은 고딕"/>
         <a:font script="Hans" typeface="宋体"/>
         <a:font script="Hant" typeface="新細明體"/>
-        <a:font script="Arab" typeface="Arial"/>
-        <a:font script="Hebr" typeface="Arial"/>
-        <a:font script="Thai" typeface="Cordia New"/>
-        <a:font script="Ethi" typeface="Nyala"/>
-        <a:font script="Beng" typeface="Vrinda"/>
-        <a:font script="Gujr" typeface="Shruti"/>
-        <a:font script="Khmr" typeface="DaunPenh"/>
-        <a:font script="Knda" typeface="Tunga"/>
-        <a:font script="Guru" typeface="Raavi"/>
-        <a:font script="Cans" typeface="Euphemia"/>
-        <a:font script="Cher" typeface="Plantagenet Cherokee"/>
-        <a:font script="Yiii" typeface="Microsoft Yi Baiti"/>
-        <a:font script="Tibt" typeface="Microsoft Himalaya"/>
-        <a:font script="Thaa" typeface="MV Boli"/>
-        <a:font script="Deva" typeface="Mangal"/>
-        <a:font script="Telu" typeface="Gautami"/>
-        <a:font script="Taml" typeface="Latha"/>
-        <a:font script="Syrc" typeface="Estrangelo Edessa"/>
-        <a:font script="Orya" typeface="Kalinga"/>
-        <a:font script="Mlym" typeface="Kartika"/>
-        <a:font script="Laoo" typeface="DokChampa"/>
-        <a:font script="Sinh" typeface="Iskoola Pota"/>
-        <a:font script="Mong" typeface="Mongolian Baiti"/>
-        <a:font script="Viet" typeface="Arial"/>
-        <a:font script="Uigh" typeface="Microsoft Uighur"/>
-        <a:font script="Geor" typeface="Sylfaen"/>
       </a:minorFont>
     </a:fontScheme>
-    <a:fmtScheme name="Office">
+    <a:fmtScheme name="Breeze">
       <a:fillStyleLst>
         <a:solidFill>
           <a:schemeClr val="phClr"/>
         </a:solidFill>
         <a:gradFill rotWithShape="1">
           <a:gsLst>
-            <a:gs pos="0">
+            <a:gs pos="31000">
               <a:schemeClr val="phClr">
-                <a:tint val="50000"/>
-                <a:satMod val="300000"/>
-              </a:schemeClr>
-            </a:gs>
-            <a:gs pos="35000">
-              <a:schemeClr val="phClr">
-                <a:tint val="37000"/>
-                <a:satMod val="300000"/>
+                <a:tint val="100000"/>
+                <a:shade val="100000"/>
+                <a:satMod val="120000"/>
               </a:schemeClr>
             </a:gs>
             <a:gs pos="100000">
               <a:schemeClr val="phClr">
-                <a:tint val="15000"/>
-                <a:satMod val="350000"/>
+                <a:tint val="50000"/>
+                <a:satMod val="150000"/>
               </a:schemeClr>
             </a:gs>
           </a:gsLst>
-          <a:lin ang="16200000" scaled="1"/>
+          <a:lin ang="5400000" scaled="1"/>
         </a:gradFill>
         <a:gradFill rotWithShape="1">
           <a:gsLst>
             <a:gs pos="0">
               <a:schemeClr val="phClr">
-                <a:tint val="100000"/>
                 <a:shade val="100000"/>
-                <a:satMod val="130000"/>
+                <a:satMod val="120000"/>
+              </a:schemeClr>
+            </a:gs>
+            <a:gs pos="69000">
+              <a:schemeClr val="phClr">
+                <a:tint val="80000"/>
+                <a:shade val="100000"/>
+                <a:satMod val="150000"/>
               </a:schemeClr>
             </a:gs>
             <a:gs pos="100000">
               <a:schemeClr val="phClr">
                 <a:tint val="50000"/>
                 <a:shade val="100000"/>
-                <a:satMod val="350000"/>
+                <a:satMod val="150000"/>
               </a:schemeClr>
             </a:gs>
           </a:gsLst>
-          <a:lin ang="16200000" scaled="0"/>
+          <a:path path="circle">
+            <a:fillToRect l="100000" t="100000" r="100000" b="100000"/>
+          </a:path>
         </a:gradFill>
       </a:fillStyleLst>
       <a:lnStyleLst>
-        <a:ln w="9525" cap="flat" cmpd="sng" algn="ctr">
+        <a:ln w="12700" cap="flat" cmpd="sng" algn="ctr">
           <a:solidFill>
             <a:schemeClr val="phClr">
               <a:shade val="95000"/>
@@ -5918,13 +6641,13 @@
           </a:solidFill>
           <a:prstDash val="solid"/>
         </a:ln>
-        <a:ln w="25400" cap="flat" cmpd="sng" algn="ctr">
+        <a:ln w="25400" cap="flat" cmpd="dbl" algn="ctr">
           <a:solidFill>
             <a:schemeClr val="phClr"/>
           </a:solidFill>
           <a:prstDash val="solid"/>
         </a:ln>
-        <a:ln w="38100" cap="flat" cmpd="sng" algn="ctr">
+        <a:ln w="31750" cap="flat" cmpd="dbl" algn="ctr">
           <a:solidFill>
             <a:schemeClr val="phClr"/>
           </a:solidFill>
@@ -5933,41 +6656,38 @@
       </a:lnStyleLst>
       <a:effectStyleLst>
         <a:effectStyle>
+          <a:effectLst/>
+        </a:effectStyle>
+        <a:effectStyle>
           <a:effectLst>
-            <a:outerShdw blurRad="40000" dist="20000" dir="5400000" rotWithShape="0">
+            <a:outerShdw blurRad="63500" dist="25400" dir="5400000" sx="101000" sy="101000" rotWithShape="0">
               <a:srgbClr val="000000">
-                <a:alpha val="38000"/>
+                <a:alpha val="40000"/>
               </a:srgbClr>
             </a:outerShdw>
           </a:effectLst>
         </a:effectStyle>
         <a:effectStyle>
           <a:effectLst>
-            <a:outerShdw blurRad="40000" dist="23000" dir="5400000" rotWithShape="0">
-              <a:srgbClr val="000000">
-                <a:alpha val="35000"/>
+            <a:innerShdw blurRad="127000" dist="25400" dir="13500000">
+              <a:srgbClr val="C0C0C0">
+                <a:alpha val="75000"/>
               </a:srgbClr>
-            </a:outerShdw>
-          </a:effectLst>
-        </a:effectStyle>
-        <a:effectStyle>
-          <a:effectLst>
-            <a:outerShdw blurRad="40000" dist="23000" dir="5400000" rotWithShape="0">
-              <a:srgbClr val="000000">
-                <a:alpha val="35000"/>
+            </a:innerShdw>
+            <a:outerShdw blurRad="88900" dist="25400" dir="5400000" sx="102000" sy="102000" algn="ctr" rotWithShape="0">
+              <a:srgbClr val="C0C0C0">
+                <a:alpha val="40000"/>
               </a:srgbClr>
             </a:outerShdw>
           </a:effectLst>
           <a:scene3d>
-            <a:camera prst="orthographicFront">
-              <a:rot lat="0" lon="0" rev="0"/>
-            </a:camera>
-            <a:lightRig rig="threePt" dir="t">
-              <a:rot lat="0" lon="0" rev="1200000"/>
+            <a:camera prst="perspectiveLeft" fov="300000"/>
+            <a:lightRig rig="soft" dir="l">
+              <a:rot lat="0" lon="0" rev="4200000"/>
             </a:lightRig>
           </a:scene3d>
-          <a:sp3d>
-            <a:bevelT w="63500" h="25400"/>
+          <a:sp3d extrusionH="38100" prstMaterial="powder">
+            <a:bevelT w="50800" h="88900" prst="convex"/>
           </a:sp3d>
         </a:effectStyle>
       </a:effectStyleLst>
@@ -6001,33 +6721,33 @@
             <a:fillToRect l="50000" t="-80000" r="50000" b="180000"/>
           </a:path>
         </a:gradFill>
-        <a:gradFill rotWithShape="1">
-          <a:gsLst>
-            <a:gs pos="0">
+        <a:blipFill rotWithShape="1">
+          <a:blip xmlns:r="http://schemas.openxmlformats.org/officeDocument/2006/relationships" r:embed="rId1">
+            <a:duotone>
               <a:schemeClr val="phClr">
-                <a:tint val="80000"/>
-                <a:satMod val="300000"/>
+                <a:shade val="40000"/>
+                <a:satMod val="400000"/>
               </a:schemeClr>
-            </a:gs>
-            <a:gs pos="100000">
               <a:schemeClr val="phClr">
-                <a:shade val="30000"/>
+                <a:tint val="10000"/>
                 <a:satMod val="200000"/>
               </a:schemeClr>
-            </a:gs>
-          </a:gsLst>
-          <a:path path="circle">
-            <a:fillToRect l="50000" t="50000" r="50000" b="50000"/>
-          </a:path>
-        </a:gradFill>
+            </a:duotone>
+          </a:blip>
+          <a:stretch/>
+        </a:blipFill>
       </a:bgFillStyleLst>
     </a:fmtScheme>
   </a:themeElements>
   <a:objectDefaults>
     <a:spDef>
       <a:spPr/>
-      <a:bodyPr/>
-      <a:lstStyle/>
+      <a:bodyPr rtlCol="0" anchor="ctr"/>
+      <a:lstStyle>
+        <a:defPPr algn="ctr">
+          <a:defRPr/>
+        </a:defPPr>
+      </a:lstStyle>
       <a:style>
         <a:lnRef idx="1">
           <a:schemeClr val="accent1"/>

--- a/Vagrant.pptx
+++ b/Vagrant.pptx
@@ -633,7 +633,6 @@
               <a:rPr lang="en-US" dirty="0" smtClean="0"/>
               <a:t>Alternatively first line could be…</a:t>
             </a:r>
-            <a:endParaRPr lang="en-US" dirty="0" smtClean="0"/>
           </a:p>
           <a:p>
             <a:pPr marL="0" marR="0" indent="0" algn="l" defTabSz="457200" rtl="0" eaLnBrk="1" fontAlgn="auto" latinLnBrk="0" hangingPunct="1">
@@ -908,67 +907,6 @@
           <a:chExt cx="0" cy="0"/>
         </a:xfrm>
       </p:grpSpPr>
-      <p:sp>
-        <p:nvSpPr>
-          <p:cNvPr id="7" name="Rectangle 6"/>
-          <p:cNvSpPr/>
-          <p:nvPr/>
-        </p:nvSpPr>
-        <p:spPr>
-          <a:xfrm>
-            <a:off x="1328166" y="971551"/>
-            <a:ext cx="6487668" cy="2364665"/>
-          </a:xfrm>
-          <a:prstGeom prst="rect">
-            <a:avLst/>
-          </a:prstGeom>
-          <a:ln w="3175">
-            <a:solidFill>
-              <a:schemeClr val="bg1"/>
-            </a:solidFill>
-          </a:ln>
-          <a:effectLst>
-            <a:outerShdw blurRad="63500" sx="100500" sy="100500" algn="ctr" rotWithShape="0">
-              <a:prstClr val="black">
-                <a:alpha val="50000"/>
-              </a:prstClr>
-            </a:outerShdw>
-          </a:effectLst>
-        </p:spPr>
-        <p:txBody>
-          <a:bodyPr vert="horz" lIns="91440" tIns="45720" rIns="91440" bIns="45720" rtlCol="0">
-            <a:normAutofit/>
-          </a:bodyPr>
-          <a:lstStyle/>
-          <a:p>
-            <a:pPr marL="0" indent="0" algn="l" defTabSz="914400" rtl="0" eaLnBrk="1" latinLnBrk="0" hangingPunct="1">
-              <a:spcBef>
-                <a:spcPts val="2000"/>
-              </a:spcBef>
-              <a:buClr>
-                <a:schemeClr val="accent1">
-                  <a:lumMod val="60000"/>
-                  <a:lumOff val="40000"/>
-                </a:schemeClr>
-              </a:buClr>
-              <a:buSzPct val="110000"/>
-              <a:buFont typeface="Wingdings 2" pitchFamily="18" charset="2"/>
-              <a:buNone/>
-            </a:pPr>
-            <a:endParaRPr sz="3200" kern="1200">
-              <a:solidFill>
-                <a:schemeClr val="tx1">
-                  <a:lumMod val="65000"/>
-                  <a:lumOff val="35000"/>
-                </a:schemeClr>
-              </a:solidFill>
-              <a:latin typeface="+mn-lt"/>
-              <a:ea typeface="+mn-ea"/>
-              <a:cs typeface="+mn-cs"/>
-            </a:endParaRPr>
-          </a:p>
-        </p:txBody>
-      </p:sp>
       <p:sp>
         <p:nvSpPr>
           <p:cNvPr id="2" name="Title 1"/>
@@ -4884,11 +4822,7 @@
             </a:pPr>
             <a:r>
               <a:rPr lang="en-US" dirty="0" smtClean="0"/>
-              <a:t>NOTE</a:t>
-            </a:r>
-            <a:r>
-              <a:rPr lang="en-US" dirty="0" smtClean="0"/>
-              <a:t>: for NAT addresses (i.e. :</a:t>
+              <a:t>NOTE: for NAT addresses (i.e. :</a:t>
             </a:r>
             <a:r>
               <a:rPr lang="en-US" dirty="0" err="1" smtClean="0"/>
@@ -5087,11 +5021,7 @@
             </a:pPr>
             <a:r>
               <a:rPr lang="en-US" sz="8000" dirty="0" smtClean="0"/>
-              <a:t># </a:t>
-            </a:r>
-            <a:r>
-              <a:rPr lang="en-US" sz="8000" dirty="0" smtClean="0"/>
-              <a:t>If </a:t>
+              <a:t># If </a:t>
             </a:r>
             <a:r>
               <a:rPr lang="en-US" sz="8000" dirty="0"/>
@@ -5794,6 +5724,13 @@
   <p:clrMapOvr>
     <a:masterClrMapping/>
   </p:clrMapOvr>
+  <p:timing>
+    <p:tnLst>
+      <p:par>
+        <p:cTn xmlns:p14="http://schemas.microsoft.com/office/powerpoint/2010/main" id="1" dur="indefinite" restart="never" nodeType="tmRoot"/>
+      </p:par>
+    </p:tnLst>
+  </p:timing>
 </p:sld>
 </file>
 
@@ -6069,13 +6006,7 @@
               <a:rPr lang="en-US" dirty="0" smtClean="0">
                 <a:hlinkClick r:id="rId3"/>
               </a:rPr>
-              <a:t>precise64.</a:t>
-            </a:r>
-            <a:r>
-              <a:rPr lang="en-US" dirty="0" smtClean="0">
-                <a:hlinkClick r:id="rId3"/>
-              </a:rPr>
-              <a:t>box</a:t>
+              <a:t>precise64.box</a:t>
             </a:r>
             <a:endParaRPr lang="en-US" dirty="0" smtClean="0"/>
           </a:p>
@@ -6123,6 +6054,13 @@
   <p:clrMapOvr>
     <a:masterClrMapping/>
   </p:clrMapOvr>
+  <p:timing>
+    <p:tnLst>
+      <p:par>
+        <p:cTn xmlns:p14="http://schemas.microsoft.com/office/powerpoint/2010/main" id="1" dur="indefinite" restart="never" nodeType="tmRoot"/>
+      </p:par>
+    </p:tnLst>
+  </p:timing>
 </p:sld>
 </file>
 
@@ -6194,11 +6132,7 @@
             </a:pPr>
             <a:r>
               <a:rPr lang="en-US" dirty="0" smtClean="0"/>
-              <a:t>Open a Terminal </a:t>
-            </a:r>
-            <a:r>
-              <a:rPr lang="en-US" dirty="0" smtClean="0"/>
-              <a:t>Window in the directory for your test lab:</a:t>
+              <a:t>Open a Terminal Window in the directory for your test lab:</a:t>
             </a:r>
           </a:p>
           <a:p>
@@ -6242,6 +6176,13 @@
   <p:clrMapOvr>
     <a:masterClrMapping/>
   </p:clrMapOvr>
+  <p:timing>
+    <p:tnLst>
+      <p:par>
+        <p:cTn xmlns:p14="http://schemas.microsoft.com/office/powerpoint/2010/main" id="1" dur="indefinite" restart="never" nodeType="tmRoot"/>
+      </p:par>
+    </p:tnLst>
+  </p:timing>
 </p:sld>
 </file>
 
@@ -6331,6 +6272,13 @@
   <p:clrMapOvr>
     <a:masterClrMapping/>
   </p:clrMapOvr>
+  <p:timing>
+    <p:tnLst>
+      <p:par>
+        <p:cTn xmlns:p14="http://schemas.microsoft.com/office/powerpoint/2010/main" id="1" dur="indefinite" restart="never" nodeType="tmRoot"/>
+      </p:par>
+    </p:tnLst>
+  </p:timing>
 </p:sld>
 </file>
 
@@ -6414,6 +6362,13 @@
   <p:clrMapOvr>
     <a:masterClrMapping/>
   </p:clrMapOvr>
+  <p:timing>
+    <p:tnLst>
+      <p:par>
+        <p:cTn xmlns:p14="http://schemas.microsoft.com/office/powerpoint/2010/main" id="1" dur="indefinite" restart="never" nodeType="tmRoot"/>
+      </p:par>
+    </p:tnLst>
+  </p:timing>
 </p:sld>
 </file>
 

--- a/Vagrant.pptx
+++ b/Vagrant.pptx
@@ -4696,6 +4696,13 @@
   <p:clrMapOvr>
     <a:masterClrMapping/>
   </p:clrMapOvr>
+  <p:timing>
+    <p:tnLst>
+      <p:par>
+        <p:cTn xmlns:p14="http://schemas.microsoft.com/office/powerpoint/2010/main" id="1" dur="indefinite" restart="never" nodeType="tmRoot"/>
+      </p:par>
+    </p:tnLst>
+  </p:timing>
 </p:sld>
 </file>
 
@@ -6473,6 +6480,13 @@
   <p:clrMapOvr>
     <a:masterClrMapping/>
   </p:clrMapOvr>
+  <p:timing>
+    <p:tnLst>
+      <p:par>
+        <p:cTn xmlns:p14="http://schemas.microsoft.com/office/powerpoint/2010/main" id="1" dur="indefinite" restart="never" nodeType="tmRoot"/>
+      </p:par>
+    </p:tnLst>
+  </p:timing>
 </p:sld>
 </file>
 

--- a/Vagrant.pptx
+++ b/Vagrant.pptx
@@ -5,7 +5,7 @@
     <p:sldMasterId id="2147483741" r:id="rId1"/>
   </p:sldMasterIdLst>
   <p:notesMasterIdLst>
-    <p:notesMasterId r:id="rId17"/>
+    <p:notesMasterId r:id="rId18"/>
   </p:notesMasterIdLst>
   <p:sldIdLst>
     <p:sldId id="265" r:id="rId2"/>
@@ -19,10 +19,11 @@
     <p:sldId id="263" r:id="rId10"/>
     <p:sldId id="269" r:id="rId11"/>
     <p:sldId id="270" r:id="rId12"/>
-    <p:sldId id="273" r:id="rId13"/>
-    <p:sldId id="271" r:id="rId14"/>
-    <p:sldId id="272" r:id="rId15"/>
-    <p:sldId id="267" r:id="rId16"/>
+    <p:sldId id="274" r:id="rId13"/>
+    <p:sldId id="273" r:id="rId14"/>
+    <p:sldId id="271" r:id="rId15"/>
+    <p:sldId id="272" r:id="rId16"/>
+    <p:sldId id="267" r:id="rId17"/>
   </p:sldIdLst>
   <p:sldSz cx="9144000" cy="5143500" type="screen16x9"/>
   <p:notesSz cx="6858000" cy="9144000"/>
@@ -206,7 +207,7 @@
           <a:p>
             <a:fld id="{B00F5C8E-F62F-C949-B810-B238A690792F}" type="datetimeFigureOut">
               <a:rPr lang="en-US" smtClean="0"/>
-              <a:t>7/9/13</a:t>
+              <a:t>5/6/14</a:t>
             </a:fld>
             <a:endParaRPr lang="en-US"/>
           </a:p>
@@ -501,12 +502,7 @@
             <p:ph type="sldImg"/>
           </p:nvPr>
         </p:nvSpPr>
-        <p:spPr>
-          <a:xfrm>
-            <a:off x="381000" y="685800"/>
-            <a:ext cx="6096000" cy="3429000"/>
-          </a:xfrm>
-        </p:spPr>
+        <p:spPr/>
       </p:sp>
       <p:sp>
         <p:nvSpPr>
@@ -523,7 +519,7 @@
           <a:bodyPr/>
           <a:lstStyle/>
           <a:p>
-            <a:endParaRPr lang="en-US" dirty="0"/>
+            <a:endParaRPr lang="en-US"/>
           </a:p>
         </p:txBody>
       </p:sp>
@@ -544,7 +540,7 @@
           <a:p>
             <a:fld id="{8D55EAEB-36BD-FF4D-B4A1-0D75FFEDD0E3}" type="slidenum">
               <a:rPr lang="en-US" smtClean="0"/>
-              <a:t>5</a:t>
+              <a:t>1</a:t>
             </a:fld>
             <a:endParaRPr lang="en-US"/>
           </a:p>
@@ -553,7 +549,767 @@
     </p:spTree>
     <p:extLst>
       <p:ext uri="{BB962C8B-B14F-4D97-AF65-F5344CB8AC3E}">
-        <p14:creationId xmlns:p14="http://schemas.microsoft.com/office/powerpoint/2010/main" val="3084299111"/>
+        <p14:creationId xmlns:p14="http://schemas.microsoft.com/office/powerpoint/2010/main" val="732841281"/>
+      </p:ext>
+    </p:extLst>
+  </p:cSld>
+  <p:clrMapOvr>
+    <a:masterClrMapping/>
+  </p:clrMapOvr>
+</p:notes>
+</file>
+
+<file path=ppt/notesSlides/notesSlide10.xml><?xml version="1.0" encoding="utf-8"?>
+<p:notes xmlns:a="http://schemas.openxmlformats.org/drawingml/2006/main" xmlns:r="http://schemas.openxmlformats.org/officeDocument/2006/relationships" xmlns:p="http://schemas.openxmlformats.org/presentationml/2006/main">
+  <p:cSld>
+    <p:spTree>
+      <p:nvGrpSpPr>
+        <p:cNvPr id="1" name=""/>
+        <p:cNvGrpSpPr/>
+        <p:nvPr/>
+      </p:nvGrpSpPr>
+      <p:grpSpPr>
+        <a:xfrm>
+          <a:off x="0" y="0"/>
+          <a:ext cx="0" cy="0"/>
+          <a:chOff x="0" y="0"/>
+          <a:chExt cx="0" cy="0"/>
+        </a:xfrm>
+      </p:grpSpPr>
+      <p:sp>
+        <p:nvSpPr>
+          <p:cNvPr id="2" name="Slide Image Placeholder 1"/>
+          <p:cNvSpPr>
+            <a:spLocks noGrp="1" noRot="1" noChangeAspect="1"/>
+          </p:cNvSpPr>
+          <p:nvPr>
+            <p:ph type="sldImg"/>
+          </p:nvPr>
+        </p:nvSpPr>
+        <p:spPr/>
+      </p:sp>
+      <p:sp>
+        <p:nvSpPr>
+          <p:cNvPr id="3" name="Notes Placeholder 2"/>
+          <p:cNvSpPr>
+            <a:spLocks noGrp="1"/>
+          </p:cNvSpPr>
+          <p:nvPr>
+            <p:ph type="body" idx="1"/>
+          </p:nvPr>
+        </p:nvSpPr>
+        <p:spPr/>
+        <p:txBody>
+          <a:bodyPr/>
+          <a:lstStyle/>
+          <a:p>
+            <a:endParaRPr lang="en-US"/>
+          </a:p>
+        </p:txBody>
+      </p:sp>
+      <p:sp>
+        <p:nvSpPr>
+          <p:cNvPr id="4" name="Slide Number Placeholder 3"/>
+          <p:cNvSpPr>
+            <a:spLocks noGrp="1"/>
+          </p:cNvSpPr>
+          <p:nvPr>
+            <p:ph type="sldNum" sz="quarter" idx="10"/>
+          </p:nvPr>
+        </p:nvSpPr>
+        <p:spPr/>
+        <p:txBody>
+          <a:bodyPr/>
+          <a:lstStyle/>
+          <a:p>
+            <a:fld id="{8D55EAEB-36BD-FF4D-B4A1-0D75FFEDD0E3}" type="slidenum">
+              <a:rPr lang="en-US" smtClean="0"/>
+              <a:t>10</a:t>
+            </a:fld>
+            <a:endParaRPr lang="en-US"/>
+          </a:p>
+        </p:txBody>
+      </p:sp>
+    </p:spTree>
+    <p:extLst>
+      <p:ext uri="{BB962C8B-B14F-4D97-AF65-F5344CB8AC3E}">
+        <p14:creationId xmlns:p14="http://schemas.microsoft.com/office/powerpoint/2010/main" val="3373531089"/>
+      </p:ext>
+    </p:extLst>
+  </p:cSld>
+  <p:clrMapOvr>
+    <a:masterClrMapping/>
+  </p:clrMapOvr>
+</p:notes>
+</file>
+
+<file path=ppt/notesSlides/notesSlide11.xml><?xml version="1.0" encoding="utf-8"?>
+<p:notes xmlns:a="http://schemas.openxmlformats.org/drawingml/2006/main" xmlns:r="http://schemas.openxmlformats.org/officeDocument/2006/relationships" xmlns:p="http://schemas.openxmlformats.org/presentationml/2006/main">
+  <p:cSld>
+    <p:spTree>
+      <p:nvGrpSpPr>
+        <p:cNvPr id="1" name=""/>
+        <p:cNvGrpSpPr/>
+        <p:nvPr/>
+      </p:nvGrpSpPr>
+      <p:grpSpPr>
+        <a:xfrm>
+          <a:off x="0" y="0"/>
+          <a:ext cx="0" cy="0"/>
+          <a:chOff x="0" y="0"/>
+          <a:chExt cx="0" cy="0"/>
+        </a:xfrm>
+      </p:grpSpPr>
+      <p:sp>
+        <p:nvSpPr>
+          <p:cNvPr id="2" name="Slide Image Placeholder 1"/>
+          <p:cNvSpPr>
+            <a:spLocks noGrp="1" noRot="1" noChangeAspect="1"/>
+          </p:cNvSpPr>
+          <p:nvPr>
+            <p:ph type="sldImg"/>
+          </p:nvPr>
+        </p:nvSpPr>
+        <p:spPr/>
+      </p:sp>
+      <p:sp>
+        <p:nvSpPr>
+          <p:cNvPr id="3" name="Notes Placeholder 2"/>
+          <p:cNvSpPr>
+            <a:spLocks noGrp="1"/>
+          </p:cNvSpPr>
+          <p:nvPr>
+            <p:ph type="body" idx="1"/>
+          </p:nvPr>
+        </p:nvSpPr>
+        <p:spPr/>
+        <p:txBody>
+          <a:bodyPr/>
+          <a:lstStyle/>
+          <a:p>
+            <a:r>
+              <a:rPr lang="en-US" dirty="0" smtClean="0"/>
+              <a:t>For :</a:t>
+            </a:r>
+            <a:r>
+              <a:rPr lang="en-US" dirty="0" err="1" smtClean="0"/>
+              <a:t>public_network</a:t>
+            </a:r>
+            <a:r>
+              <a:rPr lang="en-US" baseline="0" dirty="0" smtClean="0"/>
+              <a:t>, see http://</a:t>
+            </a:r>
+            <a:r>
+              <a:rPr lang="en-US" baseline="0" dirty="0" err="1" smtClean="0"/>
+              <a:t>vmtrooper.com</a:t>
+            </a:r>
+            <a:r>
+              <a:rPr lang="en-US" baseline="0" dirty="0" smtClean="0"/>
+              <a:t>/vagrant-static-external-ip-addresses-with-the-vmware-fusion-provider/</a:t>
+            </a:r>
+          </a:p>
+          <a:p>
+            <a:endParaRPr lang="en-US" dirty="0"/>
+          </a:p>
+        </p:txBody>
+      </p:sp>
+      <p:sp>
+        <p:nvSpPr>
+          <p:cNvPr id="4" name="Slide Number Placeholder 3"/>
+          <p:cNvSpPr>
+            <a:spLocks noGrp="1"/>
+          </p:cNvSpPr>
+          <p:nvPr>
+            <p:ph type="sldNum" sz="quarter" idx="10"/>
+          </p:nvPr>
+        </p:nvSpPr>
+        <p:spPr/>
+        <p:txBody>
+          <a:bodyPr/>
+          <a:lstStyle/>
+          <a:p>
+            <a:fld id="{8D55EAEB-36BD-FF4D-B4A1-0D75FFEDD0E3}" type="slidenum">
+              <a:rPr lang="en-US" smtClean="0"/>
+              <a:t>11</a:t>
+            </a:fld>
+            <a:endParaRPr lang="en-US"/>
+          </a:p>
+        </p:txBody>
+      </p:sp>
+    </p:spTree>
+    <p:extLst>
+      <p:ext uri="{BB962C8B-B14F-4D97-AF65-F5344CB8AC3E}">
+        <p14:creationId xmlns:p14="http://schemas.microsoft.com/office/powerpoint/2010/main" val="1612631474"/>
+      </p:ext>
+    </p:extLst>
+  </p:cSld>
+  <p:clrMapOvr>
+    <a:masterClrMapping/>
+  </p:clrMapOvr>
+</p:notes>
+</file>
+
+<file path=ppt/notesSlides/notesSlide12.xml><?xml version="1.0" encoding="utf-8"?>
+<p:notes xmlns:a="http://schemas.openxmlformats.org/drawingml/2006/main" xmlns:r="http://schemas.openxmlformats.org/officeDocument/2006/relationships" xmlns:p="http://schemas.openxmlformats.org/presentationml/2006/main">
+  <p:cSld>
+    <p:spTree>
+      <p:nvGrpSpPr>
+        <p:cNvPr id="1" name=""/>
+        <p:cNvGrpSpPr/>
+        <p:nvPr/>
+      </p:nvGrpSpPr>
+      <p:grpSpPr>
+        <a:xfrm>
+          <a:off x="0" y="0"/>
+          <a:ext cx="0" cy="0"/>
+          <a:chOff x="0" y="0"/>
+          <a:chExt cx="0" cy="0"/>
+        </a:xfrm>
+      </p:grpSpPr>
+      <p:sp>
+        <p:nvSpPr>
+          <p:cNvPr id="2" name="Slide Image Placeholder 1"/>
+          <p:cNvSpPr>
+            <a:spLocks noGrp="1" noRot="1" noChangeAspect="1"/>
+          </p:cNvSpPr>
+          <p:nvPr>
+            <p:ph type="sldImg"/>
+          </p:nvPr>
+        </p:nvSpPr>
+        <p:spPr/>
+      </p:sp>
+      <p:sp>
+        <p:nvSpPr>
+          <p:cNvPr id="3" name="Notes Placeholder 2"/>
+          <p:cNvSpPr>
+            <a:spLocks noGrp="1"/>
+          </p:cNvSpPr>
+          <p:nvPr>
+            <p:ph type="body" idx="1"/>
+          </p:nvPr>
+        </p:nvSpPr>
+        <p:spPr/>
+        <p:txBody>
+          <a:bodyPr/>
+          <a:lstStyle/>
+          <a:p>
+            <a:r>
+              <a:rPr lang="en-US" dirty="0" smtClean="0"/>
+              <a:t>For :</a:t>
+            </a:r>
+            <a:r>
+              <a:rPr lang="en-US" dirty="0" err="1" smtClean="0"/>
+              <a:t>public_network</a:t>
+            </a:r>
+            <a:r>
+              <a:rPr lang="en-US" baseline="0" dirty="0" smtClean="0"/>
+              <a:t>, see http://</a:t>
+            </a:r>
+            <a:r>
+              <a:rPr lang="en-US" baseline="0" dirty="0" err="1" smtClean="0"/>
+              <a:t>vmtrooper.com</a:t>
+            </a:r>
+            <a:r>
+              <a:rPr lang="en-US" baseline="0" dirty="0" smtClean="0"/>
+              <a:t>/vagrant-static-external-ip-addresses-with-the-vmware-fusion-provider/</a:t>
+            </a:r>
+          </a:p>
+          <a:p>
+            <a:endParaRPr lang="en-US" dirty="0"/>
+          </a:p>
+        </p:txBody>
+      </p:sp>
+      <p:sp>
+        <p:nvSpPr>
+          <p:cNvPr id="4" name="Slide Number Placeholder 3"/>
+          <p:cNvSpPr>
+            <a:spLocks noGrp="1"/>
+          </p:cNvSpPr>
+          <p:nvPr>
+            <p:ph type="sldNum" sz="quarter" idx="10"/>
+          </p:nvPr>
+        </p:nvSpPr>
+        <p:spPr/>
+        <p:txBody>
+          <a:bodyPr/>
+          <a:lstStyle/>
+          <a:p>
+            <a:fld id="{8D55EAEB-36BD-FF4D-B4A1-0D75FFEDD0E3}" type="slidenum">
+              <a:rPr lang="en-US" smtClean="0"/>
+              <a:t>12</a:t>
+            </a:fld>
+            <a:endParaRPr lang="en-US"/>
+          </a:p>
+        </p:txBody>
+      </p:sp>
+    </p:spTree>
+    <p:extLst>
+      <p:ext uri="{BB962C8B-B14F-4D97-AF65-F5344CB8AC3E}">
+        <p14:creationId xmlns:p14="http://schemas.microsoft.com/office/powerpoint/2010/main" val="1612631474"/>
+      </p:ext>
+    </p:extLst>
+  </p:cSld>
+  <p:clrMapOvr>
+    <a:masterClrMapping/>
+  </p:clrMapOvr>
+</p:notes>
+</file>
+
+<file path=ppt/notesSlides/notesSlide13.xml><?xml version="1.0" encoding="utf-8"?>
+<p:notes xmlns:a="http://schemas.openxmlformats.org/drawingml/2006/main" xmlns:r="http://schemas.openxmlformats.org/officeDocument/2006/relationships" xmlns:p="http://schemas.openxmlformats.org/presentationml/2006/main">
+  <p:cSld>
+    <p:spTree>
+      <p:nvGrpSpPr>
+        <p:cNvPr id="1" name=""/>
+        <p:cNvGrpSpPr/>
+        <p:nvPr/>
+      </p:nvGrpSpPr>
+      <p:grpSpPr>
+        <a:xfrm>
+          <a:off x="0" y="0"/>
+          <a:ext cx="0" cy="0"/>
+          <a:chOff x="0" y="0"/>
+          <a:chExt cx="0" cy="0"/>
+        </a:xfrm>
+      </p:grpSpPr>
+      <p:sp>
+        <p:nvSpPr>
+          <p:cNvPr id="2" name="Slide Image Placeholder 1"/>
+          <p:cNvSpPr>
+            <a:spLocks noGrp="1" noRot="1" noChangeAspect="1"/>
+          </p:cNvSpPr>
+          <p:nvPr>
+            <p:ph type="sldImg"/>
+          </p:nvPr>
+        </p:nvSpPr>
+        <p:spPr/>
+      </p:sp>
+      <p:sp>
+        <p:nvSpPr>
+          <p:cNvPr id="3" name="Notes Placeholder 2"/>
+          <p:cNvSpPr>
+            <a:spLocks noGrp="1"/>
+          </p:cNvSpPr>
+          <p:nvPr>
+            <p:ph type="body" idx="1"/>
+          </p:nvPr>
+        </p:nvSpPr>
+        <p:spPr/>
+        <p:txBody>
+          <a:bodyPr/>
+          <a:lstStyle/>
+          <a:p>
+            <a:endParaRPr lang="en-US"/>
+          </a:p>
+        </p:txBody>
+      </p:sp>
+      <p:sp>
+        <p:nvSpPr>
+          <p:cNvPr id="4" name="Slide Number Placeholder 3"/>
+          <p:cNvSpPr>
+            <a:spLocks noGrp="1"/>
+          </p:cNvSpPr>
+          <p:nvPr>
+            <p:ph type="sldNum" sz="quarter" idx="10"/>
+          </p:nvPr>
+        </p:nvSpPr>
+        <p:spPr/>
+        <p:txBody>
+          <a:bodyPr/>
+          <a:lstStyle/>
+          <a:p>
+            <a:fld id="{8D55EAEB-36BD-FF4D-B4A1-0D75FFEDD0E3}" type="slidenum">
+              <a:rPr lang="en-US" smtClean="0"/>
+              <a:t>13</a:t>
+            </a:fld>
+            <a:endParaRPr lang="en-US"/>
+          </a:p>
+        </p:txBody>
+      </p:sp>
+    </p:spTree>
+    <p:extLst>
+      <p:ext uri="{BB962C8B-B14F-4D97-AF65-F5344CB8AC3E}">
+        <p14:creationId xmlns:p14="http://schemas.microsoft.com/office/powerpoint/2010/main" val="2868313165"/>
+      </p:ext>
+    </p:extLst>
+  </p:cSld>
+  <p:clrMapOvr>
+    <a:masterClrMapping/>
+  </p:clrMapOvr>
+</p:notes>
+</file>
+
+<file path=ppt/notesSlides/notesSlide14.xml><?xml version="1.0" encoding="utf-8"?>
+<p:notes xmlns:a="http://schemas.openxmlformats.org/drawingml/2006/main" xmlns:r="http://schemas.openxmlformats.org/officeDocument/2006/relationships" xmlns:p="http://schemas.openxmlformats.org/presentationml/2006/main">
+  <p:cSld>
+    <p:spTree>
+      <p:nvGrpSpPr>
+        <p:cNvPr id="1" name=""/>
+        <p:cNvGrpSpPr/>
+        <p:nvPr/>
+      </p:nvGrpSpPr>
+      <p:grpSpPr>
+        <a:xfrm>
+          <a:off x="0" y="0"/>
+          <a:ext cx="0" cy="0"/>
+          <a:chOff x="0" y="0"/>
+          <a:chExt cx="0" cy="0"/>
+        </a:xfrm>
+      </p:grpSpPr>
+      <p:sp>
+        <p:nvSpPr>
+          <p:cNvPr id="2" name="Slide Image Placeholder 1"/>
+          <p:cNvSpPr>
+            <a:spLocks noGrp="1" noRot="1" noChangeAspect="1"/>
+          </p:cNvSpPr>
+          <p:nvPr>
+            <p:ph type="sldImg"/>
+          </p:nvPr>
+        </p:nvSpPr>
+        <p:spPr/>
+      </p:sp>
+      <p:sp>
+        <p:nvSpPr>
+          <p:cNvPr id="3" name="Notes Placeholder 2"/>
+          <p:cNvSpPr>
+            <a:spLocks noGrp="1"/>
+          </p:cNvSpPr>
+          <p:nvPr>
+            <p:ph type="body" idx="1"/>
+          </p:nvPr>
+        </p:nvSpPr>
+        <p:spPr/>
+        <p:txBody>
+          <a:bodyPr/>
+          <a:lstStyle/>
+          <a:p>
+            <a:r>
+              <a:rPr lang="en-US" b="1" dirty="0" smtClean="0"/>
+              <a:t>NOTE:</a:t>
+            </a:r>
+          </a:p>
+          <a:p>
+            <a:r>
+              <a:rPr lang="en-US" b="1" dirty="0" smtClean="0"/>
+              <a:t>vagrant ssh</a:t>
+            </a:r>
+            <a:r>
+              <a:rPr lang="en-US" dirty="0" smtClean="0"/>
+              <a:t> without a VM name will not work since Vagrant is aware</a:t>
+            </a:r>
+            <a:r>
+              <a:rPr lang="en-US" baseline="0" dirty="0" smtClean="0"/>
+              <a:t> you created multiple VMs.</a:t>
+            </a:r>
+          </a:p>
+          <a:p>
+            <a:endParaRPr lang="en-US" baseline="0" dirty="0" smtClean="0"/>
+          </a:p>
+          <a:p>
+            <a:r>
+              <a:rPr lang="en-US" baseline="0" dirty="0" smtClean="0"/>
+              <a:t>Use the vagrant status command to get your </a:t>
+            </a:r>
+            <a:r>
+              <a:rPr lang="en-US" baseline="0" dirty="0" err="1" smtClean="0"/>
+              <a:t>vm</a:t>
+            </a:r>
+            <a:r>
+              <a:rPr lang="en-US" baseline="0" dirty="0" smtClean="0"/>
+              <a:t> names:</a:t>
+            </a:r>
+          </a:p>
+          <a:p>
+            <a:r>
+              <a:rPr lang="en-US" dirty="0" smtClean="0"/>
+              <a:t>bash-3.2$ vagrant status</a:t>
+            </a:r>
+          </a:p>
+          <a:p>
+            <a:r>
+              <a:rPr lang="en-US" dirty="0" smtClean="0"/>
+              <a:t>Current machine states:</a:t>
+            </a:r>
+          </a:p>
+          <a:p>
+            <a:endParaRPr lang="en-US" dirty="0" smtClean="0"/>
+          </a:p>
+          <a:p>
+            <a:r>
+              <a:rPr lang="en-US" dirty="0" smtClean="0"/>
+              <a:t>controller                running (</a:t>
+            </a:r>
+            <a:r>
+              <a:rPr lang="en-US" dirty="0" err="1" smtClean="0"/>
+              <a:t>virtualbox</a:t>
+            </a:r>
+            <a:r>
+              <a:rPr lang="en-US" dirty="0" smtClean="0"/>
+              <a:t>)</a:t>
+            </a:r>
+          </a:p>
+          <a:p>
+            <a:r>
+              <a:rPr lang="en-US" dirty="0" smtClean="0"/>
+              <a:t>compute                   running (</a:t>
+            </a:r>
+            <a:r>
+              <a:rPr lang="en-US" dirty="0" err="1" smtClean="0"/>
+              <a:t>virtualbox</a:t>
+            </a:r>
+            <a:r>
+              <a:rPr lang="en-US" dirty="0" smtClean="0"/>
+              <a:t>)</a:t>
+            </a:r>
+          </a:p>
+          <a:p>
+            <a:endParaRPr lang="en-US" dirty="0" smtClean="0"/>
+          </a:p>
+          <a:p>
+            <a:r>
+              <a:rPr lang="en-US" dirty="0" smtClean="0"/>
+              <a:t>This environment represents multiple VMs. The VMs are all listed</a:t>
+            </a:r>
+          </a:p>
+          <a:p>
+            <a:r>
+              <a:rPr lang="en-US" dirty="0" smtClean="0"/>
+              <a:t>above with their current state. For more information about a specific</a:t>
+            </a:r>
+          </a:p>
+          <a:p>
+            <a:r>
+              <a:rPr lang="en-US" dirty="0" smtClean="0"/>
+              <a:t>VM, run `vagrant status NAME`.</a:t>
+            </a:r>
+          </a:p>
+          <a:p>
+            <a:endParaRPr lang="en-US" dirty="0" smtClean="0"/>
+          </a:p>
+          <a:p>
+            <a:r>
+              <a:rPr lang="en-US" dirty="0" smtClean="0"/>
+              <a:t>THEN, use the command </a:t>
+            </a:r>
+            <a:r>
+              <a:rPr lang="en-US" b="1" dirty="0" smtClean="0"/>
+              <a:t>vagrant ssh &lt;</a:t>
+            </a:r>
+            <a:r>
+              <a:rPr lang="en-US" b="1" dirty="0" err="1" smtClean="0"/>
+              <a:t>vmname</a:t>
+            </a:r>
+            <a:r>
+              <a:rPr lang="en-US" b="1" dirty="0" smtClean="0"/>
+              <a:t>&gt; </a:t>
+            </a:r>
+            <a:r>
+              <a:rPr lang="en-US" dirty="0" smtClean="0"/>
+              <a:t>ex: </a:t>
+            </a:r>
+            <a:r>
+              <a:rPr lang="en-US" b="1" dirty="0" smtClean="0"/>
+              <a:t>vagrant ssh compute</a:t>
+            </a:r>
+            <a:endParaRPr lang="en-US" b="1" dirty="0"/>
+          </a:p>
+        </p:txBody>
+      </p:sp>
+      <p:sp>
+        <p:nvSpPr>
+          <p:cNvPr id="4" name="Slide Number Placeholder 3"/>
+          <p:cNvSpPr>
+            <a:spLocks noGrp="1"/>
+          </p:cNvSpPr>
+          <p:nvPr>
+            <p:ph type="sldNum" sz="quarter" idx="10"/>
+          </p:nvPr>
+        </p:nvSpPr>
+        <p:spPr/>
+        <p:txBody>
+          <a:bodyPr/>
+          <a:lstStyle/>
+          <a:p>
+            <a:fld id="{8D55EAEB-36BD-FF4D-B4A1-0D75FFEDD0E3}" type="slidenum">
+              <a:rPr lang="en-US" smtClean="0"/>
+              <a:t>14</a:t>
+            </a:fld>
+            <a:endParaRPr lang="en-US"/>
+          </a:p>
+        </p:txBody>
+      </p:sp>
+    </p:spTree>
+    <p:extLst>
+      <p:ext uri="{BB962C8B-B14F-4D97-AF65-F5344CB8AC3E}">
+        <p14:creationId xmlns:p14="http://schemas.microsoft.com/office/powerpoint/2010/main" val="2926676067"/>
+      </p:ext>
+    </p:extLst>
+  </p:cSld>
+  <p:clrMapOvr>
+    <a:masterClrMapping/>
+  </p:clrMapOvr>
+</p:notes>
+</file>
+
+<file path=ppt/notesSlides/notesSlide15.xml><?xml version="1.0" encoding="utf-8"?>
+<p:notes xmlns:a="http://schemas.openxmlformats.org/drawingml/2006/main" xmlns:r="http://schemas.openxmlformats.org/officeDocument/2006/relationships" xmlns:p="http://schemas.openxmlformats.org/presentationml/2006/main">
+  <p:cSld>
+    <p:spTree>
+      <p:nvGrpSpPr>
+        <p:cNvPr id="1" name=""/>
+        <p:cNvGrpSpPr/>
+        <p:nvPr/>
+      </p:nvGrpSpPr>
+      <p:grpSpPr>
+        <a:xfrm>
+          <a:off x="0" y="0"/>
+          <a:ext cx="0" cy="0"/>
+          <a:chOff x="0" y="0"/>
+          <a:chExt cx="0" cy="0"/>
+        </a:xfrm>
+      </p:grpSpPr>
+      <p:sp>
+        <p:nvSpPr>
+          <p:cNvPr id="2" name="Slide Image Placeholder 1"/>
+          <p:cNvSpPr>
+            <a:spLocks noGrp="1" noRot="1" noChangeAspect="1"/>
+          </p:cNvSpPr>
+          <p:nvPr>
+            <p:ph type="sldImg"/>
+          </p:nvPr>
+        </p:nvSpPr>
+        <p:spPr/>
+      </p:sp>
+      <p:sp>
+        <p:nvSpPr>
+          <p:cNvPr id="3" name="Notes Placeholder 2"/>
+          <p:cNvSpPr>
+            <a:spLocks noGrp="1"/>
+          </p:cNvSpPr>
+          <p:nvPr>
+            <p:ph type="body" idx="1"/>
+          </p:nvPr>
+        </p:nvSpPr>
+        <p:spPr/>
+        <p:txBody>
+          <a:bodyPr/>
+          <a:lstStyle/>
+          <a:p>
+            <a:endParaRPr lang="en-US"/>
+          </a:p>
+        </p:txBody>
+      </p:sp>
+      <p:sp>
+        <p:nvSpPr>
+          <p:cNvPr id="4" name="Slide Number Placeholder 3"/>
+          <p:cNvSpPr>
+            <a:spLocks noGrp="1"/>
+          </p:cNvSpPr>
+          <p:nvPr>
+            <p:ph type="sldNum" sz="quarter" idx="10"/>
+          </p:nvPr>
+        </p:nvSpPr>
+        <p:spPr/>
+        <p:txBody>
+          <a:bodyPr/>
+          <a:lstStyle/>
+          <a:p>
+            <a:fld id="{8D55EAEB-36BD-FF4D-B4A1-0D75FFEDD0E3}" type="slidenum">
+              <a:rPr lang="en-US" smtClean="0"/>
+              <a:t>15</a:t>
+            </a:fld>
+            <a:endParaRPr lang="en-US"/>
+          </a:p>
+        </p:txBody>
+      </p:sp>
+    </p:spTree>
+    <p:extLst>
+      <p:ext uri="{BB962C8B-B14F-4D97-AF65-F5344CB8AC3E}">
+        <p14:creationId xmlns:p14="http://schemas.microsoft.com/office/powerpoint/2010/main" val="3451566379"/>
+      </p:ext>
+    </p:extLst>
+  </p:cSld>
+  <p:clrMapOvr>
+    <a:masterClrMapping/>
+  </p:clrMapOvr>
+</p:notes>
+</file>
+
+<file path=ppt/notesSlides/notesSlide16.xml><?xml version="1.0" encoding="utf-8"?>
+<p:notes xmlns:a="http://schemas.openxmlformats.org/drawingml/2006/main" xmlns:r="http://schemas.openxmlformats.org/officeDocument/2006/relationships" xmlns:p="http://schemas.openxmlformats.org/presentationml/2006/main">
+  <p:cSld>
+    <p:spTree>
+      <p:nvGrpSpPr>
+        <p:cNvPr id="1" name=""/>
+        <p:cNvGrpSpPr/>
+        <p:nvPr/>
+      </p:nvGrpSpPr>
+      <p:grpSpPr>
+        <a:xfrm>
+          <a:off x="0" y="0"/>
+          <a:ext cx="0" cy="0"/>
+          <a:chOff x="0" y="0"/>
+          <a:chExt cx="0" cy="0"/>
+        </a:xfrm>
+      </p:grpSpPr>
+      <p:sp>
+        <p:nvSpPr>
+          <p:cNvPr id="2" name="Slide Image Placeholder 1"/>
+          <p:cNvSpPr>
+            <a:spLocks noGrp="1" noRot="1" noChangeAspect="1"/>
+          </p:cNvSpPr>
+          <p:nvPr>
+            <p:ph type="sldImg"/>
+          </p:nvPr>
+        </p:nvSpPr>
+        <p:spPr/>
+      </p:sp>
+      <p:sp>
+        <p:nvSpPr>
+          <p:cNvPr id="3" name="Notes Placeholder 2"/>
+          <p:cNvSpPr>
+            <a:spLocks noGrp="1"/>
+          </p:cNvSpPr>
+          <p:nvPr>
+            <p:ph type="body" idx="1"/>
+          </p:nvPr>
+        </p:nvSpPr>
+        <p:spPr/>
+        <p:txBody>
+          <a:bodyPr/>
+          <a:lstStyle/>
+          <a:p>
+            <a:endParaRPr lang="en-US"/>
+          </a:p>
+        </p:txBody>
+      </p:sp>
+      <p:sp>
+        <p:nvSpPr>
+          <p:cNvPr id="4" name="Slide Number Placeholder 3"/>
+          <p:cNvSpPr>
+            <a:spLocks noGrp="1"/>
+          </p:cNvSpPr>
+          <p:nvPr>
+            <p:ph type="sldNum" sz="quarter" idx="10"/>
+          </p:nvPr>
+        </p:nvSpPr>
+        <p:spPr/>
+        <p:txBody>
+          <a:bodyPr/>
+          <a:lstStyle/>
+          <a:p>
+            <a:fld id="{8D55EAEB-36BD-FF4D-B4A1-0D75FFEDD0E3}" type="slidenum">
+              <a:rPr lang="en-US" smtClean="0"/>
+              <a:t>16</a:t>
+            </a:fld>
+            <a:endParaRPr lang="en-US"/>
+          </a:p>
+        </p:txBody>
+      </p:sp>
+    </p:spTree>
+    <p:extLst>
+      <p:ext uri="{BB962C8B-B14F-4D97-AF65-F5344CB8AC3E}">
+        <p14:creationId xmlns:p14="http://schemas.microsoft.com/office/powerpoint/2010/main" val="226410779"/>
       </p:ext>
     </p:extLst>
   </p:cSld>
@@ -590,12 +1346,7 @@
             <p:ph type="sldImg"/>
           </p:nvPr>
         </p:nvSpPr>
-        <p:spPr>
-          <a:xfrm>
-            <a:off x="381000" y="685800"/>
-            <a:ext cx="6096000" cy="3429000"/>
-          </a:xfrm>
-        </p:spPr>
+        <p:spPr/>
       </p:sp>
       <p:sp>
         <p:nvSpPr>
@@ -612,143 +1363,7 @@
           <a:bodyPr/>
           <a:lstStyle/>
           <a:p>
-            <a:pPr marL="0" marR="0" indent="0" algn="l" defTabSz="457200" rtl="0" eaLnBrk="1" fontAlgn="auto" latinLnBrk="0" hangingPunct="1">
-              <a:lnSpc>
-                <a:spcPct val="100000"/>
-              </a:lnSpc>
-              <a:spcBef>
-                <a:spcPts val="0"/>
-              </a:spcBef>
-              <a:spcAft>
-                <a:spcPts val="0"/>
-              </a:spcAft>
-              <a:buClrTx/>
-              <a:buSzTx/>
-              <a:buFontTx/>
-              <a:buNone/>
-              <a:tabLst/>
-              <a:defRPr/>
-            </a:pPr>
-            <a:r>
-              <a:rPr lang="en-US" dirty="0" smtClean="0"/>
-              <a:t>Alternatively first line could be…</a:t>
-            </a:r>
-          </a:p>
-          <a:p>
-            <a:pPr marL="0" marR="0" indent="0" algn="l" defTabSz="457200" rtl="0" eaLnBrk="1" fontAlgn="auto" latinLnBrk="0" hangingPunct="1">
-              <a:lnSpc>
-                <a:spcPct val="100000"/>
-              </a:lnSpc>
-              <a:spcBef>
-                <a:spcPts val="0"/>
-              </a:spcBef>
-              <a:spcAft>
-                <a:spcPts val="0"/>
-              </a:spcAft>
-              <a:buClrTx/>
-              <a:buSzTx/>
-              <a:buFontTx/>
-              <a:buNone/>
-              <a:tabLst/>
-              <a:defRPr/>
-            </a:pPr>
-            <a:r>
-              <a:rPr lang="en-US" dirty="0" smtClean="0"/>
-              <a:t>For Fusion: </a:t>
-            </a:r>
-          </a:p>
-          <a:p>
-            <a:pPr marL="0" marR="0" indent="0" algn="l" defTabSz="457200" rtl="0" eaLnBrk="1" fontAlgn="auto" latinLnBrk="0" hangingPunct="1">
-              <a:lnSpc>
-                <a:spcPct val="100000"/>
-              </a:lnSpc>
-              <a:spcBef>
-                <a:spcPts val="0"/>
-              </a:spcBef>
-              <a:spcAft>
-                <a:spcPts val="0"/>
-              </a:spcAft>
-              <a:buClrTx/>
-              <a:buSzTx/>
-              <a:buFontTx/>
-              <a:buNone/>
-              <a:tabLst/>
-              <a:defRPr/>
-            </a:pPr>
-            <a:r>
-              <a:rPr lang="en-US" dirty="0" smtClean="0"/>
-              <a:t>vagrant </a:t>
-            </a:r>
-            <a:r>
-              <a:rPr lang="en-US" dirty="0" err="1" smtClean="0"/>
-              <a:t>init</a:t>
-            </a:r>
-            <a:r>
-              <a:rPr lang="en-US" baseline="0" dirty="0" smtClean="0"/>
-              <a:t> precise64 </a:t>
-            </a:r>
-            <a:r>
-              <a:rPr lang="en-US" dirty="0" smtClean="0">
-                <a:hlinkClick r:id="rId3"/>
-              </a:rPr>
-              <a:t>http://files.vagrantup.com/precise64_vmware.box</a:t>
-            </a:r>
-            <a:endParaRPr lang="en-US" dirty="0" smtClean="0"/>
-          </a:p>
-          <a:p>
-            <a:endParaRPr lang="en-US" dirty="0" smtClean="0"/>
-          </a:p>
-          <a:p>
-            <a:r>
-              <a:rPr lang="en-US" dirty="0" smtClean="0"/>
-              <a:t>For </a:t>
-            </a:r>
-            <a:r>
-              <a:rPr lang="en-US" dirty="0" err="1" smtClean="0"/>
-              <a:t>VirtualBox</a:t>
-            </a:r>
-            <a:r>
-              <a:rPr lang="en-US" dirty="0" smtClean="0"/>
-              <a:t>:</a:t>
-            </a:r>
-          </a:p>
-          <a:p>
-            <a:r>
-              <a:rPr lang="en-US" dirty="0" smtClean="0"/>
-              <a:t>vagrant </a:t>
-            </a:r>
-            <a:r>
-              <a:rPr lang="en-US" dirty="0" err="1" smtClean="0"/>
-              <a:t>init</a:t>
-            </a:r>
-            <a:r>
-              <a:rPr lang="en-US" dirty="0" smtClean="0"/>
-              <a:t> precise64 </a:t>
-            </a:r>
-            <a:r>
-              <a:rPr lang="en-US" dirty="0" smtClean="0">
-                <a:hlinkClick r:id="rId4"/>
-              </a:rPr>
-              <a:t>http://files.vagrantup.com/precise64.box</a:t>
-            </a:r>
-            <a:endParaRPr lang="en-US" dirty="0" smtClean="0"/>
-          </a:p>
-          <a:p>
-            <a:endParaRPr lang="en-US" dirty="0" smtClean="0"/>
-          </a:p>
-          <a:p>
-            <a:endParaRPr lang="en-US" dirty="0" smtClean="0"/>
-          </a:p>
-          <a:p>
-            <a:r>
-              <a:rPr lang="en-US" dirty="0" smtClean="0"/>
-              <a:t>It will automatically configure</a:t>
-            </a:r>
-            <a:r>
-              <a:rPr lang="en-US" baseline="0" dirty="0" smtClean="0"/>
-              <a:t> the name of the Vagrant box that you are using and </a:t>
-            </a:r>
-            <a:endParaRPr lang="en-US" dirty="0"/>
+            <a:endParaRPr lang="en-US"/>
           </a:p>
         </p:txBody>
       </p:sp>
@@ -769,7 +1384,7 @@
           <a:p>
             <a:fld id="{8D55EAEB-36BD-FF4D-B4A1-0D75FFEDD0E3}" type="slidenum">
               <a:rPr lang="en-US" smtClean="0"/>
-              <a:t>6</a:t>
+              <a:t>2</a:t>
             </a:fld>
             <a:endParaRPr lang="en-US"/>
           </a:p>
@@ -778,7 +1393,7 @@
     </p:spTree>
     <p:extLst>
       <p:ext uri="{BB962C8B-B14F-4D97-AF65-F5344CB8AC3E}">
-        <p14:creationId xmlns:p14="http://schemas.microsoft.com/office/powerpoint/2010/main" val="2624913008"/>
+        <p14:creationId xmlns:p14="http://schemas.microsoft.com/office/powerpoint/2010/main" val="1469712665"/>
       </p:ext>
     </p:extLst>
   </p:cSld>
@@ -832,25 +1447,7 @@
           <a:bodyPr/>
           <a:lstStyle/>
           <a:p>
-            <a:r>
-              <a:rPr lang="en-US" dirty="0" smtClean="0"/>
-              <a:t>For NAT</a:t>
-            </a:r>
-            <a:r>
-              <a:rPr lang="en-US" baseline="0" dirty="0" smtClean="0"/>
-              <a:t>, see http://</a:t>
-            </a:r>
-            <a:r>
-              <a:rPr lang="en-US" baseline="0" dirty="0" err="1" smtClean="0"/>
-              <a:t>vmtrooper.com</a:t>
-            </a:r>
-            <a:r>
-              <a:rPr lang="en-US" baseline="0" dirty="0" smtClean="0"/>
-              <a:t>/vagrant-static-external-ip-addresses-with-the-vmware-fusion-provider/</a:t>
-            </a:r>
-          </a:p>
-          <a:p>
-            <a:endParaRPr lang="en-US" dirty="0"/>
+            <a:endParaRPr lang="en-US"/>
           </a:p>
         </p:txBody>
       </p:sp>
@@ -871,7 +1468,7 @@
           <a:p>
             <a:fld id="{8D55EAEB-36BD-FF4D-B4A1-0D75FFEDD0E3}" type="slidenum">
               <a:rPr lang="en-US" smtClean="0"/>
-              <a:t>11</a:t>
+              <a:t>3</a:t>
             </a:fld>
             <a:endParaRPr lang="en-US"/>
           </a:p>
@@ -880,7 +1477,585 @@
     </p:spTree>
     <p:extLst>
       <p:ext uri="{BB962C8B-B14F-4D97-AF65-F5344CB8AC3E}">
-        <p14:creationId xmlns:p14="http://schemas.microsoft.com/office/powerpoint/2010/main" val="1612631474"/>
+        <p14:creationId xmlns:p14="http://schemas.microsoft.com/office/powerpoint/2010/main" val="3667348477"/>
+      </p:ext>
+    </p:extLst>
+  </p:cSld>
+  <p:clrMapOvr>
+    <a:masterClrMapping/>
+  </p:clrMapOvr>
+</p:notes>
+</file>
+
+<file path=ppt/notesSlides/notesSlide4.xml><?xml version="1.0" encoding="utf-8"?>
+<p:notes xmlns:a="http://schemas.openxmlformats.org/drawingml/2006/main" xmlns:r="http://schemas.openxmlformats.org/officeDocument/2006/relationships" xmlns:p="http://schemas.openxmlformats.org/presentationml/2006/main">
+  <p:cSld>
+    <p:spTree>
+      <p:nvGrpSpPr>
+        <p:cNvPr id="1" name=""/>
+        <p:cNvGrpSpPr/>
+        <p:nvPr/>
+      </p:nvGrpSpPr>
+      <p:grpSpPr>
+        <a:xfrm>
+          <a:off x="0" y="0"/>
+          <a:ext cx="0" cy="0"/>
+          <a:chOff x="0" y="0"/>
+          <a:chExt cx="0" cy="0"/>
+        </a:xfrm>
+      </p:grpSpPr>
+      <p:sp>
+        <p:nvSpPr>
+          <p:cNvPr id="2" name="Slide Image Placeholder 1"/>
+          <p:cNvSpPr>
+            <a:spLocks noGrp="1" noRot="1" noChangeAspect="1"/>
+          </p:cNvSpPr>
+          <p:nvPr>
+            <p:ph type="sldImg"/>
+          </p:nvPr>
+        </p:nvSpPr>
+        <p:spPr/>
+      </p:sp>
+      <p:sp>
+        <p:nvSpPr>
+          <p:cNvPr id="3" name="Notes Placeholder 2"/>
+          <p:cNvSpPr>
+            <a:spLocks noGrp="1"/>
+          </p:cNvSpPr>
+          <p:nvPr>
+            <p:ph type="body" idx="1"/>
+          </p:nvPr>
+        </p:nvSpPr>
+        <p:spPr/>
+        <p:txBody>
+          <a:bodyPr/>
+          <a:lstStyle/>
+          <a:p>
+            <a:endParaRPr lang="en-US"/>
+          </a:p>
+        </p:txBody>
+      </p:sp>
+      <p:sp>
+        <p:nvSpPr>
+          <p:cNvPr id="4" name="Slide Number Placeholder 3"/>
+          <p:cNvSpPr>
+            <a:spLocks noGrp="1"/>
+          </p:cNvSpPr>
+          <p:nvPr>
+            <p:ph type="sldNum" sz="quarter" idx="10"/>
+          </p:nvPr>
+        </p:nvSpPr>
+        <p:spPr/>
+        <p:txBody>
+          <a:bodyPr/>
+          <a:lstStyle/>
+          <a:p>
+            <a:fld id="{8D55EAEB-36BD-FF4D-B4A1-0D75FFEDD0E3}" type="slidenum">
+              <a:rPr lang="en-US" smtClean="0"/>
+              <a:t>4</a:t>
+            </a:fld>
+            <a:endParaRPr lang="en-US"/>
+          </a:p>
+        </p:txBody>
+      </p:sp>
+    </p:spTree>
+    <p:extLst>
+      <p:ext uri="{BB962C8B-B14F-4D97-AF65-F5344CB8AC3E}">
+        <p14:creationId xmlns:p14="http://schemas.microsoft.com/office/powerpoint/2010/main" val="2931443679"/>
+      </p:ext>
+    </p:extLst>
+  </p:cSld>
+  <p:clrMapOvr>
+    <a:masterClrMapping/>
+  </p:clrMapOvr>
+</p:notes>
+</file>
+
+<file path=ppt/notesSlides/notesSlide5.xml><?xml version="1.0" encoding="utf-8"?>
+<p:notes xmlns:a="http://schemas.openxmlformats.org/drawingml/2006/main" xmlns:r="http://schemas.openxmlformats.org/officeDocument/2006/relationships" xmlns:p="http://schemas.openxmlformats.org/presentationml/2006/main">
+  <p:cSld>
+    <p:spTree>
+      <p:nvGrpSpPr>
+        <p:cNvPr id="1" name=""/>
+        <p:cNvGrpSpPr/>
+        <p:nvPr/>
+      </p:nvGrpSpPr>
+      <p:grpSpPr>
+        <a:xfrm>
+          <a:off x="0" y="0"/>
+          <a:ext cx="0" cy="0"/>
+          <a:chOff x="0" y="0"/>
+          <a:chExt cx="0" cy="0"/>
+        </a:xfrm>
+      </p:grpSpPr>
+      <p:sp>
+        <p:nvSpPr>
+          <p:cNvPr id="2" name="Slide Image Placeholder 1"/>
+          <p:cNvSpPr>
+            <a:spLocks noGrp="1" noRot="1" noChangeAspect="1"/>
+          </p:cNvSpPr>
+          <p:nvPr>
+            <p:ph type="sldImg"/>
+          </p:nvPr>
+        </p:nvSpPr>
+        <p:spPr>
+          <a:xfrm>
+            <a:off x="381000" y="685800"/>
+            <a:ext cx="6096000" cy="3429000"/>
+          </a:xfrm>
+        </p:spPr>
+      </p:sp>
+      <p:sp>
+        <p:nvSpPr>
+          <p:cNvPr id="3" name="Notes Placeholder 2"/>
+          <p:cNvSpPr>
+            <a:spLocks noGrp="1"/>
+          </p:cNvSpPr>
+          <p:nvPr>
+            <p:ph type="body" idx="1"/>
+          </p:nvPr>
+        </p:nvSpPr>
+        <p:spPr/>
+        <p:txBody>
+          <a:bodyPr/>
+          <a:lstStyle/>
+          <a:p>
+            <a:r>
+              <a:rPr lang="en-US" dirty="0" smtClean="0"/>
+              <a:t>We will use </a:t>
+            </a:r>
+            <a:r>
+              <a:rPr lang="en-US" b="1" dirty="0" err="1" smtClean="0"/>
+              <a:t>hashicorp</a:t>
+            </a:r>
+            <a:r>
+              <a:rPr lang="en-US" b="1" dirty="0" smtClean="0"/>
+              <a:t>/precise64 </a:t>
+            </a:r>
+            <a:r>
+              <a:rPr lang="en-US" dirty="0" smtClean="0"/>
+              <a:t>since it is built</a:t>
+            </a:r>
+            <a:r>
+              <a:rPr lang="en-US" baseline="0" dirty="0" smtClean="0"/>
+              <a:t> for </a:t>
+            </a:r>
+            <a:r>
+              <a:rPr lang="en-US" baseline="0" dirty="0" err="1" smtClean="0"/>
+              <a:t>Virtualbox</a:t>
+            </a:r>
+            <a:r>
+              <a:rPr lang="en-US" baseline="0" dirty="0" smtClean="0"/>
+              <a:t> and VMware </a:t>
+            </a:r>
+            <a:endParaRPr lang="en-US" dirty="0"/>
+          </a:p>
+        </p:txBody>
+      </p:sp>
+      <p:sp>
+        <p:nvSpPr>
+          <p:cNvPr id="4" name="Slide Number Placeholder 3"/>
+          <p:cNvSpPr>
+            <a:spLocks noGrp="1"/>
+          </p:cNvSpPr>
+          <p:nvPr>
+            <p:ph type="sldNum" sz="quarter" idx="10"/>
+          </p:nvPr>
+        </p:nvSpPr>
+        <p:spPr/>
+        <p:txBody>
+          <a:bodyPr/>
+          <a:lstStyle/>
+          <a:p>
+            <a:fld id="{8D55EAEB-36BD-FF4D-B4A1-0D75FFEDD0E3}" type="slidenum">
+              <a:rPr lang="en-US" smtClean="0"/>
+              <a:t>5</a:t>
+            </a:fld>
+            <a:endParaRPr lang="en-US"/>
+          </a:p>
+        </p:txBody>
+      </p:sp>
+    </p:spTree>
+    <p:extLst>
+      <p:ext uri="{BB962C8B-B14F-4D97-AF65-F5344CB8AC3E}">
+        <p14:creationId xmlns:p14="http://schemas.microsoft.com/office/powerpoint/2010/main" val="3084299111"/>
+      </p:ext>
+    </p:extLst>
+  </p:cSld>
+  <p:clrMapOvr>
+    <a:masterClrMapping/>
+  </p:clrMapOvr>
+</p:notes>
+</file>
+
+<file path=ppt/notesSlides/notesSlide6.xml><?xml version="1.0" encoding="utf-8"?>
+<p:notes xmlns:a="http://schemas.openxmlformats.org/drawingml/2006/main" xmlns:r="http://schemas.openxmlformats.org/officeDocument/2006/relationships" xmlns:p="http://schemas.openxmlformats.org/presentationml/2006/main">
+  <p:cSld>
+    <p:spTree>
+      <p:nvGrpSpPr>
+        <p:cNvPr id="1" name=""/>
+        <p:cNvGrpSpPr/>
+        <p:nvPr/>
+      </p:nvGrpSpPr>
+      <p:grpSpPr>
+        <a:xfrm>
+          <a:off x="0" y="0"/>
+          <a:ext cx="0" cy="0"/>
+          <a:chOff x="0" y="0"/>
+          <a:chExt cx="0" cy="0"/>
+        </a:xfrm>
+      </p:grpSpPr>
+      <p:sp>
+        <p:nvSpPr>
+          <p:cNvPr id="2" name="Slide Image Placeholder 1"/>
+          <p:cNvSpPr>
+            <a:spLocks noGrp="1" noRot="1" noChangeAspect="1"/>
+          </p:cNvSpPr>
+          <p:nvPr>
+            <p:ph type="sldImg"/>
+          </p:nvPr>
+        </p:nvSpPr>
+        <p:spPr>
+          <a:xfrm>
+            <a:off x="381000" y="685800"/>
+            <a:ext cx="6096000" cy="3429000"/>
+          </a:xfrm>
+        </p:spPr>
+      </p:sp>
+      <p:sp>
+        <p:nvSpPr>
+          <p:cNvPr id="3" name="Notes Placeholder 2"/>
+          <p:cNvSpPr>
+            <a:spLocks noGrp="1"/>
+          </p:cNvSpPr>
+          <p:nvPr>
+            <p:ph type="body" idx="1"/>
+          </p:nvPr>
+        </p:nvSpPr>
+        <p:spPr/>
+        <p:txBody>
+          <a:bodyPr/>
+          <a:lstStyle/>
+          <a:p>
+            <a:pPr marL="0" marR="0" indent="0" algn="l" defTabSz="457200" rtl="0" eaLnBrk="1" fontAlgn="auto" latinLnBrk="0" hangingPunct="1">
+              <a:lnSpc>
+                <a:spcPct val="100000"/>
+              </a:lnSpc>
+              <a:spcBef>
+                <a:spcPts val="0"/>
+              </a:spcBef>
+              <a:spcAft>
+                <a:spcPts val="0"/>
+              </a:spcAft>
+              <a:buClrTx/>
+              <a:buSzTx/>
+              <a:buFontTx/>
+              <a:buNone/>
+              <a:tabLst/>
+              <a:defRPr/>
+            </a:pPr>
+            <a:r>
+              <a:rPr lang="en-US" dirty="0" smtClean="0"/>
+              <a:t>vagrant up --provider=</a:t>
+            </a:r>
+            <a:r>
+              <a:rPr lang="en-US" dirty="0" err="1" smtClean="0"/>
+              <a:t>vmware_fusion</a:t>
+            </a:r>
+            <a:r>
+              <a:rPr lang="en-US" dirty="0" smtClean="0"/>
+              <a:t> or vagrant up --provider=</a:t>
+            </a:r>
+            <a:r>
+              <a:rPr lang="en-US" dirty="0" err="1" smtClean="0"/>
+              <a:t>vmware_workstation</a:t>
+            </a:r>
+            <a:r>
+              <a:rPr lang="en-US" dirty="0" smtClean="0"/>
+              <a:t> (VMware)</a:t>
+            </a:r>
+          </a:p>
+        </p:txBody>
+      </p:sp>
+      <p:sp>
+        <p:nvSpPr>
+          <p:cNvPr id="4" name="Slide Number Placeholder 3"/>
+          <p:cNvSpPr>
+            <a:spLocks noGrp="1"/>
+          </p:cNvSpPr>
+          <p:nvPr>
+            <p:ph type="sldNum" sz="quarter" idx="10"/>
+          </p:nvPr>
+        </p:nvSpPr>
+        <p:spPr/>
+        <p:txBody>
+          <a:bodyPr/>
+          <a:lstStyle/>
+          <a:p>
+            <a:fld id="{8D55EAEB-36BD-FF4D-B4A1-0D75FFEDD0E3}" type="slidenum">
+              <a:rPr lang="en-US" smtClean="0"/>
+              <a:t>6</a:t>
+            </a:fld>
+            <a:endParaRPr lang="en-US"/>
+          </a:p>
+        </p:txBody>
+      </p:sp>
+    </p:spTree>
+    <p:extLst>
+      <p:ext uri="{BB962C8B-B14F-4D97-AF65-F5344CB8AC3E}">
+        <p14:creationId xmlns:p14="http://schemas.microsoft.com/office/powerpoint/2010/main" val="2624913008"/>
+      </p:ext>
+    </p:extLst>
+  </p:cSld>
+  <p:clrMapOvr>
+    <a:masterClrMapping/>
+  </p:clrMapOvr>
+</p:notes>
+</file>
+
+<file path=ppt/notesSlides/notesSlide7.xml><?xml version="1.0" encoding="utf-8"?>
+<p:notes xmlns:a="http://schemas.openxmlformats.org/drawingml/2006/main" xmlns:r="http://schemas.openxmlformats.org/officeDocument/2006/relationships" xmlns:p="http://schemas.openxmlformats.org/presentationml/2006/main">
+  <p:cSld>
+    <p:spTree>
+      <p:nvGrpSpPr>
+        <p:cNvPr id="1" name=""/>
+        <p:cNvGrpSpPr/>
+        <p:nvPr/>
+      </p:nvGrpSpPr>
+      <p:grpSpPr>
+        <a:xfrm>
+          <a:off x="0" y="0"/>
+          <a:ext cx="0" cy="0"/>
+          <a:chOff x="0" y="0"/>
+          <a:chExt cx="0" cy="0"/>
+        </a:xfrm>
+      </p:grpSpPr>
+      <p:sp>
+        <p:nvSpPr>
+          <p:cNvPr id="2" name="Slide Image Placeholder 1"/>
+          <p:cNvSpPr>
+            <a:spLocks noGrp="1" noRot="1" noChangeAspect="1"/>
+          </p:cNvSpPr>
+          <p:nvPr>
+            <p:ph type="sldImg"/>
+          </p:nvPr>
+        </p:nvSpPr>
+        <p:spPr/>
+      </p:sp>
+      <p:sp>
+        <p:nvSpPr>
+          <p:cNvPr id="3" name="Notes Placeholder 2"/>
+          <p:cNvSpPr>
+            <a:spLocks noGrp="1"/>
+          </p:cNvSpPr>
+          <p:nvPr>
+            <p:ph type="body" idx="1"/>
+          </p:nvPr>
+        </p:nvSpPr>
+        <p:spPr/>
+        <p:txBody>
+          <a:bodyPr/>
+          <a:lstStyle/>
+          <a:p>
+            <a:endParaRPr lang="en-US"/>
+          </a:p>
+        </p:txBody>
+      </p:sp>
+      <p:sp>
+        <p:nvSpPr>
+          <p:cNvPr id="4" name="Slide Number Placeholder 3"/>
+          <p:cNvSpPr>
+            <a:spLocks noGrp="1"/>
+          </p:cNvSpPr>
+          <p:nvPr>
+            <p:ph type="sldNum" sz="quarter" idx="10"/>
+          </p:nvPr>
+        </p:nvSpPr>
+        <p:spPr/>
+        <p:txBody>
+          <a:bodyPr/>
+          <a:lstStyle/>
+          <a:p>
+            <a:fld id="{8D55EAEB-36BD-FF4D-B4A1-0D75FFEDD0E3}" type="slidenum">
+              <a:rPr lang="en-US" smtClean="0"/>
+              <a:t>7</a:t>
+            </a:fld>
+            <a:endParaRPr lang="en-US"/>
+          </a:p>
+        </p:txBody>
+      </p:sp>
+    </p:spTree>
+    <p:extLst>
+      <p:ext uri="{BB962C8B-B14F-4D97-AF65-F5344CB8AC3E}">
+        <p14:creationId xmlns:p14="http://schemas.microsoft.com/office/powerpoint/2010/main" val="1458586622"/>
+      </p:ext>
+    </p:extLst>
+  </p:cSld>
+  <p:clrMapOvr>
+    <a:masterClrMapping/>
+  </p:clrMapOvr>
+</p:notes>
+</file>
+
+<file path=ppt/notesSlides/notesSlide8.xml><?xml version="1.0" encoding="utf-8"?>
+<p:notes xmlns:a="http://schemas.openxmlformats.org/drawingml/2006/main" xmlns:r="http://schemas.openxmlformats.org/officeDocument/2006/relationships" xmlns:p="http://schemas.openxmlformats.org/presentationml/2006/main">
+  <p:cSld>
+    <p:spTree>
+      <p:nvGrpSpPr>
+        <p:cNvPr id="1" name=""/>
+        <p:cNvGrpSpPr/>
+        <p:nvPr/>
+      </p:nvGrpSpPr>
+      <p:grpSpPr>
+        <a:xfrm>
+          <a:off x="0" y="0"/>
+          <a:ext cx="0" cy="0"/>
+          <a:chOff x="0" y="0"/>
+          <a:chExt cx="0" cy="0"/>
+        </a:xfrm>
+      </p:grpSpPr>
+      <p:sp>
+        <p:nvSpPr>
+          <p:cNvPr id="2" name="Slide Image Placeholder 1"/>
+          <p:cNvSpPr>
+            <a:spLocks noGrp="1" noRot="1" noChangeAspect="1"/>
+          </p:cNvSpPr>
+          <p:nvPr>
+            <p:ph type="sldImg"/>
+          </p:nvPr>
+        </p:nvSpPr>
+        <p:spPr/>
+      </p:sp>
+      <p:sp>
+        <p:nvSpPr>
+          <p:cNvPr id="3" name="Notes Placeholder 2"/>
+          <p:cNvSpPr>
+            <a:spLocks noGrp="1"/>
+          </p:cNvSpPr>
+          <p:nvPr>
+            <p:ph type="body" idx="1"/>
+          </p:nvPr>
+        </p:nvSpPr>
+        <p:spPr/>
+        <p:txBody>
+          <a:bodyPr/>
+          <a:lstStyle/>
+          <a:p>
+            <a:endParaRPr lang="en-US"/>
+          </a:p>
+        </p:txBody>
+      </p:sp>
+      <p:sp>
+        <p:nvSpPr>
+          <p:cNvPr id="4" name="Slide Number Placeholder 3"/>
+          <p:cNvSpPr>
+            <a:spLocks noGrp="1"/>
+          </p:cNvSpPr>
+          <p:nvPr>
+            <p:ph type="sldNum" sz="quarter" idx="10"/>
+          </p:nvPr>
+        </p:nvSpPr>
+        <p:spPr/>
+        <p:txBody>
+          <a:bodyPr/>
+          <a:lstStyle/>
+          <a:p>
+            <a:fld id="{8D55EAEB-36BD-FF4D-B4A1-0D75FFEDD0E3}" type="slidenum">
+              <a:rPr lang="en-US" smtClean="0"/>
+              <a:t>8</a:t>
+            </a:fld>
+            <a:endParaRPr lang="en-US"/>
+          </a:p>
+        </p:txBody>
+      </p:sp>
+    </p:spTree>
+    <p:extLst>
+      <p:ext uri="{BB962C8B-B14F-4D97-AF65-F5344CB8AC3E}">
+        <p14:creationId xmlns:p14="http://schemas.microsoft.com/office/powerpoint/2010/main" val="319987458"/>
+      </p:ext>
+    </p:extLst>
+  </p:cSld>
+  <p:clrMapOvr>
+    <a:masterClrMapping/>
+  </p:clrMapOvr>
+</p:notes>
+</file>
+
+<file path=ppt/notesSlides/notesSlide9.xml><?xml version="1.0" encoding="utf-8"?>
+<p:notes xmlns:a="http://schemas.openxmlformats.org/drawingml/2006/main" xmlns:r="http://schemas.openxmlformats.org/officeDocument/2006/relationships" xmlns:p="http://schemas.openxmlformats.org/presentationml/2006/main">
+  <p:cSld>
+    <p:spTree>
+      <p:nvGrpSpPr>
+        <p:cNvPr id="1" name=""/>
+        <p:cNvGrpSpPr/>
+        <p:nvPr/>
+      </p:nvGrpSpPr>
+      <p:grpSpPr>
+        <a:xfrm>
+          <a:off x="0" y="0"/>
+          <a:ext cx="0" cy="0"/>
+          <a:chOff x="0" y="0"/>
+          <a:chExt cx="0" cy="0"/>
+        </a:xfrm>
+      </p:grpSpPr>
+      <p:sp>
+        <p:nvSpPr>
+          <p:cNvPr id="2" name="Slide Image Placeholder 1"/>
+          <p:cNvSpPr>
+            <a:spLocks noGrp="1" noRot="1" noChangeAspect="1"/>
+          </p:cNvSpPr>
+          <p:nvPr>
+            <p:ph type="sldImg"/>
+          </p:nvPr>
+        </p:nvSpPr>
+        <p:spPr/>
+      </p:sp>
+      <p:sp>
+        <p:nvSpPr>
+          <p:cNvPr id="3" name="Notes Placeholder 2"/>
+          <p:cNvSpPr>
+            <a:spLocks noGrp="1"/>
+          </p:cNvSpPr>
+          <p:nvPr>
+            <p:ph type="body" idx="1"/>
+          </p:nvPr>
+        </p:nvSpPr>
+        <p:spPr/>
+        <p:txBody>
+          <a:bodyPr/>
+          <a:lstStyle/>
+          <a:p>
+            <a:endParaRPr lang="en-US"/>
+          </a:p>
+        </p:txBody>
+      </p:sp>
+      <p:sp>
+        <p:nvSpPr>
+          <p:cNvPr id="4" name="Slide Number Placeholder 3"/>
+          <p:cNvSpPr>
+            <a:spLocks noGrp="1"/>
+          </p:cNvSpPr>
+          <p:nvPr>
+            <p:ph type="sldNum" sz="quarter" idx="10"/>
+          </p:nvPr>
+        </p:nvSpPr>
+        <p:spPr/>
+        <p:txBody>
+          <a:bodyPr/>
+          <a:lstStyle/>
+          <a:p>
+            <a:fld id="{8D55EAEB-36BD-FF4D-B4A1-0D75FFEDD0E3}" type="slidenum">
+              <a:rPr lang="en-US" smtClean="0"/>
+              <a:t>9</a:t>
+            </a:fld>
+            <a:endParaRPr lang="en-US"/>
+          </a:p>
+        </p:txBody>
+      </p:sp>
+    </p:spTree>
+    <p:extLst>
+      <p:ext uri="{BB962C8B-B14F-4D97-AF65-F5344CB8AC3E}">
+        <p14:creationId xmlns:p14="http://schemas.microsoft.com/office/powerpoint/2010/main" val="554988671"/>
       </p:ext>
     </p:extLst>
   </p:cSld>
@@ -1112,7 +2287,7 @@
           <a:p>
             <a:fld id="{CEB1479B-2454-8E48-9041-E1255446920F}" type="datetimeFigureOut">
               <a:rPr lang="en-US" smtClean="0"/>
-              <a:t>7/9/13</a:t>
+              <a:t>5/6/14</a:t>
             </a:fld>
             <a:endParaRPr lang="en-US"/>
           </a:p>
@@ -1305,7 +2480,7 @@
           <a:p>
             <a:fld id="{CEB1479B-2454-8E48-9041-E1255446920F}" type="datetimeFigureOut">
               <a:rPr lang="en-US" smtClean="0"/>
-              <a:t>7/9/13</a:t>
+              <a:t>5/6/14</a:t>
             </a:fld>
             <a:endParaRPr lang="en-US"/>
           </a:p>
@@ -1574,7 +2749,7 @@
           <a:p>
             <a:fld id="{CEB1479B-2454-8E48-9041-E1255446920F}" type="datetimeFigureOut">
               <a:rPr lang="en-US" smtClean="0"/>
-              <a:t>7/9/13</a:t>
+              <a:t>5/6/14</a:t>
             </a:fld>
             <a:endParaRPr lang="en-US"/>
           </a:p>
@@ -1753,7 +2928,7 @@
           <a:p>
             <a:fld id="{CEB1479B-2454-8E48-9041-E1255446920F}" type="datetimeFigureOut">
               <a:rPr lang="en-US" smtClean="0"/>
-              <a:t>7/9/13</a:t>
+              <a:t>5/6/14</a:t>
             </a:fld>
             <a:endParaRPr lang="en-US"/>
           </a:p>
@@ -1922,7 +3097,7 @@
           <a:p>
             <a:fld id="{CEB1479B-2454-8E48-9041-E1255446920F}" type="datetimeFigureOut">
               <a:rPr lang="en-US" smtClean="0"/>
-              <a:t>7/9/13</a:t>
+              <a:t>5/6/14</a:t>
             </a:fld>
             <a:endParaRPr lang="en-US"/>
           </a:p>
@@ -2164,7 +3339,7 @@
           <a:p>
             <a:fld id="{CEB1479B-2454-8E48-9041-E1255446920F}" type="datetimeFigureOut">
               <a:rPr lang="en-US" smtClean="0"/>
-              <a:t>7/9/13</a:t>
+              <a:t>5/6/14</a:t>
             </a:fld>
             <a:endParaRPr lang="en-US"/>
           </a:p>
@@ -2487,7 +3662,7 @@
           <a:p>
             <a:fld id="{CEB1479B-2454-8E48-9041-E1255446920F}" type="datetimeFigureOut">
               <a:rPr lang="en-US" smtClean="0"/>
-              <a:t>7/9/13</a:t>
+              <a:t>5/6/14</a:t>
             </a:fld>
             <a:endParaRPr lang="en-US"/>
           </a:p>
@@ -2785,7 +3960,7 @@
           <a:p>
             <a:fld id="{CEB1479B-2454-8E48-9041-E1255446920F}" type="datetimeFigureOut">
               <a:rPr lang="en-US" smtClean="0"/>
-              <a:t>7/9/13</a:t>
+              <a:t>5/6/14</a:t>
             </a:fld>
             <a:endParaRPr lang="en-US"/>
           </a:p>
@@ -3241,7 +4416,7 @@
           <a:p>
             <a:fld id="{CEB1479B-2454-8E48-9041-E1255446920F}" type="datetimeFigureOut">
               <a:rPr lang="en-US" smtClean="0"/>
-              <a:t>7/9/13</a:t>
+              <a:t>5/6/14</a:t>
             </a:fld>
             <a:endParaRPr lang="en-US"/>
           </a:p>
@@ -3354,7 +4529,7 @@
           <a:p>
             <a:fld id="{CEB1479B-2454-8E48-9041-E1255446920F}" type="datetimeFigureOut">
               <a:rPr lang="en-US" smtClean="0"/>
-              <a:t>7/9/13</a:t>
+              <a:t>5/6/14</a:t>
             </a:fld>
             <a:endParaRPr lang="en-US"/>
           </a:p>
@@ -3444,7 +4619,7 @@
           <a:p>
             <a:fld id="{CEB1479B-2454-8E48-9041-E1255446920F}" type="datetimeFigureOut">
               <a:rPr lang="en-US" smtClean="0"/>
-              <a:t>7/9/13</a:t>
+              <a:t>5/6/14</a:t>
             </a:fld>
             <a:endParaRPr lang="en-US"/>
           </a:p>
@@ -3726,7 +4901,7 @@
           <a:p>
             <a:fld id="{CEB1479B-2454-8E48-9041-E1255446920F}" type="datetimeFigureOut">
               <a:rPr lang="en-US" smtClean="0"/>
-              <a:t>7/9/13</a:t>
+              <a:t>5/6/14</a:t>
             </a:fld>
             <a:endParaRPr lang="en-US"/>
           </a:p>
@@ -3933,7 +5108,7 @@
           <a:p>
             <a:fld id="{CEB1479B-2454-8E48-9041-E1255446920F}" type="datetimeFigureOut">
               <a:rPr lang="en-US" smtClean="0"/>
-              <a:t>7/9/13</a:t>
+              <a:t>5/6/14</a:t>
             </a:fld>
             <a:endParaRPr lang="en-US"/>
           </a:p>
@@ -4445,29 +5620,6 @@
             </a:r>
             <a:endParaRPr lang="en-US" dirty="0" smtClean="0"/>
           </a:p>
-          <a:p>
-            <a:endParaRPr lang="en-US" dirty="0" smtClean="0"/>
-          </a:p>
-          <a:p>
-            <a:r>
-              <a:rPr lang="en-US" dirty="0" smtClean="0"/>
-              <a:t>Cody Bunch</a:t>
-            </a:r>
-          </a:p>
-          <a:p>
-            <a:r>
-              <a:rPr lang="en-US" dirty="0" smtClean="0"/>
-              <a:t>@</a:t>
-            </a:r>
-            <a:r>
-              <a:rPr lang="en-US" dirty="0" err="1" smtClean="0"/>
-              <a:t>cody_bunch</a:t>
-            </a:r>
-            <a:endParaRPr lang="en-US" dirty="0" smtClean="0"/>
-          </a:p>
-          <a:p>
-            <a:endParaRPr lang="en-US" dirty="0"/>
-          </a:p>
         </p:txBody>
       </p:sp>
       <p:pic>
@@ -4479,7 +5631,7 @@
           <p:nvPr/>
         </p:nvPicPr>
         <p:blipFill>
-          <a:blip r:embed="rId2">
+          <a:blip r:embed="rId3">
             <a:extLst>
               <a:ext uri="{28A0092B-C50C-407E-A947-70E740481C1C}">
                 <a14:useLocalDpi xmlns:a14="http://schemas.microsoft.com/office/drawing/2010/main" val="0"/>
@@ -4509,7 +5661,7 @@
           <p:nvPr/>
         </p:nvPicPr>
         <p:blipFill>
-          <a:blip r:embed="rId3">
+          <a:blip r:embed="rId4">
             <a:extLst>
               <a:ext uri="{28A0092B-C50C-407E-A947-70E740481C1C}">
                 <a14:useLocalDpi xmlns:a14="http://schemas.microsoft.com/office/drawing/2010/main" val="0"/>
@@ -4669,13 +5821,13 @@
             </a:r>
             <a:r>
               <a:rPr lang="en-US" dirty="0">
-                <a:hlinkClick r:id="rId2"/>
+                <a:hlinkClick r:id="rId3"/>
               </a:rPr>
               <a:t>https://github.com/VMTrooper/</a:t>
             </a:r>
             <a:r>
               <a:rPr lang="en-US" dirty="0" smtClean="0">
-                <a:hlinkClick r:id="rId2"/>
+                <a:hlinkClick r:id="rId3"/>
               </a:rPr>
               <a:t>VagrantBrownBag</a:t>
             </a:r>
@@ -4829,15 +5981,19 @@
             </a:pPr>
             <a:r>
               <a:rPr lang="en-US" dirty="0" smtClean="0"/>
-              <a:t>NOTE: for NAT addresses (i.e. :</a:t>
+              <a:t>NOTE: For the :</a:t>
             </a:r>
             <a:r>
               <a:rPr lang="en-US" dirty="0" err="1" smtClean="0"/>
               <a:t>public_network</a:t>
             </a:r>
             <a:r>
-              <a:rPr lang="en-US" dirty="0" smtClean="0"/>
-              <a:t>), you will need to do some extra work involving DHCP</a:t>
+              <a:rPr lang="en-US" dirty="0"/>
+              <a:t> </a:t>
+            </a:r>
+            <a:r>
+              <a:rPr lang="en-US" dirty="0" smtClean="0"/>
+              <a:t>option, you will need to do some extra work involving DHCP</a:t>
             </a:r>
             <a:endParaRPr lang="en-US" dirty="0"/>
           </a:p>
@@ -4906,234 +6062,67 @@
             <p:ph idx="1"/>
           </p:nvPr>
         </p:nvSpPr>
-        <p:spPr/>
+        <p:spPr>
+          <a:xfrm>
+            <a:off x="549274" y="1200151"/>
+            <a:ext cx="8446889" cy="3257550"/>
+          </a:xfrm>
+        </p:spPr>
         <p:txBody>
           <a:bodyPr>
-            <a:normAutofit fontScale="25000" lnSpcReduction="20000"/>
+            <a:normAutofit/>
           </a:bodyPr>
           <a:lstStyle/>
           <a:p>
             <a:r>
-              <a:rPr lang="en-US" sz="9600" dirty="0" smtClean="0"/>
-              <a:t>Memory</a:t>
-            </a:r>
-          </a:p>
-          <a:p>
-            <a:endParaRPr lang="en-US" sz="9600" dirty="0" smtClean="0"/>
-          </a:p>
-          <a:p>
-            <a:pPr marL="0" indent="0">
-              <a:spcBef>
-                <a:spcPts val="0"/>
-              </a:spcBef>
-              <a:buNone/>
-            </a:pPr>
-            <a:r>
-              <a:rPr lang="en-US" sz="8000" dirty="0" smtClean="0"/>
-              <a:t># </a:t>
-            </a:r>
-            <a:r>
-              <a:rPr lang="en-US" sz="8000" dirty="0"/>
-              <a:t>If using Fusion</a:t>
-            </a:r>
-            <a:endParaRPr lang="en-US" sz="8000" dirty="0" smtClean="0"/>
-          </a:p>
-          <a:p>
-            <a:pPr marL="0" indent="0">
-              <a:spcBef>
-                <a:spcPts val="0"/>
-              </a:spcBef>
-              <a:buNone/>
-            </a:pPr>
-            <a:r>
-              <a:rPr lang="en-US" sz="8000" dirty="0" err="1" smtClean="0"/>
-              <a:t>config.vm.provider</a:t>
-            </a:r>
-            <a:r>
-              <a:rPr lang="en-US" sz="8000" dirty="0" smtClean="0"/>
-              <a:t> </a:t>
-            </a:r>
-            <a:r>
-              <a:rPr lang="en-US" sz="8000" dirty="0"/>
-              <a:t>:</a:t>
-            </a:r>
-            <a:r>
-              <a:rPr lang="en-US" sz="8000" dirty="0" err="1"/>
-              <a:t>vmware_fusion</a:t>
-            </a:r>
-            <a:r>
-              <a:rPr lang="en-US" sz="8000" dirty="0"/>
-              <a:t> do |v|</a:t>
-            </a:r>
-          </a:p>
-          <a:p>
-            <a:pPr marL="0" indent="0">
-              <a:spcBef>
-                <a:spcPts val="0"/>
-              </a:spcBef>
-              <a:buNone/>
-            </a:pPr>
-            <a:r>
-              <a:rPr lang="en-US" sz="8000" dirty="0"/>
-              <a:t>     </a:t>
-            </a:r>
-            <a:r>
-              <a:rPr lang="en-US" sz="8000" dirty="0" smtClean="0"/>
-              <a:t> </a:t>
-            </a:r>
-            <a:r>
-              <a:rPr lang="en-US" sz="8000" dirty="0" err="1"/>
-              <a:t>v.vmx</a:t>
-            </a:r>
-            <a:r>
-              <a:rPr lang="en-US" sz="8000" dirty="0"/>
-              <a:t>["</a:t>
-            </a:r>
-            <a:r>
-              <a:rPr lang="en-US" sz="8000" dirty="0" err="1"/>
-              <a:t>memsize</a:t>
-            </a:r>
-            <a:r>
-              <a:rPr lang="en-US" sz="8000" dirty="0"/>
-              <a:t>"] = 1024</a:t>
-            </a:r>
-          </a:p>
-          <a:p>
-            <a:pPr marL="0" indent="0">
-              <a:spcBef>
-                <a:spcPts val="0"/>
-              </a:spcBef>
-              <a:buNone/>
-            </a:pPr>
-            <a:r>
-              <a:rPr lang="en-US" sz="8000" dirty="0" smtClean="0"/>
-              <a:t>end</a:t>
-            </a:r>
-          </a:p>
-          <a:p>
-            <a:pPr marL="0" indent="0">
-              <a:spcBef>
-                <a:spcPts val="0"/>
-              </a:spcBef>
-              <a:buNone/>
-            </a:pPr>
-            <a:endParaRPr lang="en-US" sz="8000" dirty="0"/>
-          </a:p>
-          <a:p>
-            <a:pPr marL="0" indent="0">
-              <a:spcBef>
-                <a:spcPts val="0"/>
-              </a:spcBef>
-              <a:buNone/>
-            </a:pPr>
-            <a:r>
-              <a:rPr lang="en-US" sz="8000" dirty="0" smtClean="0"/>
-              <a:t># If </a:t>
-            </a:r>
-            <a:r>
-              <a:rPr lang="en-US" sz="8000" dirty="0"/>
-              <a:t>using </a:t>
-            </a:r>
-            <a:r>
-              <a:rPr lang="en-US" sz="8000" dirty="0" err="1"/>
-              <a:t>VirtualBox</a:t>
-            </a:r>
-            <a:endParaRPr lang="en-US" sz="8000" dirty="0"/>
-          </a:p>
-          <a:p>
-            <a:pPr marL="0" indent="0">
-              <a:spcBef>
-                <a:spcPts val="0"/>
-              </a:spcBef>
-              <a:buNone/>
-            </a:pPr>
-            <a:r>
-              <a:rPr lang="en-US" sz="8000" dirty="0" err="1" smtClean="0"/>
-              <a:t>config.vm.provider</a:t>
-            </a:r>
-            <a:r>
-              <a:rPr lang="en-US" sz="8000" dirty="0" smtClean="0"/>
-              <a:t> </a:t>
-            </a:r>
-            <a:r>
-              <a:rPr lang="en-US" sz="8000" dirty="0"/>
-              <a:t>:</a:t>
-            </a:r>
-            <a:r>
-              <a:rPr lang="en-US" sz="8000" dirty="0" err="1"/>
-              <a:t>virtualbox</a:t>
-            </a:r>
-            <a:r>
-              <a:rPr lang="en-US" sz="8000" dirty="0"/>
-              <a:t> do |</a:t>
-            </a:r>
-            <a:r>
-              <a:rPr lang="en-US" sz="8000" dirty="0" err="1"/>
-              <a:t>vbox</a:t>
-            </a:r>
-            <a:r>
-              <a:rPr lang="en-US" sz="8000" dirty="0"/>
-              <a:t>|</a:t>
-            </a:r>
-          </a:p>
-          <a:p>
-            <a:pPr marL="0" indent="0">
-              <a:spcBef>
-                <a:spcPts val="0"/>
-              </a:spcBef>
-              <a:buNone/>
-            </a:pPr>
-            <a:r>
-              <a:rPr lang="en-US" sz="8000" dirty="0"/>
-              <a:t>     </a:t>
-            </a:r>
-            <a:r>
-              <a:rPr lang="en-US" sz="8000" dirty="0" err="1" smtClean="0"/>
-              <a:t>vbox.customize</a:t>
-            </a:r>
-            <a:r>
-              <a:rPr lang="en-US" sz="8000" dirty="0" smtClean="0"/>
-              <a:t> </a:t>
-            </a:r>
-            <a:r>
-              <a:rPr lang="en-US" sz="8000" dirty="0"/>
-              <a:t>["</a:t>
-            </a:r>
-            <a:r>
-              <a:rPr lang="en-US" sz="8000" dirty="0" err="1"/>
-              <a:t>modifyvm</a:t>
-            </a:r>
-            <a:r>
-              <a:rPr lang="en-US" sz="8000" dirty="0"/>
-              <a:t>", :id, "--memory", 1024]</a:t>
-            </a:r>
-          </a:p>
-          <a:p>
-            <a:pPr marL="0" indent="0">
-              <a:spcBef>
-                <a:spcPts val="0"/>
-              </a:spcBef>
-              <a:buNone/>
-            </a:pPr>
-            <a:r>
-              <a:rPr lang="en-US" sz="8000" dirty="0" smtClean="0"/>
-              <a:t>end</a:t>
-            </a:r>
-          </a:p>
-          <a:p>
-            <a:pPr>
-              <a:spcBef>
-                <a:spcPts val="0"/>
-              </a:spcBef>
-            </a:pPr>
-            <a:endParaRPr lang="en-US" dirty="0"/>
+              <a:rPr lang="en-US" dirty="0" smtClean="0"/>
+              <a:t>IMPORTANT for </a:t>
+            </a:r>
+            <a:r>
+              <a:rPr lang="en-US" dirty="0" err="1" smtClean="0"/>
+              <a:t>Virtualbox</a:t>
+            </a:r>
+            <a:r>
+              <a:rPr lang="en-US" dirty="0" smtClean="0"/>
+              <a:t>!</a:t>
+            </a:r>
+          </a:p>
+          <a:p>
+            <a:pPr lvl="1"/>
+            <a:r>
+              <a:rPr lang="en-US" dirty="0" smtClean="0"/>
+              <a:t>Port forwarding must be used if you want to access a specific port on your VM from your desktop… because, reasons:</a:t>
+            </a:r>
+          </a:p>
+          <a:p>
+            <a:pPr lvl="2"/>
+            <a:r>
+              <a:rPr lang="en-US" dirty="0" err="1"/>
+              <a:t>config.vm.network</a:t>
+            </a:r>
+            <a:r>
+              <a:rPr lang="en-US" dirty="0"/>
+              <a:t> "</a:t>
+            </a:r>
+            <a:r>
+              <a:rPr lang="en-US" dirty="0" err="1"/>
+              <a:t>forwarded_port</a:t>
+            </a:r>
+            <a:r>
+              <a:rPr lang="en-US" dirty="0"/>
+              <a:t>", guest: 80, host: </a:t>
+            </a:r>
+            <a:r>
+              <a:rPr lang="en-US" dirty="0" smtClean="0"/>
+              <a:t>8080</a:t>
+            </a:r>
           </a:p>
         </p:txBody>
       </p:sp>
     </p:spTree>
     <p:extLst>
       <p:ext uri="{BB962C8B-B14F-4D97-AF65-F5344CB8AC3E}">
-        <p14:creationId xmlns:p14="http://schemas.microsoft.com/office/powerpoint/2010/main" val="2877358671"/>
+        <p14:creationId xmlns:p14="http://schemas.microsoft.com/office/powerpoint/2010/main" val="3658704665"/>
       </p:ext>
     </p:extLst>
   </p:cSld>
@@ -5176,9 +6165,10 @@
           <a:lstStyle/>
           <a:p>
             <a:r>
-              <a:rPr lang="en-US" dirty="0"/>
-              <a:t>Multi-VM Configuration </a:t>
-            </a:r>
+              <a:rPr lang="en-US" dirty="0" smtClean="0"/>
+              <a:t>Customize Your VM</a:t>
+            </a:r>
+            <a:endParaRPr lang="en-US" dirty="0"/>
           </a:p>
         </p:txBody>
       </p:sp>
@@ -5194,42 +6184,314 @@
         </p:nvSpPr>
         <p:spPr/>
         <p:txBody>
-          <a:bodyPr/>
-          <a:lstStyle/>
-          <a:p>
-            <a:r>
-              <a:rPr lang="en-US" dirty="0" smtClean="0"/>
-              <a:t>Share files between VMs.</a:t>
-            </a:r>
-          </a:p>
-          <a:p>
-            <a:pPr lvl="1"/>
-            <a:r>
-              <a:rPr lang="en-US" dirty="0" smtClean="0"/>
-              <a:t>The </a:t>
-            </a:r>
-            <a:r>
-              <a:rPr lang="en-US" dirty="0" err="1" smtClean="0"/>
-              <a:t>Vagrantfile’s</a:t>
-            </a:r>
-            <a:r>
-              <a:rPr lang="en-US" dirty="0" smtClean="0"/>
-              <a:t> folder is mounted to </a:t>
-            </a:r>
-            <a:r>
-              <a:rPr lang="en-US" b="1" dirty="0" smtClean="0"/>
-              <a:t>/vagrant</a:t>
-            </a:r>
-            <a:r>
-              <a:rPr lang="en-US" dirty="0" smtClean="0"/>
-              <a:t> on each VM</a:t>
-            </a:r>
-          </a:p>
-          <a:p>
-            <a:r>
-              <a:rPr lang="en-US" dirty="0" smtClean="0"/>
-              <a:t>See sample code</a:t>
-            </a:r>
+          <a:bodyPr>
+            <a:normAutofit fontScale="25000" lnSpcReduction="20000"/>
+          </a:bodyPr>
+          <a:lstStyle/>
+          <a:p>
+            <a:r>
+              <a:rPr lang="en-US" sz="9600" dirty="0" smtClean="0"/>
+              <a:t>Memory</a:t>
+            </a:r>
+            <a:br>
+              <a:rPr lang="en-US" sz="9600" dirty="0" smtClean="0"/>
+            </a:br>
+            <a:endParaRPr lang="en-US" sz="9600" dirty="0" smtClean="0"/>
+          </a:p>
+          <a:p>
+            <a:pPr marL="0" indent="0">
+              <a:spcBef>
+                <a:spcPts val="0"/>
+              </a:spcBef>
+              <a:buNone/>
+            </a:pPr>
+            <a:r>
+              <a:rPr lang="en-US" sz="8000" dirty="0" smtClean="0"/>
+              <a:t># </a:t>
+            </a:r>
+            <a:r>
+              <a:rPr lang="en-US" sz="8000" dirty="0"/>
+              <a:t>If using Fusion</a:t>
+            </a:r>
+            <a:endParaRPr lang="en-US" sz="8000" dirty="0" smtClean="0"/>
+          </a:p>
+          <a:p>
+            <a:pPr marL="0" indent="0">
+              <a:spcBef>
+                <a:spcPts val="0"/>
+              </a:spcBef>
+              <a:buNone/>
+            </a:pPr>
+            <a:r>
+              <a:rPr lang="en-US" sz="8000" dirty="0" err="1" smtClean="0"/>
+              <a:t>config.vm.provider</a:t>
+            </a:r>
+            <a:r>
+              <a:rPr lang="en-US" sz="8000" dirty="0" smtClean="0"/>
+              <a:t> </a:t>
+            </a:r>
+            <a:r>
+              <a:rPr lang="en-US" sz="8000" dirty="0"/>
+              <a:t>:</a:t>
+            </a:r>
+            <a:r>
+              <a:rPr lang="en-US" sz="8000" dirty="0" err="1"/>
+              <a:t>vmware_fusion</a:t>
+            </a:r>
+            <a:r>
+              <a:rPr lang="en-US" sz="8000" dirty="0"/>
+              <a:t> do |v|</a:t>
+            </a:r>
+          </a:p>
+          <a:p>
+            <a:pPr marL="0" indent="0">
+              <a:spcBef>
+                <a:spcPts val="0"/>
+              </a:spcBef>
+              <a:buNone/>
+            </a:pPr>
+            <a:r>
+              <a:rPr lang="en-US" sz="8000" dirty="0"/>
+              <a:t>     </a:t>
+            </a:r>
+            <a:r>
+              <a:rPr lang="en-US" sz="8000" dirty="0" smtClean="0"/>
+              <a:t> </a:t>
+            </a:r>
+            <a:r>
+              <a:rPr lang="en-US" sz="8000" dirty="0" err="1"/>
+              <a:t>v.vmx</a:t>
+            </a:r>
+            <a:r>
+              <a:rPr lang="en-US" sz="8000" dirty="0"/>
+              <a:t>["</a:t>
+            </a:r>
+            <a:r>
+              <a:rPr lang="en-US" sz="8000" dirty="0" err="1"/>
+              <a:t>memsize</a:t>
+            </a:r>
+            <a:r>
+              <a:rPr lang="en-US" sz="8000" dirty="0"/>
+              <a:t>"] = </a:t>
+            </a:r>
+            <a:r>
+              <a:rPr lang="en-US" sz="8000" dirty="0" smtClean="0"/>
+              <a:t>1024</a:t>
+            </a:r>
+          </a:p>
+          <a:p>
+            <a:pPr marL="0" indent="0">
+              <a:spcBef>
+                <a:spcPts val="0"/>
+              </a:spcBef>
+              <a:buNone/>
+            </a:pPr>
+            <a:r>
+              <a:rPr lang="en-US" sz="8000" dirty="0"/>
+              <a:t> </a:t>
+            </a:r>
+            <a:r>
+              <a:rPr lang="en-US" sz="8000" dirty="0" smtClean="0"/>
+              <a:t>    </a:t>
+            </a:r>
+            <a:r>
+              <a:rPr lang="en-US" sz="8000" dirty="0"/>
+              <a:t> </a:t>
+            </a:r>
+            <a:r>
+              <a:rPr lang="en-US" sz="8000" dirty="0" err="1"/>
+              <a:t>v.vmx</a:t>
+            </a:r>
+            <a:r>
+              <a:rPr lang="en-US" sz="8000" dirty="0"/>
+              <a:t>["</a:t>
+            </a:r>
+            <a:r>
+              <a:rPr lang="en-US" sz="8000" dirty="0" err="1"/>
+              <a:t>numvcpus</a:t>
+            </a:r>
+            <a:r>
+              <a:rPr lang="en-US" sz="8000" dirty="0"/>
+              <a:t>"] = 2</a:t>
+            </a:r>
+          </a:p>
+          <a:p>
+            <a:pPr marL="0" indent="0">
+              <a:spcBef>
+                <a:spcPts val="0"/>
+              </a:spcBef>
+              <a:buNone/>
+            </a:pPr>
+            <a:r>
+              <a:rPr lang="en-US" sz="8000" dirty="0" smtClean="0"/>
+              <a:t>end</a:t>
+            </a:r>
+          </a:p>
+          <a:p>
+            <a:pPr marL="0" indent="0">
+              <a:spcBef>
+                <a:spcPts val="0"/>
+              </a:spcBef>
+              <a:buNone/>
+            </a:pPr>
+            <a:endParaRPr lang="en-US" sz="8000" dirty="0"/>
+          </a:p>
+          <a:p>
+            <a:pPr marL="0" indent="0">
+              <a:spcBef>
+                <a:spcPts val="0"/>
+              </a:spcBef>
+              <a:buNone/>
+            </a:pPr>
+            <a:r>
+              <a:rPr lang="en-US" sz="8000" dirty="0" smtClean="0"/>
+              <a:t># If </a:t>
+            </a:r>
+            <a:r>
+              <a:rPr lang="en-US" sz="8000" dirty="0"/>
+              <a:t>using </a:t>
+            </a:r>
+            <a:r>
+              <a:rPr lang="en-US" sz="8000" dirty="0" err="1"/>
+              <a:t>VirtualBox</a:t>
+            </a:r>
+            <a:endParaRPr lang="en-US" sz="8000" dirty="0"/>
+          </a:p>
+          <a:p>
+            <a:pPr marL="0" indent="0">
+              <a:spcBef>
+                <a:spcPts val="0"/>
+              </a:spcBef>
+              <a:buNone/>
+            </a:pPr>
+            <a:r>
+              <a:rPr lang="en-US" sz="8000" dirty="0" err="1" smtClean="0"/>
+              <a:t>config.vm.provider</a:t>
+            </a:r>
+            <a:r>
+              <a:rPr lang="en-US" sz="8000" dirty="0" smtClean="0"/>
+              <a:t> </a:t>
+            </a:r>
+            <a:r>
+              <a:rPr lang="en-US" sz="8000" dirty="0"/>
+              <a:t>:</a:t>
+            </a:r>
+            <a:r>
+              <a:rPr lang="en-US" sz="8000" dirty="0" err="1"/>
+              <a:t>virtualbox</a:t>
+            </a:r>
+            <a:r>
+              <a:rPr lang="en-US" sz="8000" dirty="0"/>
+              <a:t> do |</a:t>
+            </a:r>
+            <a:r>
+              <a:rPr lang="en-US" sz="8000" dirty="0" err="1"/>
+              <a:t>vbox</a:t>
+            </a:r>
+            <a:r>
+              <a:rPr lang="en-US" sz="8000" dirty="0"/>
+              <a:t>|</a:t>
+            </a:r>
+          </a:p>
+          <a:p>
+            <a:pPr marL="0" indent="0">
+              <a:spcBef>
+                <a:spcPts val="0"/>
+              </a:spcBef>
+              <a:buNone/>
+            </a:pPr>
+            <a:r>
+              <a:rPr lang="en-US" sz="8000" dirty="0"/>
+              <a:t>     </a:t>
+            </a:r>
+            <a:r>
+              <a:rPr lang="en-US" sz="8000" dirty="0" err="1" smtClean="0"/>
+              <a:t>vbox.customize</a:t>
+            </a:r>
+            <a:r>
+              <a:rPr lang="en-US" sz="8000" dirty="0" smtClean="0"/>
+              <a:t> </a:t>
+            </a:r>
+            <a:r>
+              <a:rPr lang="en-US" sz="8000" dirty="0"/>
+              <a:t>["</a:t>
+            </a:r>
+            <a:r>
+              <a:rPr lang="en-US" sz="8000" dirty="0" err="1"/>
+              <a:t>modifyvm</a:t>
+            </a:r>
+            <a:r>
+              <a:rPr lang="en-US" sz="8000" dirty="0"/>
+              <a:t>", :id, "--memory", 1024</a:t>
+            </a:r>
+            <a:r>
+              <a:rPr lang="en-US" sz="8000" dirty="0" smtClean="0"/>
+              <a:t>]</a:t>
+            </a:r>
+          </a:p>
+          <a:p>
+            <a:pPr marL="0" indent="0">
+              <a:spcBef>
+                <a:spcPts val="0"/>
+              </a:spcBef>
+              <a:buNone/>
+            </a:pPr>
+            <a:r>
+              <a:rPr lang="en-US" sz="8000" dirty="0" smtClean="0"/>
+              <a:t>     </a:t>
+            </a:r>
+            <a:r>
+              <a:rPr lang="en-US" sz="8000" dirty="0" err="1" smtClean="0"/>
+              <a:t>vbox.customize</a:t>
+            </a:r>
+            <a:r>
+              <a:rPr lang="en-US" sz="8000" dirty="0" smtClean="0"/>
+              <a:t> </a:t>
+            </a:r>
+            <a:r>
+              <a:rPr lang="en-US" sz="8000" dirty="0"/>
+              <a:t>["</a:t>
+            </a:r>
+            <a:r>
+              <a:rPr lang="en-US" sz="8000" dirty="0" err="1"/>
+              <a:t>modifyvm</a:t>
+            </a:r>
+            <a:r>
+              <a:rPr lang="en-US" sz="8000" dirty="0"/>
+              <a:t>", :id, "--</a:t>
+            </a:r>
+            <a:r>
+              <a:rPr lang="en-US" sz="8000" dirty="0" err="1"/>
+              <a:t>cpus</a:t>
+            </a:r>
+            <a:r>
+              <a:rPr lang="en-US" sz="8000" dirty="0"/>
+              <a:t>", 2</a:t>
+            </a:r>
+            <a:r>
+              <a:rPr lang="en-US" sz="8000" dirty="0" smtClean="0"/>
+              <a:t>]</a:t>
+            </a:r>
+            <a:endParaRPr lang="en-US" sz="8000" dirty="0"/>
+          </a:p>
+          <a:p>
+            <a:pPr marL="0" indent="0">
+              <a:spcBef>
+                <a:spcPts val="0"/>
+              </a:spcBef>
+              <a:buNone/>
+            </a:pPr>
+            <a:r>
+              <a:rPr lang="en-US" sz="8000" dirty="0" smtClean="0"/>
+              <a:t>end</a:t>
+            </a:r>
+          </a:p>
+          <a:p>
+            <a:pPr>
+              <a:spcBef>
+                <a:spcPts val="0"/>
+              </a:spcBef>
+            </a:pPr>
             <a:endParaRPr lang="en-US" dirty="0"/>
           </a:p>
         </p:txBody>
@@ -5237,7 +6499,7 @@
     </p:spTree>
     <p:extLst>
       <p:ext uri="{BB962C8B-B14F-4D97-AF65-F5344CB8AC3E}">
-        <p14:creationId xmlns:p14="http://schemas.microsoft.com/office/powerpoint/2010/main" val="4182006910"/>
+        <p14:creationId xmlns:p14="http://schemas.microsoft.com/office/powerpoint/2010/main" val="2877358671"/>
       </p:ext>
     </p:extLst>
   </p:cSld>
@@ -5280,6 +6542,145 @@
           <a:lstStyle/>
           <a:p>
             <a:r>
+              <a:rPr lang="en-US" dirty="0"/>
+              <a:t>Multi-VM Configuration </a:t>
+            </a:r>
+          </a:p>
+        </p:txBody>
+      </p:sp>
+      <p:sp>
+        <p:nvSpPr>
+          <p:cNvPr id="3" name="Content Placeholder 2"/>
+          <p:cNvSpPr>
+            <a:spLocks noGrp="1"/>
+          </p:cNvSpPr>
+          <p:nvPr>
+            <p:ph idx="1"/>
+          </p:nvPr>
+        </p:nvSpPr>
+        <p:spPr/>
+        <p:txBody>
+          <a:bodyPr/>
+          <a:lstStyle/>
+          <a:p>
+            <a:r>
+              <a:rPr lang="en-US" dirty="0" smtClean="0"/>
+              <a:t>Share files between VMs.</a:t>
+            </a:r>
+          </a:p>
+          <a:p>
+            <a:pPr lvl="1"/>
+            <a:r>
+              <a:rPr lang="en-US" dirty="0" smtClean="0"/>
+              <a:t>The </a:t>
+            </a:r>
+            <a:r>
+              <a:rPr lang="en-US" dirty="0" err="1" smtClean="0"/>
+              <a:t>Vagrantfile’s</a:t>
+            </a:r>
+            <a:r>
+              <a:rPr lang="en-US" dirty="0" smtClean="0"/>
+              <a:t> folder is mounted to </a:t>
+            </a:r>
+            <a:r>
+              <a:rPr lang="en-US" b="1" dirty="0" smtClean="0"/>
+              <a:t>/vagrant</a:t>
+            </a:r>
+            <a:r>
+              <a:rPr lang="en-US" dirty="0" smtClean="0"/>
+              <a:t> on each VM</a:t>
+            </a:r>
+          </a:p>
+          <a:p>
+            <a:r>
+              <a:rPr lang="en-US" dirty="0" smtClean="0"/>
+              <a:t>Use Ruby to make multi-VM deployments A LOT simpler (think </a:t>
+            </a:r>
+            <a:r>
+              <a:rPr lang="en-US" dirty="0" smtClean="0"/>
+              <a:t>loops, branching, </a:t>
+            </a:r>
+            <a:r>
+              <a:rPr lang="en-US" dirty="0" smtClean="0"/>
+              <a:t>variables!)</a:t>
+            </a:r>
+          </a:p>
+          <a:p>
+            <a:pPr lvl="1"/>
+            <a:r>
+              <a:rPr lang="en-US" dirty="0" smtClean="0"/>
+              <a:t>Compare sample code in ./</a:t>
+            </a:r>
+            <a:r>
+              <a:rPr lang="en-US" dirty="0" err="1" smtClean="0"/>
+              <a:t>multivmstatic</a:t>
+            </a:r>
+            <a:r>
+              <a:rPr lang="en-US" dirty="0" smtClean="0"/>
+              <a:t> </a:t>
+            </a:r>
+            <a:r>
+              <a:rPr lang="en-US" dirty="0" err="1" smtClean="0"/>
+              <a:t>vs</a:t>
+            </a:r>
+            <a:r>
+              <a:rPr lang="en-US" dirty="0" smtClean="0"/>
+              <a:t> ./</a:t>
+            </a:r>
+            <a:r>
+              <a:rPr lang="en-US" dirty="0" err="1" smtClean="0"/>
+              <a:t>multivmdynamic</a:t>
+            </a:r>
+            <a:endParaRPr lang="en-US" dirty="0"/>
+          </a:p>
+        </p:txBody>
+      </p:sp>
+    </p:spTree>
+    <p:extLst>
+      <p:ext uri="{BB962C8B-B14F-4D97-AF65-F5344CB8AC3E}">
+        <p14:creationId xmlns:p14="http://schemas.microsoft.com/office/powerpoint/2010/main" val="4182006910"/>
+      </p:ext>
+    </p:extLst>
+  </p:cSld>
+  <p:clrMapOvr>
+    <a:masterClrMapping/>
+  </p:clrMapOvr>
+</p:sld>
+</file>
+
+<file path=ppt/slides/slide15.xml><?xml version="1.0" encoding="utf-8"?>
+<p:sld xmlns:a="http://schemas.openxmlformats.org/drawingml/2006/main" xmlns:r="http://schemas.openxmlformats.org/officeDocument/2006/relationships" xmlns:p="http://schemas.openxmlformats.org/presentationml/2006/main">
+  <p:cSld>
+    <p:spTree>
+      <p:nvGrpSpPr>
+        <p:cNvPr id="1" name=""/>
+        <p:cNvGrpSpPr/>
+        <p:nvPr/>
+      </p:nvGrpSpPr>
+      <p:grpSpPr>
+        <a:xfrm>
+          <a:off x="0" y="0"/>
+          <a:ext cx="0" cy="0"/>
+          <a:chOff x="0" y="0"/>
+          <a:chExt cx="0" cy="0"/>
+        </a:xfrm>
+      </p:grpSpPr>
+      <p:sp>
+        <p:nvSpPr>
+          <p:cNvPr id="2" name="Title 1"/>
+          <p:cNvSpPr>
+            <a:spLocks noGrp="1"/>
+          </p:cNvSpPr>
+          <p:nvPr>
+            <p:ph type="title"/>
+          </p:nvPr>
+        </p:nvSpPr>
+        <p:spPr/>
+        <p:txBody>
+          <a:bodyPr/>
+          <a:lstStyle/>
+          <a:p>
+            <a:r>
               <a:rPr lang="en-US" dirty="0" err="1" smtClean="0"/>
               <a:t>Provisioners</a:t>
             </a:r>
@@ -5331,8 +6732,23 @@
           <a:p>
             <a:pPr lvl="1"/>
             <a:r>
+              <a:rPr lang="en-US" dirty="0" smtClean="0"/>
+              <a:t>Ansible</a:t>
+            </a:r>
+          </a:p>
+          <a:p>
+            <a:pPr lvl="1"/>
+            <a:r>
               <a:rPr lang="en-US" dirty="0" err="1" smtClean="0"/>
-              <a:t>Ansible</a:t>
+              <a:t>SaltStack</a:t>
+            </a:r>
+            <a:endParaRPr lang="en-US" dirty="0" smtClean="0"/>
+          </a:p>
+          <a:p>
+            <a:pPr lvl="1"/>
+            <a:r>
+              <a:rPr lang="en-US" dirty="0" err="1" smtClean="0"/>
+              <a:t>CFEngine</a:t>
             </a:r>
             <a:endParaRPr lang="en-US" dirty="0"/>
           </a:p>
@@ -5358,7 +6774,7 @@
 </p:sld>
 </file>
 
-<file path=ppt/slides/slide15.xml><?xml version="1.0" encoding="utf-8"?>
+<file path=ppt/slides/slide16.xml><?xml version="1.0" encoding="utf-8"?>
 <p:sld xmlns:a="http://schemas.openxmlformats.org/drawingml/2006/main" xmlns:r="http://schemas.openxmlformats.org/officeDocument/2006/relationships" xmlns:p="http://schemas.openxmlformats.org/presentationml/2006/main">
   <p:cSld>
     <p:spTree>
@@ -5430,118 +6846,118 @@
             </a:r>
             <a:r>
               <a:rPr lang="en-US" sz="1800" dirty="0">
-                <a:hlinkClick r:id="rId2"/>
+                <a:hlinkClick r:id="rId3"/>
               </a:rPr>
               <a:t>http://docs.vagrantup.com/v2</a:t>
-            </a:r>
-            <a:r>
-              <a:rPr lang="en-US" sz="1800" dirty="0" smtClean="0">
-                <a:hlinkClick r:id="rId2"/>
-              </a:rPr>
-              <a:t>/</a:t>
-            </a:r>
-            <a:endParaRPr lang="en-US" sz="1800" dirty="0"/>
-          </a:p>
-          <a:p>
-            <a:r>
-              <a:rPr lang="en-US" sz="1800" dirty="0" smtClean="0"/>
-              <a:t>Google Groups: </a:t>
             </a:r>
             <a:r>
               <a:rPr lang="en-US" sz="1800" dirty="0" smtClean="0">
                 <a:hlinkClick r:id="rId3"/>
               </a:rPr>
+              <a:t>/</a:t>
+            </a:r>
+            <a:endParaRPr lang="en-US" sz="1800" dirty="0"/>
+          </a:p>
+          <a:p>
+            <a:r>
+              <a:rPr lang="en-US" sz="1800" dirty="0" smtClean="0"/>
+              <a:t>Google Groups: </a:t>
+            </a:r>
+            <a:r>
+              <a:rPr lang="en-US" sz="1800" dirty="0" smtClean="0">
+                <a:hlinkClick r:id="rId4"/>
+              </a:rPr>
               <a:t>https</a:t>
             </a:r>
-            <a:r>
-              <a:rPr lang="en-US" sz="1800" dirty="0">
-                <a:hlinkClick r:id="rId3"/>
-              </a:rPr>
-              <a:t>://groups.google.com/forum/#!forum/vagrant-</a:t>
-            </a:r>
-            <a:r>
-              <a:rPr lang="en-US" sz="1800" dirty="0" smtClean="0">
-                <a:hlinkClick r:id="rId3"/>
-              </a:rPr>
-              <a:t>up</a:t>
-            </a:r>
-            <a:endParaRPr lang="en-US" sz="1800" dirty="0" smtClean="0"/>
-          </a:p>
-          <a:p>
-            <a:r>
-              <a:rPr lang="en-US" sz="1800" dirty="0" smtClean="0"/>
-              <a:t>IRC</a:t>
-            </a:r>
-            <a:r>
-              <a:rPr lang="en-US" sz="1800" dirty="0"/>
-              <a:t>: #vagrant on </a:t>
-            </a:r>
-            <a:r>
-              <a:rPr lang="en-US" sz="1800" dirty="0" err="1" smtClean="0"/>
-              <a:t>Freenode</a:t>
-            </a:r>
-            <a:endParaRPr lang="en-US" sz="1800" dirty="0" smtClean="0"/>
-          </a:p>
-          <a:p>
-            <a:r>
-              <a:rPr lang="en-US" sz="1800" dirty="0" err="1" smtClean="0"/>
-              <a:t>GitHub</a:t>
-            </a:r>
-            <a:r>
-              <a:rPr lang="en-US" sz="1800" dirty="0" smtClean="0"/>
-              <a:t> (Check out </a:t>
-            </a:r>
-            <a:r>
-              <a:rPr lang="en-US" sz="1800" dirty="0" err="1" smtClean="0"/>
-              <a:t>bunchc</a:t>
-            </a:r>
-            <a:r>
-              <a:rPr lang="en-US" sz="1800" dirty="0"/>
-              <a:t>, </a:t>
-            </a:r>
-            <a:r>
-              <a:rPr lang="en-US" sz="1800" dirty="0" err="1" smtClean="0"/>
-              <a:t>bodepd</a:t>
-            </a:r>
-            <a:r>
-              <a:rPr lang="en-US" sz="1800" dirty="0"/>
-              <a:t>, </a:t>
-            </a:r>
-            <a:r>
-              <a:rPr lang="en-US" sz="1800" dirty="0" err="1" smtClean="0"/>
-              <a:t>ody</a:t>
-            </a:r>
-            <a:r>
-              <a:rPr lang="en-US" sz="1800" dirty="0" smtClean="0"/>
-              <a:t>, </a:t>
-            </a:r>
-            <a:r>
-              <a:rPr lang="en-US" sz="1800" dirty="0" err="1" smtClean="0"/>
-              <a:t>etc</a:t>
-            </a:r>
-            <a:r>
-              <a:rPr lang="en-US" sz="1800" dirty="0" smtClean="0"/>
-              <a:t>)</a:t>
-            </a:r>
-          </a:p>
-          <a:p>
-            <a:r>
-              <a:rPr lang="en-US" sz="1800" dirty="0" smtClean="0"/>
-              <a:t>For Fusion-related tips, I post them as I find them:</a:t>
-            </a:r>
-            <a:endParaRPr lang="en-US" sz="1800" dirty="0"/>
-          </a:p>
-          <a:p>
-            <a:pPr lvl="1"/>
             <a:r>
               <a:rPr lang="en-US" sz="1800" dirty="0">
                 <a:hlinkClick r:id="rId4"/>
               </a:rPr>
-              <a:t>http://vmtrooper.com/category/automation/vagrant</a:t>
+              <a:t>://groups.google.com/forum/#!forum/vagrant-</a:t>
             </a:r>
             <a:r>
               <a:rPr lang="en-US" sz="1800" dirty="0" smtClean="0">
                 <a:hlinkClick r:id="rId4"/>
+              </a:rPr>
+              <a:t>up</a:t>
+            </a:r>
+            <a:endParaRPr lang="en-US" sz="1800" dirty="0" smtClean="0"/>
+          </a:p>
+          <a:p>
+            <a:r>
+              <a:rPr lang="en-US" sz="1800" dirty="0" smtClean="0"/>
+              <a:t>IRC</a:t>
+            </a:r>
+            <a:r>
+              <a:rPr lang="en-US" sz="1800" dirty="0"/>
+              <a:t>: #vagrant on </a:t>
+            </a:r>
+            <a:r>
+              <a:rPr lang="en-US" sz="1800" dirty="0" err="1" smtClean="0"/>
+              <a:t>Freenode</a:t>
+            </a:r>
+            <a:endParaRPr lang="en-US" sz="1800" dirty="0" smtClean="0"/>
+          </a:p>
+          <a:p>
+            <a:r>
+              <a:rPr lang="en-US" sz="1800" dirty="0" err="1" smtClean="0"/>
+              <a:t>GitHub</a:t>
+            </a:r>
+            <a:r>
+              <a:rPr lang="en-US" sz="1800" dirty="0" smtClean="0"/>
+              <a:t> (Check out </a:t>
+            </a:r>
+            <a:r>
+              <a:rPr lang="en-US" sz="1800" dirty="0" err="1" smtClean="0"/>
+              <a:t>bunchc</a:t>
+            </a:r>
+            <a:r>
+              <a:rPr lang="en-US" sz="1800" dirty="0"/>
+              <a:t>, </a:t>
+            </a:r>
+            <a:r>
+              <a:rPr lang="en-US" sz="1800" dirty="0" err="1" smtClean="0"/>
+              <a:t>bodepd</a:t>
+            </a:r>
+            <a:r>
+              <a:rPr lang="en-US" sz="1800" dirty="0"/>
+              <a:t>, </a:t>
+            </a:r>
+            <a:r>
+              <a:rPr lang="en-US" sz="1800" dirty="0" err="1" smtClean="0"/>
+              <a:t>ody</a:t>
+            </a:r>
+            <a:r>
+              <a:rPr lang="en-US" sz="1800" dirty="0" smtClean="0"/>
+              <a:t>, </a:t>
+            </a:r>
+            <a:r>
+              <a:rPr lang="en-US" sz="1800" dirty="0" err="1" smtClean="0"/>
+              <a:t>vmtrooper</a:t>
+            </a:r>
+            <a:r>
+              <a:rPr lang="en-US" sz="1800" dirty="0" smtClean="0"/>
+              <a:t> (me!), etc)</a:t>
+            </a:r>
+          </a:p>
+          <a:p>
+            <a:r>
+              <a:rPr lang="en-US" sz="1800" dirty="0" smtClean="0"/>
+              <a:t>For Fusion-related tips, I post them as I find them:</a:t>
+            </a:r>
+            <a:endParaRPr lang="en-US" sz="1800" dirty="0"/>
+          </a:p>
+          <a:p>
+            <a:pPr lvl="1"/>
+            <a:r>
+              <a:rPr lang="en-US" sz="1800" dirty="0">
+                <a:hlinkClick r:id="rId5"/>
+              </a:rPr>
+              <a:t>http://vmtrooper.com/category/automation/vagrant</a:t>
+            </a:r>
+            <a:r>
+              <a:rPr lang="en-US" sz="1800" dirty="0" smtClean="0">
+                <a:hlinkClick r:id="rId5"/>
               </a:rPr>
               <a:t>/</a:t>
             </a:r>
@@ -5565,7 +6981,7 @@
           <p:nvPr/>
         </p:nvPicPr>
         <p:blipFill>
-          <a:blip r:embed="rId5"/>
+          <a:blip r:embed="rId6"/>
           <a:stretch>
             <a:fillRect/>
           </a:stretch>
@@ -5909,10 +7325,20 @@
           <a:lstStyle/>
           <a:p>
             <a:r>
-              <a:rPr lang="en-US" dirty="0" smtClean="0">
-                <a:hlinkClick r:id="rId2"/>
-              </a:rPr>
-              <a:t>http://downloads.vagrantup.com</a:t>
+              <a:rPr lang="en-US" dirty="0"/>
+              <a:t>http://</a:t>
+            </a:r>
+            <a:r>
+              <a:rPr lang="en-US" dirty="0" err="1"/>
+              <a:t>www.vagrantup.com</a:t>
+            </a:r>
+            <a:r>
+              <a:rPr lang="en-US" dirty="0"/>
+              <a:t>/</a:t>
+            </a:r>
+            <a:r>
+              <a:rPr lang="en-US" dirty="0" err="1"/>
+              <a:t>downloads.html</a:t>
             </a:r>
             <a:endParaRPr lang="en-US" dirty="0" smtClean="0"/>
           </a:p>
@@ -5972,7 +7398,7 @@
           <a:p>
             <a:r>
               <a:rPr lang="en-US" dirty="0" smtClean="0"/>
-              <a:t>Step 3: Download a box</a:t>
+              <a:t>Step 3: Select a box</a:t>
             </a:r>
             <a:endParaRPr lang="en-US" dirty="0"/>
           </a:p>
@@ -5991,50 +7417,68 @@
         <p:spPr/>
         <p:txBody>
           <a:bodyPr>
-            <a:normAutofit/>
+            <a:normAutofit fontScale="92500" lnSpcReduction="10000"/>
           </a:bodyPr>
           <a:lstStyle/>
           <a:p>
             <a:r>
-              <a:rPr lang="en-US" dirty="0" err="1" smtClean="0"/>
-              <a:t>VirtualBox</a:t>
-            </a:r>
-            <a:r>
-              <a:rPr lang="en-US" dirty="0" smtClean="0"/>
-              <a:t>: </a:t>
-            </a:r>
+              <a:rPr lang="en-US" dirty="0" smtClean="0"/>
+              <a:t>Vagrant Cloud:</a:t>
+            </a:r>
+          </a:p>
+          <a:p>
+            <a:pPr marL="0" indent="0">
+              <a:buNone/>
+            </a:pPr>
             <a:r>
               <a:rPr lang="en-US" dirty="0">
                 <a:hlinkClick r:id="rId3"/>
               </a:rPr>
-              <a:t>http://files.vagrantup.com/</a:t>
+              <a:t>https://vagrantcloud.com/discover/</a:t>
             </a:r>
             <a:r>
               <a:rPr lang="en-US" dirty="0" smtClean="0">
                 <a:hlinkClick r:id="rId3"/>
               </a:rPr>
-              <a:t>precise64.box</a:t>
+              <a:t>featured</a:t>
             </a:r>
             <a:endParaRPr lang="en-US" dirty="0" smtClean="0"/>
           </a:p>
           <a:p>
             <a:r>
-              <a:rPr lang="en-US" dirty="0"/>
-              <a:t>VMware Fusion: </a:t>
-            </a:r>
+              <a:rPr lang="en-US" dirty="0" smtClean="0"/>
+              <a:t>Build your own:</a:t>
+            </a:r>
+          </a:p>
+          <a:p>
+            <a:pPr marL="0" indent="0">
+              <a:buNone/>
+            </a:pPr>
             <a:r>
               <a:rPr lang="en-US" dirty="0">
                 <a:hlinkClick r:id="rId4"/>
               </a:rPr>
-              <a:t>http://files.vagrantup.com/precise64_vmware.box</a:t>
+              <a:t>http://www.packer.io/docs/post-processors/</a:t>
+            </a:r>
+            <a:r>
+              <a:rPr lang="en-US" dirty="0" smtClean="0">
+                <a:hlinkClick r:id="rId4"/>
+              </a:rPr>
+              <a:t>vagrant.html</a:t>
+            </a:r>
+            <a:endParaRPr lang="en-US" dirty="0" smtClean="0"/>
+          </a:p>
+          <a:p>
+            <a:r>
+              <a:rPr lang="en-US" dirty="0" smtClean="0"/>
+              <a:t> Download and Use Others not on Vagrant Cloud:</a:t>
             </a:r>
             <a:endParaRPr lang="en-US" dirty="0"/>
           </a:p>
           <a:p>
-            <a:r>
-              <a:rPr lang="en-US" dirty="0" smtClean="0"/>
-              <a:t>Build your own or use others: </a:t>
-            </a:r>
+            <a:pPr marL="0" indent="0">
+              <a:buNone/>
+            </a:pPr>
             <a:r>
               <a:rPr lang="en-US" dirty="0" smtClean="0">
                 <a:hlinkClick r:id="rId5"/>
@@ -6151,23 +7595,45 @@
               <a:rPr lang="en-US" dirty="0" err="1" smtClean="0"/>
               <a:t>init</a:t>
             </a:r>
-            <a:endParaRPr lang="en-US" dirty="0" smtClean="0"/>
-          </a:p>
-          <a:p>
-            <a:r>
-              <a:rPr lang="en-US" dirty="0" smtClean="0"/>
-              <a:t>Edit the resulting </a:t>
+            <a:r>
+              <a:rPr lang="en-US" dirty="0" smtClean="0"/>
+              <a:t> </a:t>
             </a:r>
             <a:r>
               <a:rPr lang="en-US" dirty="0" err="1" smtClean="0"/>
-              <a:t>Vagrantfile</a:t>
-            </a:r>
-            <a:endParaRPr lang="en-US" dirty="0" smtClean="0"/>
-          </a:p>
-          <a:p>
-            <a:r>
-              <a:rPr lang="en-US" dirty="0" smtClean="0"/>
-              <a:t>vagrant up</a:t>
+              <a:t>hashicorp</a:t>
+            </a:r>
+            <a:r>
+              <a:rPr lang="en-US" dirty="0" smtClean="0"/>
+              <a:t>/precise64</a:t>
+            </a:r>
+          </a:p>
+          <a:p>
+            <a:r>
+              <a:rPr lang="en-US" dirty="0" smtClean="0"/>
+              <a:t>vagrant up (</a:t>
+            </a:r>
+            <a:r>
+              <a:rPr lang="en-US" dirty="0" err="1" smtClean="0"/>
+              <a:t>Virtualbox</a:t>
+            </a:r>
+            <a:r>
+              <a:rPr lang="en-US" dirty="0" smtClean="0"/>
+              <a:t>)</a:t>
+            </a:r>
+          </a:p>
+          <a:p>
+            <a:r>
+              <a:rPr lang="en-US" dirty="0" smtClean="0"/>
+              <a:t>vagrant up --provider=</a:t>
+            </a:r>
+            <a:r>
+              <a:rPr lang="en-US" dirty="0" err="1" smtClean="0"/>
+              <a:t>vmware_fusion</a:t>
+            </a:r>
+            <a:r>
+              <a:rPr lang="en-US" dirty="0" smtClean="0"/>
+              <a:t> (VMware)</a:t>
             </a:r>
             <a:endParaRPr lang="en-US" dirty="0"/>
           </a:p>
@@ -6340,7 +7806,7 @@
           </p:nvPr>
         </p:nvPicPr>
         <p:blipFill>
-          <a:blip r:embed="rId2">
+          <a:blip r:embed="rId3">
             <a:extLst>
               <a:ext uri="{28A0092B-C50C-407E-A947-70E740481C1C}">
                 <a14:useLocalDpi xmlns:a14="http://schemas.microsoft.com/office/drawing/2010/main" val="0"/>
